--- a/P1Z35_HBL.pptx
+++ b/P1Z35_HBL.pptx
@@ -4,9 +4,16 @@
   <p:sldMasterIdLst>
     <p:sldMasterId id="2147483648" r:id="rId4"/>
   </p:sldMasterIdLst>
+  <p:notesMasterIdLst>
+    <p:notesMasterId r:id="rId11"/>
+  </p:notesMasterIdLst>
   <p:sldIdLst>
     <p:sldId id="256" r:id="rId5"/>
     <p:sldId id="257" r:id="rId6"/>
+    <p:sldId id="258" r:id="rId7"/>
+    <p:sldId id="259" r:id="rId8"/>
+    <p:sldId id="260" r:id="rId9"/>
+    <p:sldId id="261" r:id="rId10"/>
   </p:sldIdLst>
   <p:sldSz cx="12192000" cy="6858000"/>
   <p:notesSz cx="6858000" cy="9144000"/>
@@ -105,7 +112,362 @@
       </a:defRPr>
     </a:lvl9pPr>
   </p:defaultTextStyle>
+  <p:extLst>
+    <p:ext uri="{EFAFB233-063F-42B5-8137-9DF3F51BA10A}">
+      <p15:sldGuideLst xmlns:p15="http://schemas.microsoft.com/office/powerpoint/2012/main"/>
+    </p:ext>
+  </p:extLst>
 </p:presentation>
+</file>
+
+<file path=ppt/notesMasters/notesMaster1.xml><?xml version="1.0" encoding="utf-8"?>
+<p:notesMaster xmlns:a="http://schemas.openxmlformats.org/drawingml/2006/main" xmlns:r="http://schemas.openxmlformats.org/officeDocument/2006/relationships" xmlns:p="http://schemas.openxmlformats.org/presentationml/2006/main">
+  <p:cSld>
+    <p:bg>
+      <p:bgRef idx="1001">
+        <a:schemeClr val="bg1"/>
+      </p:bgRef>
+    </p:bg>
+    <p:spTree>
+      <p:nvGrpSpPr>
+        <p:cNvPr id="1" name=""/>
+        <p:cNvGrpSpPr/>
+        <p:nvPr/>
+      </p:nvGrpSpPr>
+      <p:grpSpPr>
+        <a:xfrm>
+          <a:off x="0" y="0"/>
+          <a:ext cx="0" cy="0"/>
+          <a:chOff x="0" y="0"/>
+          <a:chExt cx="0" cy="0"/>
+        </a:xfrm>
+      </p:grpSpPr>
+      <p:sp>
+        <p:nvSpPr>
+          <p:cNvPr id="2" name="Header Placeholder 1"/>
+          <p:cNvSpPr>
+            <a:spLocks noGrp="1"/>
+          </p:cNvSpPr>
+          <p:nvPr>
+            <p:ph type="hdr" sz="quarter"/>
+          </p:nvPr>
+        </p:nvSpPr>
+        <p:spPr>
+          <a:xfrm>
+            <a:off x="0" y="0"/>
+            <a:ext cx="2971800" cy="458788"/>
+          </a:xfrm>
+          <a:prstGeom prst="rect">
+            <a:avLst/>
+          </a:prstGeom>
+        </p:spPr>
+        <p:txBody>
+          <a:bodyPr vert="horz" lIns="91440" tIns="45720" rIns="91440" bIns="45720" rtlCol="0"/>
+          <a:lstStyle>
+            <a:lvl1pPr algn="l">
+              <a:defRPr sz="1200"/>
+            </a:lvl1pPr>
+          </a:lstStyle>
+          <a:p>
+            <a:endParaRPr lang="pl-PL"/>
+          </a:p>
+        </p:txBody>
+      </p:sp>
+      <p:sp>
+        <p:nvSpPr>
+          <p:cNvPr id="3" name="Date Placeholder 2"/>
+          <p:cNvSpPr>
+            <a:spLocks noGrp="1"/>
+          </p:cNvSpPr>
+          <p:nvPr>
+            <p:ph type="dt" idx="1"/>
+          </p:nvPr>
+        </p:nvSpPr>
+        <p:spPr>
+          <a:xfrm>
+            <a:off x="3884613" y="0"/>
+            <a:ext cx="2971800" cy="458788"/>
+          </a:xfrm>
+          <a:prstGeom prst="rect">
+            <a:avLst/>
+          </a:prstGeom>
+        </p:spPr>
+        <p:txBody>
+          <a:bodyPr vert="horz" lIns="91440" tIns="45720" rIns="91440" bIns="45720" rtlCol="0"/>
+          <a:lstStyle>
+            <a:lvl1pPr algn="r">
+              <a:defRPr sz="1200"/>
+            </a:lvl1pPr>
+          </a:lstStyle>
+          <a:p>
+            <a:fld id="{1D5171CF-3650-478B-966C-DB2F6DEE0D30}" type="datetimeFigureOut">
+              <a:rPr lang="pl-PL" smtClean="0"/>
+              <a:t>14.11.2024</a:t>
+            </a:fld>
+            <a:endParaRPr lang="pl-PL"/>
+          </a:p>
+        </p:txBody>
+      </p:sp>
+      <p:sp>
+        <p:nvSpPr>
+          <p:cNvPr id="4" name="Slide Image Placeholder 3"/>
+          <p:cNvSpPr>
+            <a:spLocks noGrp="1" noRot="1" noChangeAspect="1"/>
+          </p:cNvSpPr>
+          <p:nvPr>
+            <p:ph type="sldImg" idx="2"/>
+          </p:nvPr>
+        </p:nvSpPr>
+        <p:spPr>
+          <a:xfrm>
+            <a:off x="685800" y="1143000"/>
+            <a:ext cx="5486400" cy="3086100"/>
+          </a:xfrm>
+          <a:prstGeom prst="rect">
+            <a:avLst/>
+          </a:prstGeom>
+          <a:noFill/>
+          <a:ln w="12700">
+            <a:solidFill>
+              <a:prstClr val="black"/>
+            </a:solidFill>
+          </a:ln>
+        </p:spPr>
+        <p:txBody>
+          <a:bodyPr vert="horz" lIns="91440" tIns="45720" rIns="91440" bIns="45720" rtlCol="0" anchor="ctr"/>
+          <a:lstStyle/>
+          <a:p>
+            <a:endParaRPr lang="pl-PL"/>
+          </a:p>
+        </p:txBody>
+      </p:sp>
+      <p:sp>
+        <p:nvSpPr>
+          <p:cNvPr id="5" name="Notes Placeholder 4"/>
+          <p:cNvSpPr>
+            <a:spLocks noGrp="1"/>
+          </p:cNvSpPr>
+          <p:nvPr>
+            <p:ph type="body" sz="quarter" idx="3"/>
+          </p:nvPr>
+        </p:nvSpPr>
+        <p:spPr>
+          <a:xfrm>
+            <a:off x="685800" y="4400550"/>
+            <a:ext cx="5486400" cy="3600450"/>
+          </a:xfrm>
+          <a:prstGeom prst="rect">
+            <a:avLst/>
+          </a:prstGeom>
+        </p:spPr>
+        <p:txBody>
+          <a:bodyPr vert="horz" lIns="91440" tIns="45720" rIns="91440" bIns="45720" rtlCol="0"/>
+          <a:lstStyle/>
+          <a:p>
+            <a:pPr lvl="0"/>
+            <a:r>
+              <a:rPr lang="en-US"/>
+              <a:t>Click to edit Master text styles</a:t>
+            </a:r>
+          </a:p>
+          <a:p>
+            <a:pPr lvl="1"/>
+            <a:r>
+              <a:rPr lang="en-US"/>
+              <a:t>Second level</a:t>
+            </a:r>
+          </a:p>
+          <a:p>
+            <a:pPr lvl="2"/>
+            <a:r>
+              <a:rPr lang="en-US"/>
+              <a:t>Third level</a:t>
+            </a:r>
+          </a:p>
+          <a:p>
+            <a:pPr lvl="3"/>
+            <a:r>
+              <a:rPr lang="en-US"/>
+              <a:t>Fourth level</a:t>
+            </a:r>
+          </a:p>
+          <a:p>
+            <a:pPr lvl="4"/>
+            <a:r>
+              <a:rPr lang="en-US"/>
+              <a:t>Fifth level</a:t>
+            </a:r>
+            <a:endParaRPr lang="pl-PL"/>
+          </a:p>
+        </p:txBody>
+      </p:sp>
+      <p:sp>
+        <p:nvSpPr>
+          <p:cNvPr id="6" name="Footer Placeholder 5"/>
+          <p:cNvSpPr>
+            <a:spLocks noGrp="1"/>
+          </p:cNvSpPr>
+          <p:nvPr>
+            <p:ph type="ftr" sz="quarter" idx="4"/>
+          </p:nvPr>
+        </p:nvSpPr>
+        <p:spPr>
+          <a:xfrm>
+            <a:off x="0" y="8685213"/>
+            <a:ext cx="2971800" cy="458787"/>
+          </a:xfrm>
+          <a:prstGeom prst="rect">
+            <a:avLst/>
+          </a:prstGeom>
+        </p:spPr>
+        <p:txBody>
+          <a:bodyPr vert="horz" lIns="91440" tIns="45720" rIns="91440" bIns="45720" rtlCol="0" anchor="b"/>
+          <a:lstStyle>
+            <a:lvl1pPr algn="l">
+              <a:defRPr sz="1200"/>
+            </a:lvl1pPr>
+          </a:lstStyle>
+          <a:p>
+            <a:endParaRPr lang="pl-PL"/>
+          </a:p>
+        </p:txBody>
+      </p:sp>
+      <p:sp>
+        <p:nvSpPr>
+          <p:cNvPr id="7" name="Slide Number Placeholder 6"/>
+          <p:cNvSpPr>
+            <a:spLocks noGrp="1"/>
+          </p:cNvSpPr>
+          <p:nvPr>
+            <p:ph type="sldNum" sz="quarter" idx="5"/>
+          </p:nvPr>
+        </p:nvSpPr>
+        <p:spPr>
+          <a:xfrm>
+            <a:off x="3884613" y="8685213"/>
+            <a:ext cx="2971800" cy="458787"/>
+          </a:xfrm>
+          <a:prstGeom prst="rect">
+            <a:avLst/>
+          </a:prstGeom>
+        </p:spPr>
+        <p:txBody>
+          <a:bodyPr vert="horz" lIns="91440" tIns="45720" rIns="91440" bIns="45720" rtlCol="0" anchor="b"/>
+          <a:lstStyle>
+            <a:lvl1pPr algn="r">
+              <a:defRPr sz="1200"/>
+            </a:lvl1pPr>
+          </a:lstStyle>
+          <a:p>
+            <a:fld id="{03F05B94-E817-4C2C-853E-343FE54E2847}" type="slidenum">
+              <a:rPr lang="pl-PL" smtClean="0"/>
+              <a:t>‹#›</a:t>
+            </a:fld>
+            <a:endParaRPr lang="pl-PL"/>
+          </a:p>
+        </p:txBody>
+      </p:sp>
+    </p:spTree>
+    <p:extLst>
+      <p:ext uri="{BB962C8B-B14F-4D97-AF65-F5344CB8AC3E}">
+        <p14:creationId xmlns:p14="http://schemas.microsoft.com/office/powerpoint/2010/main" val="1068550043"/>
+      </p:ext>
+    </p:extLst>
+  </p:cSld>
+  <p:clrMap bg1="lt1" tx1="dk1" bg2="lt2" tx2="dk2" accent1="accent1" accent2="accent2" accent3="accent3" accent4="accent4" accent5="accent5" accent6="accent6" hlink="hlink" folHlink="folHlink"/>
+  <p:notesStyle>
+    <a:lvl1pPr marL="0" algn="l" defTabSz="914400" rtl="0" eaLnBrk="1" latinLnBrk="0" hangingPunct="1">
+      <a:defRPr sz="1200" kern="1200">
+        <a:solidFill>
+          <a:schemeClr val="tx1"/>
+        </a:solidFill>
+        <a:latin typeface="+mn-lt"/>
+        <a:ea typeface="+mn-ea"/>
+        <a:cs typeface="+mn-cs"/>
+      </a:defRPr>
+    </a:lvl1pPr>
+    <a:lvl2pPr marL="457200" algn="l" defTabSz="914400" rtl="0" eaLnBrk="1" latinLnBrk="0" hangingPunct="1">
+      <a:defRPr sz="1200" kern="1200">
+        <a:solidFill>
+          <a:schemeClr val="tx1"/>
+        </a:solidFill>
+        <a:latin typeface="+mn-lt"/>
+        <a:ea typeface="+mn-ea"/>
+        <a:cs typeface="+mn-cs"/>
+      </a:defRPr>
+    </a:lvl2pPr>
+    <a:lvl3pPr marL="914400" algn="l" defTabSz="914400" rtl="0" eaLnBrk="1" latinLnBrk="0" hangingPunct="1">
+      <a:defRPr sz="1200" kern="1200">
+        <a:solidFill>
+          <a:schemeClr val="tx1"/>
+        </a:solidFill>
+        <a:latin typeface="+mn-lt"/>
+        <a:ea typeface="+mn-ea"/>
+        <a:cs typeface="+mn-cs"/>
+      </a:defRPr>
+    </a:lvl3pPr>
+    <a:lvl4pPr marL="1371600" algn="l" defTabSz="914400" rtl="0" eaLnBrk="1" latinLnBrk="0" hangingPunct="1">
+      <a:defRPr sz="1200" kern="1200">
+        <a:solidFill>
+          <a:schemeClr val="tx1"/>
+        </a:solidFill>
+        <a:latin typeface="+mn-lt"/>
+        <a:ea typeface="+mn-ea"/>
+        <a:cs typeface="+mn-cs"/>
+      </a:defRPr>
+    </a:lvl4pPr>
+    <a:lvl5pPr marL="1828800" algn="l" defTabSz="914400" rtl="0" eaLnBrk="1" latinLnBrk="0" hangingPunct="1">
+      <a:defRPr sz="1200" kern="1200">
+        <a:solidFill>
+          <a:schemeClr val="tx1"/>
+        </a:solidFill>
+        <a:latin typeface="+mn-lt"/>
+        <a:ea typeface="+mn-ea"/>
+        <a:cs typeface="+mn-cs"/>
+      </a:defRPr>
+    </a:lvl5pPr>
+    <a:lvl6pPr marL="2286000" algn="l" defTabSz="914400" rtl="0" eaLnBrk="1" latinLnBrk="0" hangingPunct="1">
+      <a:defRPr sz="1200" kern="1200">
+        <a:solidFill>
+          <a:schemeClr val="tx1"/>
+        </a:solidFill>
+        <a:latin typeface="+mn-lt"/>
+        <a:ea typeface="+mn-ea"/>
+        <a:cs typeface="+mn-cs"/>
+      </a:defRPr>
+    </a:lvl6pPr>
+    <a:lvl7pPr marL="2743200" algn="l" defTabSz="914400" rtl="0" eaLnBrk="1" latinLnBrk="0" hangingPunct="1">
+      <a:defRPr sz="1200" kern="1200">
+        <a:solidFill>
+          <a:schemeClr val="tx1"/>
+        </a:solidFill>
+        <a:latin typeface="+mn-lt"/>
+        <a:ea typeface="+mn-ea"/>
+        <a:cs typeface="+mn-cs"/>
+      </a:defRPr>
+    </a:lvl7pPr>
+    <a:lvl8pPr marL="3200400" algn="l" defTabSz="914400" rtl="0" eaLnBrk="1" latinLnBrk="0" hangingPunct="1">
+      <a:defRPr sz="1200" kern="1200">
+        <a:solidFill>
+          <a:schemeClr val="tx1"/>
+        </a:solidFill>
+        <a:latin typeface="+mn-lt"/>
+        <a:ea typeface="+mn-ea"/>
+        <a:cs typeface="+mn-cs"/>
+      </a:defRPr>
+    </a:lvl8pPr>
+    <a:lvl9pPr marL="3657600" algn="l" defTabSz="914400" rtl="0" eaLnBrk="1" latinLnBrk="0" hangingPunct="1">
+      <a:defRPr sz="1200" kern="1200">
+        <a:solidFill>
+          <a:schemeClr val="tx1"/>
+        </a:solidFill>
+        <a:latin typeface="+mn-lt"/>
+        <a:ea typeface="+mn-ea"/>
+        <a:cs typeface="+mn-cs"/>
+      </a:defRPr>
+    </a:lvl9pPr>
+  </p:notesStyle>
+</p:notesMaster>
 </file>
 
 <file path=ppt/slideLayouts/slideLayout1.xml><?xml version="1.0" encoding="utf-8"?>
@@ -257,7 +619,7 @@
           <a:p>
             <a:fld id="{2756EB06-BE90-4107-841D-D3435AC5FADA}" type="datetimeFigureOut">
               <a:rPr lang="pl-PL" smtClean="0"/>
-              <a:t>09.11.2024</a:t>
+              <a:t>14.11.2024</a:t>
             </a:fld>
             <a:endParaRPr lang="pl-PL"/>
           </a:p>
@@ -457,7 +819,7 @@
           <a:p>
             <a:fld id="{2756EB06-BE90-4107-841D-D3435AC5FADA}" type="datetimeFigureOut">
               <a:rPr lang="pl-PL" smtClean="0"/>
-              <a:t>09.11.2024</a:t>
+              <a:t>14.11.2024</a:t>
             </a:fld>
             <a:endParaRPr lang="pl-PL"/>
           </a:p>
@@ -667,7 +1029,7 @@
           <a:p>
             <a:fld id="{2756EB06-BE90-4107-841D-D3435AC5FADA}" type="datetimeFigureOut">
               <a:rPr lang="pl-PL" smtClean="0"/>
-              <a:t>09.11.2024</a:t>
+              <a:t>14.11.2024</a:t>
             </a:fld>
             <a:endParaRPr lang="pl-PL"/>
           </a:p>
@@ -867,7 +1229,7 @@
           <a:p>
             <a:fld id="{2756EB06-BE90-4107-841D-D3435AC5FADA}" type="datetimeFigureOut">
               <a:rPr lang="pl-PL" smtClean="0"/>
-              <a:t>09.11.2024</a:t>
+              <a:t>14.11.2024</a:t>
             </a:fld>
             <a:endParaRPr lang="pl-PL"/>
           </a:p>
@@ -1143,7 +1505,7 @@
           <a:p>
             <a:fld id="{2756EB06-BE90-4107-841D-D3435AC5FADA}" type="datetimeFigureOut">
               <a:rPr lang="pl-PL" smtClean="0"/>
-              <a:t>09.11.2024</a:t>
+              <a:t>14.11.2024</a:t>
             </a:fld>
             <a:endParaRPr lang="pl-PL"/>
           </a:p>
@@ -1411,7 +1773,7 @@
           <a:p>
             <a:fld id="{2756EB06-BE90-4107-841D-D3435AC5FADA}" type="datetimeFigureOut">
               <a:rPr lang="pl-PL" smtClean="0"/>
-              <a:t>09.11.2024</a:t>
+              <a:t>14.11.2024</a:t>
             </a:fld>
             <a:endParaRPr lang="pl-PL"/>
           </a:p>
@@ -1826,7 +2188,7 @@
           <a:p>
             <a:fld id="{2756EB06-BE90-4107-841D-D3435AC5FADA}" type="datetimeFigureOut">
               <a:rPr lang="pl-PL" smtClean="0"/>
-              <a:t>09.11.2024</a:t>
+              <a:t>14.11.2024</a:t>
             </a:fld>
             <a:endParaRPr lang="pl-PL"/>
           </a:p>
@@ -1968,7 +2330,7 @@
           <a:p>
             <a:fld id="{2756EB06-BE90-4107-841D-D3435AC5FADA}" type="datetimeFigureOut">
               <a:rPr lang="pl-PL" smtClean="0"/>
-              <a:t>09.11.2024</a:t>
+              <a:t>14.11.2024</a:t>
             </a:fld>
             <a:endParaRPr lang="pl-PL"/>
           </a:p>
@@ -2081,7 +2443,7 @@
           <a:p>
             <a:fld id="{2756EB06-BE90-4107-841D-D3435AC5FADA}" type="datetimeFigureOut">
               <a:rPr lang="pl-PL" smtClean="0"/>
-              <a:t>09.11.2024</a:t>
+              <a:t>14.11.2024</a:t>
             </a:fld>
             <a:endParaRPr lang="pl-PL"/>
           </a:p>
@@ -2394,7 +2756,7 @@
           <a:p>
             <a:fld id="{2756EB06-BE90-4107-841D-D3435AC5FADA}" type="datetimeFigureOut">
               <a:rPr lang="pl-PL" smtClean="0"/>
-              <a:t>09.11.2024</a:t>
+              <a:t>14.11.2024</a:t>
             </a:fld>
             <a:endParaRPr lang="pl-PL"/>
           </a:p>
@@ -2683,7 +3045,7 @@
           <a:p>
             <a:fld id="{2756EB06-BE90-4107-841D-D3435AC5FADA}" type="datetimeFigureOut">
               <a:rPr lang="pl-PL" smtClean="0"/>
-              <a:t>09.11.2024</a:t>
+              <a:t>14.11.2024</a:t>
             </a:fld>
             <a:endParaRPr lang="pl-PL"/>
           </a:p>
@@ -2926,7 +3288,7 @@
           <a:p>
             <a:fld id="{2756EB06-BE90-4107-841D-D3435AC5FADA}" type="datetimeFigureOut">
               <a:rPr lang="pl-PL" smtClean="0"/>
-              <a:t>09.11.2024</a:t>
+              <a:t>14.11.2024</a:t>
             </a:fld>
             <a:endParaRPr lang="pl-PL"/>
           </a:p>
@@ -3383,8 +3745,8 @@
           </a:p>
         </p:txBody>
       </p:sp>
-      <mc:AlternateContent xmlns:mc="http://schemas.openxmlformats.org/markup-compatibility/2006">
-        <mc:Choice xmlns:a14="http://schemas.microsoft.com/office/drawing/2010/main" Requires="a14">
+      <mc:AlternateContent xmlns:mc="http://schemas.openxmlformats.org/markup-compatibility/2006" xmlns:a14="http://schemas.microsoft.com/office/drawing/2010/main">
+        <mc:Choice Requires="a14">
           <p:sp>
             <p:nvSpPr>
               <p:cNvPr id="3" name="Subtitle 2">
@@ -3413,6 +3775,7 @@
               </a:bodyPr>
               <a:lstStyle/>
               <a:p>
+                <a:pPr/>
                 <a14:m>
                   <m:oMathPara xmlns:m="http://schemas.openxmlformats.org/officeDocument/2006/math">
                     <m:oMathParaPr>
@@ -3472,6 +3835,7 @@
                 </a:endParaRPr>
               </a:p>
               <a:p>
+                <a:pPr/>
                 <a14:m>
                   <m:oMathPara xmlns:m="http://schemas.openxmlformats.org/officeDocument/2006/math">
                     <m:oMathParaPr>
@@ -3755,6 +4119,7 @@
                 </a:endParaRPr>
               </a:p>
               <a:p>
+                <a:pPr/>
                 <a14:m>
                   <m:oMathPara xmlns:m="http://schemas.openxmlformats.org/officeDocument/2006/math">
                     <m:oMathParaPr>
@@ -3869,7 +4234,7 @@
                           <m:begChr m:val="["/>
                           <m:endChr m:val="]"/>
                           <m:ctrlPr>
-                            <a:rPr lang="pl-PL" sz="1800" b="0" i="0" smtClean="0">
+                            <a:rPr lang="pl-PL" sz="1800" b="0" i="1" smtClean="0">
                               <a:latin typeface="Cambria Math" panose="02040503050406030204" pitchFamily="18" charset="0"/>
                               <a:ea typeface="Cambria Math" panose="02040503050406030204" pitchFamily="18" charset="0"/>
                             </a:rPr>
@@ -3985,7 +4350,7 @@
                           <a:latin typeface="Cambria Math" panose="02040503050406030204" pitchFamily="18" charset="0"/>
                           <a:ea typeface="Cambria Math" panose="02040503050406030204" pitchFamily="18" charset="0"/>
                         </a:rPr>
-                        <m:t>-</m:t>
+                        <m:t>−</m:t>
                       </m:r>
                       <m:r>
                         <m:rPr>
@@ -4013,6 +4378,7 @@
                 </a:endParaRPr>
               </a:p>
               <a:p>
+                <a:pPr/>
                 <a14:m>
                   <m:oMathPara xmlns:m="http://schemas.openxmlformats.org/officeDocument/2006/math">
                     <m:oMathParaPr>
@@ -4054,12 +4420,12 @@
                           <a:latin typeface="Cambria Math" panose="02040503050406030204" pitchFamily="18" charset="0"/>
                           <a:ea typeface="Cambria Math" panose="02040503050406030204" pitchFamily="18" charset="0"/>
                         </a:rPr>
-                        <m:t>-</m:t>
+                        <m:t>−</m:t>
                       </m:r>
                       <m:sSup>
                         <m:sSupPr>
                           <m:ctrlPr>
-                            <a:rPr lang="pl-PL" sz="1800" b="0" i="0" smtClean="0">
+                            <a:rPr lang="pl-PL" sz="1800" b="0" i="1" smtClean="0">
                               <a:latin typeface="Cambria Math" panose="02040503050406030204" pitchFamily="18" charset="0"/>
                               <a:ea typeface="Cambria Math" panose="02040503050406030204" pitchFamily="18" charset="0"/>
                             </a:rPr>
@@ -4231,7 +4597,7 @@
             </p:txBody>
           </p:sp>
         </mc:Choice>
-        <mc:Fallback>
+        <mc:Fallback xmlns="">
           <p:sp>
             <p:nvSpPr>
               <p:cNvPr id="3" name="Subtitle 2">
@@ -4338,8 +4704,8 @@
           </a:p>
         </p:txBody>
       </p:sp>
-      <mc:AlternateContent xmlns:mc="http://schemas.openxmlformats.org/markup-compatibility/2006">
-        <mc:Choice xmlns:a14="http://schemas.microsoft.com/office/drawing/2010/main" Requires="a14">
+      <mc:AlternateContent xmlns:mc="http://schemas.openxmlformats.org/markup-compatibility/2006" xmlns:a14="http://schemas.microsoft.com/office/drawing/2010/main">
+        <mc:Choice Requires="a14">
           <p:sp>
             <p:nvSpPr>
               <p:cNvPr id="3" name="Content Placeholder 2">
@@ -4817,7 +5183,13 @@
                                 <a:rPr lang="pl-PL" sz="2000" b="0" i="1" smtClean="0">
                                   <a:latin typeface="Cambria Math" panose="02040503050406030204" pitchFamily="18" charset="0"/>
                                 </a:rPr>
-                                <m:t>−1,1</m:t>
+                                <m:t>−</m:t>
+                              </m:r>
+                              <m:r>
+                                <a:rPr lang="pl-PL" sz="2000" b="0" i="1" smtClean="0">
+                                  <a:latin typeface="Cambria Math" panose="02040503050406030204" pitchFamily="18" charset="0"/>
+                                </a:rPr>
+                                <m:t>1,1</m:t>
                               </m:r>
                             </m:e>
                           </m:d>
@@ -4829,7 +5201,14 @@
                               <a:latin typeface="Cambria Math" panose="02040503050406030204" pitchFamily="18" charset="0"/>
                               <a:ea typeface="Cambria Math" panose="02040503050406030204" pitchFamily="18" charset="0"/>
                             </a:rPr>
-                            <m:t>×[−1,1]</m:t>
+                            <m:t>×</m:t>
+                          </m:r>
+                          <m:r>
+                            <a:rPr lang="pl-PL" sz="2000" b="0" i="1" smtClean="0">
+                              <a:latin typeface="Cambria Math" panose="02040503050406030204" pitchFamily="18" charset="0"/>
+                              <a:ea typeface="Cambria Math" panose="02040503050406030204" pitchFamily="18" charset="0"/>
+                            </a:rPr>
+                            <m:t>[−1,1]</m:t>
                           </m:r>
                         </m:sub>
                         <m:sup>
@@ -4936,7 +5315,13 @@
                                         <a:rPr lang="pl-PL" sz="2000" b="0" i="1" smtClean="0">
                                           <a:latin typeface="Cambria Math" panose="02040503050406030204" pitchFamily="18" charset="0"/>
                                         </a:rPr>
-                                        <m:t>  </m:t>
+                                        <m:t> </m:t>
+                                      </m:r>
+                                      <m:r>
+                                        <a:rPr lang="pl-PL" sz="2000" b="0" i="1" smtClean="0">
+                                          <a:latin typeface="Cambria Math" panose="02040503050406030204" pitchFamily="18" charset="0"/>
+                                        </a:rPr>
+                                        <m:t> </m:t>
                                       </m:r>
                                       <m:f>
                                         <m:fPr>
@@ -4982,10 +5367,11 @@
                             </m:e>
                           </m:d>
                           <m:r>
-                            <a:rPr lang="pl-PL" sz="2000" b="0" i="1" smtClean="0">
+                            <a:rPr lang="pl-PL" sz="2000" i="1">
                               <a:latin typeface="Cambria Math" panose="02040503050406030204" pitchFamily="18" charset="0"/>
+                              <a:ea typeface="Cambria Math" panose="02040503050406030204" pitchFamily="18" charset="0"/>
                             </a:rPr>
-                            <m:t>∗</m:t>
+                            <m:t>∙</m:t>
                           </m:r>
                           <m:d>
                             <m:dPr>
@@ -5749,23 +6135,14 @@
                   </m:oMath>
                 </a14:m>
                 <a:r>
-                  <a:rPr lang="pl-PL" sz="2000"/>
-                  <a:t>. Można </a:t>
+                  <a:rPr lang="pl-PL" sz="2000" dirty="0"/>
+                  <a:t>. Można myśleć o tym przekształceniu jak o rotacji o 45 stopni oraz odpowiedniej skali.</a:t>
                 </a:r>
-                <a:r>
-                  <a:rPr lang="pl-PL" sz="2000" dirty="0"/>
-                  <a:t>myśleć o tym przekształceniu jak o rotacji o 45 stopni oraz </a:t>
-                </a:r>
-                <a:r>
-                  <a:rPr lang="pl-PL" sz="2000"/>
-                  <a:t>odpowiedniej skali.</a:t>
-                </a:r>
-                <a:endParaRPr lang="pl-PL" sz="2000" dirty="0"/>
               </a:p>
             </p:txBody>
           </p:sp>
         </mc:Choice>
-        <mc:Fallback>
+        <mc:Fallback xmlns="">
           <p:sp>
             <p:nvSpPr>
               <p:cNvPr id="3" name="Content Placeholder 2">
@@ -5822,7 +6199,7473 @@
 </p:sld>
 </file>
 
+<file path=ppt/slides/slide3.xml><?xml version="1.0" encoding="utf-8"?>
+<p:sld xmlns:a="http://schemas.openxmlformats.org/drawingml/2006/main" xmlns:r="http://schemas.openxmlformats.org/officeDocument/2006/relationships" xmlns:p="http://schemas.openxmlformats.org/presentationml/2006/main">
+  <p:cSld>
+    <p:spTree>
+      <p:nvGrpSpPr>
+        <p:cNvPr id="1" name="">
+          <a:extLst>
+            <a:ext uri="{FF2B5EF4-FFF2-40B4-BE49-F238E27FC236}">
+              <a16:creationId xmlns:a16="http://schemas.microsoft.com/office/drawing/2014/main" id="{3173CC38-2EBE-081C-CA6F-B51E82AF8A9C}"/>
+            </a:ext>
+          </a:extLst>
+        </p:cNvPr>
+        <p:cNvGrpSpPr/>
+        <p:nvPr/>
+      </p:nvGrpSpPr>
+      <p:grpSpPr>
+        <a:xfrm>
+          <a:off x="0" y="0"/>
+          <a:ext cx="0" cy="0"/>
+          <a:chOff x="0" y="0"/>
+          <a:chExt cx="0" cy="0"/>
+        </a:xfrm>
+      </p:grpSpPr>
+      <p:sp>
+        <p:nvSpPr>
+          <p:cNvPr id="2" name="Title 1">
+            <a:extLst>
+              <a:ext uri="{FF2B5EF4-FFF2-40B4-BE49-F238E27FC236}">
+                <a16:creationId xmlns:a16="http://schemas.microsoft.com/office/drawing/2014/main" id="{BD155E63-7D24-EE87-BBDF-A87ABFE7037B}"/>
+              </a:ext>
+            </a:extLst>
+          </p:cNvPr>
+          <p:cNvSpPr>
+            <a:spLocks noGrp="1"/>
+          </p:cNvSpPr>
+          <p:nvPr>
+            <p:ph type="title"/>
+          </p:nvPr>
+        </p:nvSpPr>
+        <p:spPr>
+          <a:xfrm>
+            <a:off x="838200" y="365126"/>
+            <a:ext cx="10515600" cy="710640"/>
+          </a:xfrm>
+        </p:spPr>
+        <p:txBody>
+          <a:bodyPr/>
+          <a:lstStyle/>
+          <a:p>
+            <a:r>
+              <a:rPr lang="pl-PL" dirty="0"/>
+              <a:t>Opis zastosowanej metody numerycznej</a:t>
+            </a:r>
+          </a:p>
+        </p:txBody>
+      </p:sp>
+      <mc:AlternateContent xmlns:mc="http://schemas.openxmlformats.org/markup-compatibility/2006" xmlns:a14="http://schemas.microsoft.com/office/drawing/2010/main">
+        <mc:Choice Requires="a14">
+          <p:sp>
+            <p:nvSpPr>
+              <p:cNvPr id="3" name="Content Placeholder 2">
+                <a:extLst>
+                  <a:ext uri="{FF2B5EF4-FFF2-40B4-BE49-F238E27FC236}">
+                    <a16:creationId xmlns:a16="http://schemas.microsoft.com/office/drawing/2014/main" id="{6F578DA8-B200-84E7-27EA-349DCA5A8545}"/>
+                  </a:ext>
+                </a:extLst>
+              </p:cNvPr>
+              <p:cNvSpPr>
+                <a:spLocks noGrp="1"/>
+              </p:cNvSpPr>
+              <p:nvPr>
+                <p:ph idx="1"/>
+              </p:nvPr>
+            </p:nvSpPr>
+            <p:spPr>
+              <a:xfrm>
+                <a:off x="847165" y="1344706"/>
+                <a:ext cx="10515600" cy="4832257"/>
+              </a:xfrm>
+            </p:spPr>
+            <p:txBody>
+              <a:bodyPr>
+                <a:normAutofit/>
+              </a:bodyPr>
+              <a:lstStyle/>
+              <a:p>
+                <a:pPr marL="0" indent="0">
+                  <a:buNone/>
+                </a:pPr>
+                <a:r>
+                  <a:rPr lang="pl-PL" sz="2000" dirty="0"/>
+                  <a:t>Następnie kwadrat </a:t>
+                </a:r>
+                <a14:m>
+                  <m:oMath xmlns:m="http://schemas.openxmlformats.org/officeDocument/2006/math">
+                    <m:d>
+                      <m:dPr>
+                        <m:begChr m:val="["/>
+                        <m:endChr m:val="]"/>
+                        <m:ctrlPr>
+                          <a:rPr lang="pl-PL" sz="2000" b="0" i="1" smtClean="0">
+                            <a:latin typeface="Cambria Math" panose="02040503050406030204" pitchFamily="18" charset="0"/>
+                          </a:rPr>
+                        </m:ctrlPr>
+                      </m:dPr>
+                      <m:e>
+                        <m:r>
+                          <a:rPr lang="pl-PL" sz="2000" b="0" i="1" smtClean="0">
+                            <a:latin typeface="Cambria Math" panose="02040503050406030204" pitchFamily="18" charset="0"/>
+                          </a:rPr>
+                          <m:t>−1, 1</m:t>
+                        </m:r>
+                      </m:e>
+                    </m:d>
+                    <m:r>
+                      <a:rPr lang="pl-PL" sz="2000" b="0" i="1" smtClean="0">
+                        <a:latin typeface="Cambria Math" panose="02040503050406030204" pitchFamily="18" charset="0"/>
+                        <a:ea typeface="Cambria Math" panose="02040503050406030204" pitchFamily="18" charset="0"/>
+                      </a:rPr>
+                      <m:t>×[−1, 1]</m:t>
+                    </m:r>
+                  </m:oMath>
+                </a14:m>
+                <a:r>
+                  <a:rPr lang="pl-PL" sz="2000" dirty="0"/>
+                  <a:t> dzielimy na mniejsze prostokąty. Wzdłuż osi </a:t>
+                </a:r>
+                <a14:m>
+                  <m:oMath xmlns:m="http://schemas.openxmlformats.org/officeDocument/2006/math">
+                    <m:r>
+                      <a:rPr lang="pl-PL" sz="2000" b="0" i="1" smtClean="0">
+                        <a:latin typeface="Cambria Math" panose="02040503050406030204" pitchFamily="18" charset="0"/>
+                      </a:rPr>
+                      <m:t>𝑂𝑋</m:t>
+                    </m:r>
+                  </m:oMath>
+                </a14:m>
+                <a:r>
+                  <a:rPr lang="pl-PL" sz="2000" dirty="0"/>
+                  <a:t> dzielimy na </a:t>
+                </a:r>
+                <a14:m>
+                  <m:oMath xmlns:m="http://schemas.openxmlformats.org/officeDocument/2006/math">
+                    <m:sSub>
+                      <m:sSubPr>
+                        <m:ctrlPr>
+                          <a:rPr lang="pl-PL" sz="2000" i="1" smtClean="0">
+                            <a:latin typeface="Cambria Math" panose="02040503050406030204" pitchFamily="18" charset="0"/>
+                          </a:rPr>
+                        </m:ctrlPr>
+                      </m:sSubPr>
+                      <m:e>
+                        <m:r>
+                          <a:rPr lang="pl-PL" sz="2000" b="0" i="1" smtClean="0">
+                            <a:latin typeface="Cambria Math" panose="02040503050406030204" pitchFamily="18" charset="0"/>
+                          </a:rPr>
+                          <m:t>𝑛</m:t>
+                        </m:r>
+                      </m:e>
+                      <m:sub>
+                        <m:r>
+                          <a:rPr lang="pl-PL" sz="2000" b="0" i="1" smtClean="0">
+                            <a:latin typeface="Cambria Math" panose="02040503050406030204" pitchFamily="18" charset="0"/>
+                          </a:rPr>
+                          <m:t>1</m:t>
+                        </m:r>
+                      </m:sub>
+                    </m:sSub>
+                  </m:oMath>
+                </a14:m>
+                <a:r>
+                  <a:rPr lang="pl-PL" sz="2000" dirty="0"/>
+                  <a:t> podprzedziałów, a wzdłuż osi </a:t>
+                </a:r>
+                <a14:m>
+                  <m:oMath xmlns:m="http://schemas.openxmlformats.org/officeDocument/2006/math">
+                    <m:r>
+                      <a:rPr lang="pl-PL" sz="2000" b="0" i="1" smtClean="0">
+                        <a:latin typeface="Cambria Math" panose="02040503050406030204" pitchFamily="18" charset="0"/>
+                      </a:rPr>
+                      <m:t>𝑂𝑌</m:t>
+                    </m:r>
+                  </m:oMath>
+                </a14:m>
+                <a:r>
+                  <a:rPr lang="pl-PL" sz="2000" dirty="0"/>
+                  <a:t> na </a:t>
+                </a:r>
+                <a14:m>
+                  <m:oMath xmlns:m="http://schemas.openxmlformats.org/officeDocument/2006/math">
+                    <m:sSub>
+                      <m:sSubPr>
+                        <m:ctrlPr>
+                          <a:rPr lang="pl-PL" sz="2000" i="1" smtClean="0">
+                            <a:latin typeface="Cambria Math" panose="02040503050406030204" pitchFamily="18" charset="0"/>
+                          </a:rPr>
+                        </m:ctrlPr>
+                      </m:sSubPr>
+                      <m:e>
+                        <m:r>
+                          <a:rPr lang="pl-PL" sz="2000" b="0" i="1" smtClean="0">
+                            <a:latin typeface="Cambria Math" panose="02040503050406030204" pitchFamily="18" charset="0"/>
+                          </a:rPr>
+                          <m:t>𝑛</m:t>
+                        </m:r>
+                      </m:e>
+                      <m:sub>
+                        <m:r>
+                          <a:rPr lang="pl-PL" sz="2000" b="0" i="1" smtClean="0">
+                            <a:latin typeface="Cambria Math" panose="02040503050406030204" pitchFamily="18" charset="0"/>
+                          </a:rPr>
+                          <m:t>2</m:t>
+                        </m:r>
+                      </m:sub>
+                    </m:sSub>
+                  </m:oMath>
+                </a14:m>
+                <a:r>
+                  <a:rPr lang="pl-PL" sz="2000" dirty="0"/>
+                  <a:t> podprzedziałów, aby na każdym podobszarze </a:t>
+                </a:r>
+                <a14:m>
+                  <m:oMath xmlns:m="http://schemas.openxmlformats.org/officeDocument/2006/math">
+                    <m:d>
+                      <m:dPr>
+                        <m:begChr m:val="["/>
+                        <m:endChr m:val="]"/>
+                        <m:ctrlPr>
+                          <a:rPr lang="pl-PL" sz="2000" b="0" i="1" smtClean="0">
+                            <a:latin typeface="Cambria Math" panose="02040503050406030204" pitchFamily="18" charset="0"/>
+                          </a:rPr>
+                        </m:ctrlPr>
+                      </m:dPr>
+                      <m:e>
+                        <m:r>
+                          <a:rPr lang="pl-PL" sz="2000" b="0" i="1" smtClean="0">
+                            <a:latin typeface="Cambria Math" panose="02040503050406030204" pitchFamily="18" charset="0"/>
+                          </a:rPr>
+                          <m:t>𝑎</m:t>
+                        </m:r>
+                        <m:r>
+                          <a:rPr lang="pl-PL" sz="2000" b="0" i="1" smtClean="0">
+                            <a:latin typeface="Cambria Math" panose="02040503050406030204" pitchFamily="18" charset="0"/>
+                          </a:rPr>
+                          <m:t>,</m:t>
+                        </m:r>
+                        <m:r>
+                          <a:rPr lang="pl-PL" sz="2000" b="0" i="1" smtClean="0">
+                            <a:latin typeface="Cambria Math" panose="02040503050406030204" pitchFamily="18" charset="0"/>
+                          </a:rPr>
+                          <m:t>𝑏</m:t>
+                        </m:r>
+                      </m:e>
+                    </m:d>
+                    <m:r>
+                      <a:rPr lang="pl-PL" sz="2000" b="0" i="1" smtClean="0">
+                        <a:latin typeface="Cambria Math" panose="02040503050406030204" pitchFamily="18" charset="0"/>
+                        <a:ea typeface="Cambria Math" panose="02040503050406030204" pitchFamily="18" charset="0"/>
+                      </a:rPr>
+                      <m:t>×[</m:t>
+                    </m:r>
+                    <m:r>
+                      <a:rPr lang="pl-PL" sz="2000" b="0" i="1" smtClean="0">
+                        <a:latin typeface="Cambria Math" panose="02040503050406030204" pitchFamily="18" charset="0"/>
+                        <a:ea typeface="Cambria Math" panose="02040503050406030204" pitchFamily="18" charset="0"/>
+                      </a:rPr>
+                      <m:t>𝑐</m:t>
+                    </m:r>
+                    <m:r>
+                      <a:rPr lang="pl-PL" sz="2000" b="0" i="1" smtClean="0">
+                        <a:latin typeface="Cambria Math" panose="02040503050406030204" pitchFamily="18" charset="0"/>
+                        <a:ea typeface="Cambria Math" panose="02040503050406030204" pitchFamily="18" charset="0"/>
+                      </a:rPr>
+                      <m:t>,</m:t>
+                    </m:r>
+                    <m:r>
+                      <a:rPr lang="pl-PL" sz="2000" b="0" i="1" smtClean="0">
+                        <a:latin typeface="Cambria Math" panose="02040503050406030204" pitchFamily="18" charset="0"/>
+                        <a:ea typeface="Cambria Math" panose="02040503050406030204" pitchFamily="18" charset="0"/>
+                      </a:rPr>
+                      <m:t>𝑑</m:t>
+                    </m:r>
+                    <m:r>
+                      <a:rPr lang="pl-PL" sz="2000" b="0" i="1" smtClean="0">
+                        <a:latin typeface="Cambria Math" panose="02040503050406030204" pitchFamily="18" charset="0"/>
+                        <a:ea typeface="Cambria Math" panose="02040503050406030204" pitchFamily="18" charset="0"/>
+                      </a:rPr>
+                      <m:t>]</m:t>
+                    </m:r>
+                  </m:oMath>
+                </a14:m>
+                <a:r>
+                  <a:rPr lang="pl-PL" sz="2000" dirty="0"/>
+                  <a:t> zastosować 3-punktową kwadraturę Gaussa-</a:t>
+                </a:r>
+                <a:r>
+                  <a:rPr lang="pl-PL" sz="2000" dirty="0" err="1"/>
+                  <a:t>Legendre’a</a:t>
+                </a:r>
+                <a:r>
+                  <a:rPr lang="pl-PL" sz="2000" dirty="0"/>
+                  <a:t>.</a:t>
+                </a:r>
+              </a:p>
+              <a:p>
+                <a:pPr marL="0" indent="0">
+                  <a:buNone/>
+                </a:pPr>
+                <a:endParaRPr lang="pl-PL" sz="2000" dirty="0"/>
+              </a:p>
+              <a:p>
+                <a:pPr marL="0" indent="0">
+                  <a:buNone/>
+                </a:pPr>
+                <a14:m>
+                  <m:oMathPara xmlns:m="http://schemas.openxmlformats.org/officeDocument/2006/math">
+                    <m:oMathParaPr>
+                      <m:jc m:val="centerGroup"/>
+                    </m:oMathParaPr>
+                    <m:oMath xmlns:m="http://schemas.openxmlformats.org/officeDocument/2006/math">
+                      <m:r>
+                        <a:rPr lang="pl-PL" sz="2000" b="0" i="1" smtClean="0">
+                          <a:latin typeface="Cambria Math" panose="02040503050406030204" pitchFamily="18" charset="0"/>
+                        </a:rPr>
+                        <m:t>𝑆</m:t>
+                      </m:r>
+                      <m:d>
+                        <m:dPr>
+                          <m:ctrlPr>
+                            <a:rPr lang="pl-PL" sz="2000" b="0" i="1" smtClean="0">
+                              <a:latin typeface="Cambria Math" panose="02040503050406030204" pitchFamily="18" charset="0"/>
+                            </a:rPr>
+                          </m:ctrlPr>
+                        </m:dPr>
+                        <m:e>
+                          <m:r>
+                            <a:rPr lang="pl-PL" sz="2000" b="0" i="1" smtClean="0">
+                              <a:latin typeface="Cambria Math" panose="02040503050406030204" pitchFamily="18" charset="0"/>
+                            </a:rPr>
+                            <m:t>𝑓</m:t>
+                          </m:r>
+                        </m:e>
+                      </m:d>
+                      <m:r>
+                        <a:rPr lang="pl-PL" sz="2000" b="0" i="1" smtClean="0">
+                          <a:latin typeface="Cambria Math" panose="02040503050406030204" pitchFamily="18" charset="0"/>
+                        </a:rPr>
+                        <m:t>=</m:t>
+                      </m:r>
+                      <m:f>
+                        <m:fPr>
+                          <m:ctrlPr>
+                            <a:rPr lang="pl-PL" sz="2000" b="0" i="1" smtClean="0">
+                              <a:latin typeface="Cambria Math" panose="02040503050406030204" pitchFamily="18" charset="0"/>
+                            </a:rPr>
+                          </m:ctrlPr>
+                        </m:fPr>
+                        <m:num>
+                          <m:r>
+                            <a:rPr lang="pl-PL" sz="2000" b="0" i="1" smtClean="0">
+                              <a:latin typeface="Cambria Math" panose="02040503050406030204" pitchFamily="18" charset="0"/>
+                            </a:rPr>
+                            <m:t>(</m:t>
+                          </m:r>
+                          <m:r>
+                            <a:rPr lang="pl-PL" sz="2000" b="0" i="1" smtClean="0">
+                              <a:latin typeface="Cambria Math" panose="02040503050406030204" pitchFamily="18" charset="0"/>
+                            </a:rPr>
+                            <m:t>𝑏</m:t>
+                          </m:r>
+                          <m:r>
+                            <a:rPr lang="pl-PL" sz="2000" b="0" i="1" smtClean="0">
+                              <a:latin typeface="Cambria Math" panose="02040503050406030204" pitchFamily="18" charset="0"/>
+                            </a:rPr>
+                            <m:t>−</m:t>
+                          </m:r>
+                          <m:r>
+                            <a:rPr lang="pl-PL" sz="2000" b="0" i="1" smtClean="0">
+                              <a:latin typeface="Cambria Math" panose="02040503050406030204" pitchFamily="18" charset="0"/>
+                            </a:rPr>
+                            <m:t>𝑎</m:t>
+                          </m:r>
+                          <m:r>
+                            <a:rPr lang="pl-PL" sz="2000" b="0" i="1" smtClean="0">
+                              <a:latin typeface="Cambria Math" panose="02040503050406030204" pitchFamily="18" charset="0"/>
+                            </a:rPr>
+                            <m:t>)(</m:t>
+                          </m:r>
+                          <m:r>
+                            <a:rPr lang="pl-PL" sz="2000" b="0" i="1" smtClean="0">
+                              <a:latin typeface="Cambria Math" panose="02040503050406030204" pitchFamily="18" charset="0"/>
+                            </a:rPr>
+                            <m:t>𝑑</m:t>
+                          </m:r>
+                          <m:r>
+                            <a:rPr lang="pl-PL" sz="2000" b="0" i="1" smtClean="0">
+                              <a:latin typeface="Cambria Math" panose="02040503050406030204" pitchFamily="18" charset="0"/>
+                            </a:rPr>
+                            <m:t>−</m:t>
+                          </m:r>
+                          <m:r>
+                            <a:rPr lang="pl-PL" sz="2000" b="0" i="1" smtClean="0">
+                              <a:latin typeface="Cambria Math" panose="02040503050406030204" pitchFamily="18" charset="0"/>
+                            </a:rPr>
+                            <m:t>𝑐</m:t>
+                          </m:r>
+                          <m:r>
+                            <a:rPr lang="pl-PL" sz="2000" b="0" i="1" smtClean="0">
+                              <a:latin typeface="Cambria Math" panose="02040503050406030204" pitchFamily="18" charset="0"/>
+                            </a:rPr>
+                            <m:t>)</m:t>
+                          </m:r>
+                        </m:num>
+                        <m:den>
+                          <m:r>
+                            <a:rPr lang="pl-PL" sz="2000" b="0" i="1" smtClean="0">
+                              <a:latin typeface="Cambria Math" panose="02040503050406030204" pitchFamily="18" charset="0"/>
+                            </a:rPr>
+                            <m:t>4</m:t>
+                          </m:r>
+                        </m:den>
+                      </m:f>
+                      <m:nary>
+                        <m:naryPr>
+                          <m:chr m:val="∑"/>
+                          <m:ctrlPr>
+                            <a:rPr lang="pl-PL" sz="2000" b="0" i="1" smtClean="0">
+                              <a:latin typeface="Cambria Math" panose="02040503050406030204" pitchFamily="18" charset="0"/>
+                            </a:rPr>
+                          </m:ctrlPr>
+                        </m:naryPr>
+                        <m:sub>
+                          <m:r>
+                            <m:rPr>
+                              <m:brk m:alnAt="23"/>
+                            </m:rPr>
+                            <a:rPr lang="pl-PL" sz="2000" b="0" i="1" smtClean="0">
+                              <a:latin typeface="Cambria Math" panose="02040503050406030204" pitchFamily="18" charset="0"/>
+                            </a:rPr>
+                            <m:t>𝑖</m:t>
+                          </m:r>
+                          <m:r>
+                            <a:rPr lang="pl-PL" sz="2000" b="0" i="1" smtClean="0">
+                              <a:latin typeface="Cambria Math" panose="02040503050406030204" pitchFamily="18" charset="0"/>
+                            </a:rPr>
+                            <m:t>=1</m:t>
+                          </m:r>
+                        </m:sub>
+                        <m:sup>
+                          <m:r>
+                            <a:rPr lang="pl-PL" sz="2000" b="0" i="1" smtClean="0">
+                              <a:latin typeface="Cambria Math" panose="02040503050406030204" pitchFamily="18" charset="0"/>
+                            </a:rPr>
+                            <m:t>3</m:t>
+                          </m:r>
+                        </m:sup>
+                        <m:e>
+                          <m:nary>
+                            <m:naryPr>
+                              <m:chr m:val="∑"/>
+                              <m:ctrlPr>
+                                <a:rPr lang="pl-PL" sz="2000" b="0" i="1" smtClean="0">
+                                  <a:latin typeface="Cambria Math" panose="02040503050406030204" pitchFamily="18" charset="0"/>
+                                </a:rPr>
+                              </m:ctrlPr>
+                            </m:naryPr>
+                            <m:sub>
+                              <m:r>
+                                <m:rPr>
+                                  <m:brk m:alnAt="23"/>
+                                </m:rPr>
+                                <a:rPr lang="pl-PL" sz="2000" b="0" i="1" smtClean="0">
+                                  <a:latin typeface="Cambria Math" panose="02040503050406030204" pitchFamily="18" charset="0"/>
+                                </a:rPr>
+                                <m:t>𝑗</m:t>
+                              </m:r>
+                              <m:r>
+                                <a:rPr lang="pl-PL" sz="2000" b="0" i="1" smtClean="0">
+                                  <a:latin typeface="Cambria Math" panose="02040503050406030204" pitchFamily="18" charset="0"/>
+                                </a:rPr>
+                                <m:t>=1</m:t>
+                              </m:r>
+                            </m:sub>
+                            <m:sup>
+                              <m:r>
+                                <a:rPr lang="pl-PL" sz="2000" b="0" i="1" smtClean="0">
+                                  <a:latin typeface="Cambria Math" panose="02040503050406030204" pitchFamily="18" charset="0"/>
+                                </a:rPr>
+                                <m:t>3</m:t>
+                              </m:r>
+                            </m:sup>
+                            <m:e>
+                              <m:sSub>
+                                <m:sSubPr>
+                                  <m:ctrlPr>
+                                    <a:rPr lang="pl-PL" sz="2000" b="0" i="1" smtClean="0">
+                                      <a:latin typeface="Cambria Math" panose="02040503050406030204" pitchFamily="18" charset="0"/>
+                                    </a:rPr>
+                                  </m:ctrlPr>
+                                </m:sSubPr>
+                                <m:e>
+                                  <m:r>
+                                    <a:rPr lang="pl-PL" sz="2000" b="0" i="1" smtClean="0">
+                                      <a:latin typeface="Cambria Math" panose="02040503050406030204" pitchFamily="18" charset="0"/>
+                                      <a:ea typeface="Cambria Math" panose="02040503050406030204" pitchFamily="18" charset="0"/>
+                                    </a:rPr>
+                                    <m:t>𝜔</m:t>
+                                  </m:r>
+                                </m:e>
+                                <m:sub>
+                                  <m:r>
+                                    <a:rPr lang="pl-PL" sz="2000" b="0" i="1" smtClean="0">
+                                      <a:latin typeface="Cambria Math" panose="02040503050406030204" pitchFamily="18" charset="0"/>
+                                    </a:rPr>
+                                    <m:t>𝑖</m:t>
+                                  </m:r>
+                                </m:sub>
+                              </m:sSub>
+                              <m:r>
+                                <a:rPr lang="pl-PL" sz="2000" i="1">
+                                  <a:latin typeface="Cambria Math" panose="02040503050406030204" pitchFamily="18" charset="0"/>
+                                  <a:ea typeface="Cambria Math" panose="02040503050406030204" pitchFamily="18" charset="0"/>
+                                </a:rPr>
+                                <m:t>∙</m:t>
+                              </m:r>
+                              <m:sSub>
+                                <m:sSubPr>
+                                  <m:ctrlPr>
+                                    <a:rPr lang="pl-PL" sz="2000" b="0" i="1" smtClean="0">
+                                      <a:latin typeface="Cambria Math" panose="02040503050406030204" pitchFamily="18" charset="0"/>
+                                    </a:rPr>
+                                  </m:ctrlPr>
+                                </m:sSubPr>
+                                <m:e>
+                                  <m:r>
+                                    <a:rPr lang="pl-PL" sz="2000" b="0" i="1" smtClean="0">
+                                      <a:latin typeface="Cambria Math" panose="02040503050406030204" pitchFamily="18" charset="0"/>
+                                      <a:ea typeface="Cambria Math" panose="02040503050406030204" pitchFamily="18" charset="0"/>
+                                    </a:rPr>
+                                    <m:t>𝜔</m:t>
+                                  </m:r>
+                                </m:e>
+                                <m:sub>
+                                  <m:r>
+                                    <a:rPr lang="pl-PL" sz="2000" b="0" i="1" smtClean="0">
+                                      <a:latin typeface="Cambria Math" panose="02040503050406030204" pitchFamily="18" charset="0"/>
+                                    </a:rPr>
+                                    <m:t>𝑗</m:t>
+                                  </m:r>
+                                </m:sub>
+                              </m:sSub>
+                              <m:r>
+                                <a:rPr lang="pl-PL" sz="2000" i="1">
+                                  <a:latin typeface="Cambria Math" panose="02040503050406030204" pitchFamily="18" charset="0"/>
+                                  <a:ea typeface="Cambria Math" panose="02040503050406030204" pitchFamily="18" charset="0"/>
+                                </a:rPr>
+                                <m:t>∙</m:t>
+                              </m:r>
+                              <m:r>
+                                <a:rPr lang="pl-PL" sz="2000" b="0" i="1" smtClean="0">
+                                  <a:latin typeface="Cambria Math" panose="02040503050406030204" pitchFamily="18" charset="0"/>
+                                </a:rPr>
+                                <m:t>𝑓</m:t>
+                              </m:r>
+                              <m:r>
+                                <a:rPr lang="pl-PL" sz="2000" b="0" i="1" smtClean="0">
+                                  <a:latin typeface="Cambria Math" panose="02040503050406030204" pitchFamily="18" charset="0"/>
+                                </a:rPr>
+                                <m:t>(</m:t>
+                              </m:r>
+                              <m:box>
+                                <m:boxPr>
+                                  <m:ctrlPr>
+                                    <a:rPr lang="pl-PL" sz="2000" b="0" i="1" smtClean="0">
+                                      <a:latin typeface="Cambria Math" panose="02040503050406030204" pitchFamily="18" charset="0"/>
+                                    </a:rPr>
+                                  </m:ctrlPr>
+                                </m:boxPr>
+                                <m:e>
+                                  <m:argPr>
+                                    <m:argSz m:val="-1"/>
+                                  </m:argPr>
+                                  <m:f>
+                                    <m:fPr>
+                                      <m:ctrlPr>
+                                        <a:rPr lang="pl-PL" sz="2000" b="0" i="1" smtClean="0">
+                                          <a:latin typeface="Cambria Math" panose="02040503050406030204" pitchFamily="18" charset="0"/>
+                                        </a:rPr>
+                                      </m:ctrlPr>
+                                    </m:fPr>
+                                    <m:num>
+                                      <m:r>
+                                        <a:rPr lang="pl-PL" sz="2000" b="0" i="1" smtClean="0">
+                                          <a:latin typeface="Cambria Math" panose="02040503050406030204" pitchFamily="18" charset="0"/>
+                                        </a:rPr>
+                                        <m:t>𝑏</m:t>
+                                      </m:r>
+                                      <m:r>
+                                        <a:rPr lang="pl-PL" sz="2000" b="0" i="1" smtClean="0">
+                                          <a:latin typeface="Cambria Math" panose="02040503050406030204" pitchFamily="18" charset="0"/>
+                                        </a:rPr>
+                                        <m:t>−</m:t>
+                                      </m:r>
+                                      <m:r>
+                                        <a:rPr lang="pl-PL" sz="2000" b="0" i="1" smtClean="0">
+                                          <a:latin typeface="Cambria Math" panose="02040503050406030204" pitchFamily="18" charset="0"/>
+                                        </a:rPr>
+                                        <m:t>𝑎</m:t>
+                                      </m:r>
+                                    </m:num>
+                                    <m:den>
+                                      <m:r>
+                                        <a:rPr lang="pl-PL" sz="2000" b="0" i="1" smtClean="0">
+                                          <a:latin typeface="Cambria Math" panose="02040503050406030204" pitchFamily="18" charset="0"/>
+                                        </a:rPr>
+                                        <m:t>2</m:t>
+                                      </m:r>
+                                    </m:den>
+                                  </m:f>
+                                </m:e>
+                              </m:box>
+                              <m:sSub>
+                                <m:sSubPr>
+                                  <m:ctrlPr>
+                                    <a:rPr lang="pl-PL" sz="2000" b="0" i="1" smtClean="0">
+                                      <a:latin typeface="Cambria Math" panose="02040503050406030204" pitchFamily="18" charset="0"/>
+                                    </a:rPr>
+                                  </m:ctrlPr>
+                                </m:sSubPr>
+                                <m:e>
+                                  <m:r>
+                                    <a:rPr lang="pl-PL" sz="2000" b="0" i="1" smtClean="0">
+                                      <a:latin typeface="Cambria Math" panose="02040503050406030204" pitchFamily="18" charset="0"/>
+                                    </a:rPr>
+                                    <m:t>𝑥</m:t>
+                                  </m:r>
+                                </m:e>
+                                <m:sub>
+                                  <m:r>
+                                    <a:rPr lang="pl-PL" sz="2000" b="0" i="1" smtClean="0">
+                                      <a:latin typeface="Cambria Math" panose="02040503050406030204" pitchFamily="18" charset="0"/>
+                                    </a:rPr>
+                                    <m:t>𝑖</m:t>
+                                  </m:r>
+                                </m:sub>
+                              </m:sSub>
+                              <m:r>
+                                <a:rPr lang="pl-PL" sz="2000" b="0" i="1" smtClean="0">
+                                  <a:latin typeface="Cambria Math" panose="02040503050406030204" pitchFamily="18" charset="0"/>
+                                </a:rPr>
+                                <m:t>+</m:t>
+                              </m:r>
+                              <m:box>
+                                <m:boxPr>
+                                  <m:ctrlPr>
+                                    <a:rPr lang="pl-PL" sz="2000" b="0" i="1" smtClean="0">
+                                      <a:latin typeface="Cambria Math" panose="02040503050406030204" pitchFamily="18" charset="0"/>
+                                    </a:rPr>
+                                  </m:ctrlPr>
+                                </m:boxPr>
+                                <m:e>
+                                  <m:argPr>
+                                    <m:argSz m:val="-1"/>
+                                  </m:argPr>
+                                  <m:f>
+                                    <m:fPr>
+                                      <m:ctrlPr>
+                                        <a:rPr lang="pl-PL" sz="2000" b="0" i="1" smtClean="0">
+                                          <a:latin typeface="Cambria Math" panose="02040503050406030204" pitchFamily="18" charset="0"/>
+                                        </a:rPr>
+                                      </m:ctrlPr>
+                                    </m:fPr>
+                                    <m:num>
+                                      <m:r>
+                                        <a:rPr lang="pl-PL" sz="2000" b="0" i="1" smtClean="0">
+                                          <a:latin typeface="Cambria Math" panose="02040503050406030204" pitchFamily="18" charset="0"/>
+                                        </a:rPr>
+                                        <m:t>𝑎</m:t>
+                                      </m:r>
+                                      <m:r>
+                                        <a:rPr lang="pl-PL" sz="2000" b="0" i="1" smtClean="0">
+                                          <a:latin typeface="Cambria Math" panose="02040503050406030204" pitchFamily="18" charset="0"/>
+                                        </a:rPr>
+                                        <m:t>+</m:t>
+                                      </m:r>
+                                      <m:r>
+                                        <a:rPr lang="pl-PL" sz="2000" b="0" i="1" smtClean="0">
+                                          <a:latin typeface="Cambria Math" panose="02040503050406030204" pitchFamily="18" charset="0"/>
+                                        </a:rPr>
+                                        <m:t>𝑏</m:t>
+                                      </m:r>
+                                    </m:num>
+                                    <m:den>
+                                      <m:r>
+                                        <a:rPr lang="pl-PL" sz="2000" b="0" i="1" smtClean="0">
+                                          <a:latin typeface="Cambria Math" panose="02040503050406030204" pitchFamily="18" charset="0"/>
+                                        </a:rPr>
+                                        <m:t>2</m:t>
+                                      </m:r>
+                                    </m:den>
+                                  </m:f>
+                                </m:e>
+                              </m:box>
+                              <m:r>
+                                <a:rPr lang="pl-PL" sz="2000" b="0" i="1" smtClean="0">
+                                  <a:latin typeface="Cambria Math" panose="02040503050406030204" pitchFamily="18" charset="0"/>
+                                </a:rPr>
+                                <m:t>, </m:t>
+                              </m:r>
+                              <m:box>
+                                <m:boxPr>
+                                  <m:ctrlPr>
+                                    <a:rPr lang="pl-PL" sz="2000" b="0" i="1" smtClean="0">
+                                      <a:latin typeface="Cambria Math" panose="02040503050406030204" pitchFamily="18" charset="0"/>
+                                    </a:rPr>
+                                  </m:ctrlPr>
+                                </m:boxPr>
+                                <m:e>
+                                  <m:argPr>
+                                    <m:argSz m:val="-1"/>
+                                  </m:argPr>
+                                  <m:f>
+                                    <m:fPr>
+                                      <m:ctrlPr>
+                                        <a:rPr lang="pl-PL" sz="2000" b="0" i="1" smtClean="0">
+                                          <a:latin typeface="Cambria Math" panose="02040503050406030204" pitchFamily="18" charset="0"/>
+                                        </a:rPr>
+                                      </m:ctrlPr>
+                                    </m:fPr>
+                                    <m:num>
+                                      <m:r>
+                                        <a:rPr lang="pl-PL" sz="2000" b="0" i="1" smtClean="0">
+                                          <a:latin typeface="Cambria Math" panose="02040503050406030204" pitchFamily="18" charset="0"/>
+                                        </a:rPr>
+                                        <m:t>𝑑</m:t>
+                                      </m:r>
+                                      <m:r>
+                                        <a:rPr lang="pl-PL" sz="2000" b="0" i="1" smtClean="0">
+                                          <a:latin typeface="Cambria Math" panose="02040503050406030204" pitchFamily="18" charset="0"/>
+                                        </a:rPr>
+                                        <m:t>−</m:t>
+                                      </m:r>
+                                      <m:r>
+                                        <a:rPr lang="pl-PL" sz="2000" b="0" i="1" smtClean="0">
+                                          <a:latin typeface="Cambria Math" panose="02040503050406030204" pitchFamily="18" charset="0"/>
+                                        </a:rPr>
+                                        <m:t>𝑐</m:t>
+                                      </m:r>
+                                    </m:num>
+                                    <m:den>
+                                      <m:r>
+                                        <a:rPr lang="pl-PL" sz="2000" b="0" i="1" smtClean="0">
+                                          <a:latin typeface="Cambria Math" panose="02040503050406030204" pitchFamily="18" charset="0"/>
+                                        </a:rPr>
+                                        <m:t>2</m:t>
+                                      </m:r>
+                                    </m:den>
+                                  </m:f>
+                                </m:e>
+                              </m:box>
+                              <m:sSub>
+                                <m:sSubPr>
+                                  <m:ctrlPr>
+                                    <a:rPr lang="pl-PL" sz="2000" b="0" i="1" smtClean="0">
+                                      <a:latin typeface="Cambria Math" panose="02040503050406030204" pitchFamily="18" charset="0"/>
+                                    </a:rPr>
+                                  </m:ctrlPr>
+                                </m:sSubPr>
+                                <m:e>
+                                  <m:r>
+                                    <a:rPr lang="pl-PL" sz="2000" b="0" i="1" smtClean="0">
+                                      <a:latin typeface="Cambria Math" panose="02040503050406030204" pitchFamily="18" charset="0"/>
+                                    </a:rPr>
+                                    <m:t>𝑥</m:t>
+                                  </m:r>
+                                </m:e>
+                                <m:sub>
+                                  <m:r>
+                                    <a:rPr lang="pl-PL" sz="2000" b="0" i="1" smtClean="0">
+                                      <a:latin typeface="Cambria Math" panose="02040503050406030204" pitchFamily="18" charset="0"/>
+                                    </a:rPr>
+                                    <m:t>𝑗</m:t>
+                                  </m:r>
+                                </m:sub>
+                              </m:sSub>
+                              <m:r>
+                                <a:rPr lang="pl-PL" sz="2000" b="0" i="1" smtClean="0">
+                                  <a:latin typeface="Cambria Math" panose="02040503050406030204" pitchFamily="18" charset="0"/>
+                                </a:rPr>
+                                <m:t>+ </m:t>
+                              </m:r>
+                              <m:box>
+                                <m:boxPr>
+                                  <m:ctrlPr>
+                                    <a:rPr lang="pl-PL" sz="2000" b="0" i="1" smtClean="0">
+                                      <a:latin typeface="Cambria Math" panose="02040503050406030204" pitchFamily="18" charset="0"/>
+                                    </a:rPr>
+                                  </m:ctrlPr>
+                                </m:boxPr>
+                                <m:e>
+                                  <m:argPr>
+                                    <m:argSz m:val="-1"/>
+                                  </m:argPr>
+                                  <m:f>
+                                    <m:fPr>
+                                      <m:ctrlPr>
+                                        <a:rPr lang="pl-PL" sz="2000" b="0" i="1" smtClean="0">
+                                          <a:latin typeface="Cambria Math" panose="02040503050406030204" pitchFamily="18" charset="0"/>
+                                        </a:rPr>
+                                      </m:ctrlPr>
+                                    </m:fPr>
+                                    <m:num>
+                                      <m:r>
+                                        <a:rPr lang="pl-PL" sz="2000" b="0" i="1" smtClean="0">
+                                          <a:latin typeface="Cambria Math" panose="02040503050406030204" pitchFamily="18" charset="0"/>
+                                        </a:rPr>
+                                        <m:t>𝑑</m:t>
+                                      </m:r>
+                                      <m:r>
+                                        <a:rPr lang="pl-PL" sz="2000" b="0" i="1" smtClean="0">
+                                          <a:latin typeface="Cambria Math" panose="02040503050406030204" pitchFamily="18" charset="0"/>
+                                        </a:rPr>
+                                        <m:t>+</m:t>
+                                      </m:r>
+                                      <m:r>
+                                        <a:rPr lang="pl-PL" sz="2000" b="0" i="1" smtClean="0">
+                                          <a:latin typeface="Cambria Math" panose="02040503050406030204" pitchFamily="18" charset="0"/>
+                                        </a:rPr>
+                                        <m:t>𝑐</m:t>
+                                      </m:r>
+                                    </m:num>
+                                    <m:den>
+                                      <m:r>
+                                        <a:rPr lang="pl-PL" sz="2000" b="0" i="1" smtClean="0">
+                                          <a:latin typeface="Cambria Math" panose="02040503050406030204" pitchFamily="18" charset="0"/>
+                                        </a:rPr>
+                                        <m:t>2</m:t>
+                                      </m:r>
+                                    </m:den>
+                                  </m:f>
+                                </m:e>
+                              </m:box>
+                              <m:r>
+                                <a:rPr lang="pl-PL" sz="2000" b="0" i="1" smtClean="0">
+                                  <a:latin typeface="Cambria Math" panose="02040503050406030204" pitchFamily="18" charset="0"/>
+                                </a:rPr>
+                                <m:t>)</m:t>
+                              </m:r>
+                            </m:e>
+                          </m:nary>
+                        </m:e>
+                      </m:nary>
+                    </m:oMath>
+                  </m:oMathPara>
+                </a14:m>
+                <a:endParaRPr lang="pl-PL" sz="2000" dirty="0"/>
+              </a:p>
+              <a:p>
+                <a:pPr marL="0" indent="0">
+                  <a:buNone/>
+                </a:pPr>
+                <a:endParaRPr lang="pl-PL" sz="2000" dirty="0"/>
+              </a:p>
+              <a:p>
+                <a:pPr marL="0" indent="0" algn="ctr">
+                  <a:buNone/>
+                </a:pPr>
+                <a:r>
+                  <a:rPr lang="pl-PL" sz="2000" dirty="0"/>
+                  <a:t>gdzie </a:t>
+                </a:r>
+                <a14:m>
+                  <m:oMath xmlns:m="http://schemas.openxmlformats.org/officeDocument/2006/math">
+                    <m:sSub>
+                      <m:sSubPr>
+                        <m:ctrlPr>
+                          <a:rPr lang="pl-PL" sz="2000" i="1" smtClean="0">
+                            <a:latin typeface="Cambria Math" panose="02040503050406030204" pitchFamily="18" charset="0"/>
+                          </a:rPr>
+                        </m:ctrlPr>
+                      </m:sSubPr>
+                      <m:e>
+                        <m:r>
+                          <a:rPr lang="pl-PL" sz="2000" i="1" smtClean="0">
+                            <a:latin typeface="Cambria Math" panose="02040503050406030204" pitchFamily="18" charset="0"/>
+                            <a:ea typeface="Cambria Math" panose="02040503050406030204" pitchFamily="18" charset="0"/>
+                          </a:rPr>
+                          <m:t>𝜔</m:t>
+                        </m:r>
+                      </m:e>
+                      <m:sub>
+                        <m:r>
+                          <a:rPr lang="pl-PL" sz="2000" b="0" i="1" smtClean="0">
+                            <a:latin typeface="Cambria Math" panose="02040503050406030204" pitchFamily="18" charset="0"/>
+                          </a:rPr>
+                          <m:t>𝑖</m:t>
+                        </m:r>
+                      </m:sub>
+                    </m:sSub>
+                  </m:oMath>
+                </a14:m>
+                <a:r>
+                  <a:rPr lang="pl-PL" sz="2000" dirty="0"/>
+                  <a:t> oraz </a:t>
+                </a:r>
+                <a14:m>
+                  <m:oMath xmlns:m="http://schemas.openxmlformats.org/officeDocument/2006/math">
+                    <m:sSub>
+                      <m:sSubPr>
+                        <m:ctrlPr>
+                          <a:rPr lang="pl-PL" sz="2000" i="1" smtClean="0">
+                            <a:latin typeface="Cambria Math" panose="02040503050406030204" pitchFamily="18" charset="0"/>
+                          </a:rPr>
+                        </m:ctrlPr>
+                      </m:sSubPr>
+                      <m:e>
+                        <m:r>
+                          <a:rPr lang="pl-PL" sz="2000" b="0" i="1" smtClean="0">
+                            <a:latin typeface="Cambria Math" panose="02040503050406030204" pitchFamily="18" charset="0"/>
+                          </a:rPr>
+                          <m:t>𝑥</m:t>
+                        </m:r>
+                      </m:e>
+                      <m:sub>
+                        <m:r>
+                          <a:rPr lang="pl-PL" sz="2000" b="0" i="1" smtClean="0">
+                            <a:latin typeface="Cambria Math" panose="02040503050406030204" pitchFamily="18" charset="0"/>
+                          </a:rPr>
+                          <m:t>𝑖</m:t>
+                        </m:r>
+                      </m:sub>
+                    </m:sSub>
+                    <m:r>
+                      <a:rPr lang="pl-PL" sz="2000" b="0" i="0" smtClean="0">
+                        <a:latin typeface="Cambria Math" panose="02040503050406030204" pitchFamily="18" charset="0"/>
+                      </a:rPr>
+                      <m:t> </m:t>
+                    </m:r>
+                  </m:oMath>
+                </a14:m>
+                <a:r>
+                  <a:rPr lang="pl-PL" sz="2000" dirty="0"/>
+                  <a:t>to i-ty współczynnik i węzeł 3 punktowej kwadratury Gaussa-</a:t>
+                </a:r>
+                <a:r>
+                  <a:rPr lang="pl-PL" sz="2000" dirty="0" err="1"/>
+                  <a:t>Legendre’a</a:t>
+                </a:r>
+                <a:r>
+                  <a:rPr lang="pl-PL" sz="2000" dirty="0"/>
+                  <a:t> na przedziale </a:t>
+                </a:r>
+                <a14:m>
+                  <m:oMath xmlns:m="http://schemas.openxmlformats.org/officeDocument/2006/math">
+                    <m:r>
+                      <a:rPr lang="pl-PL" sz="2000" b="0" i="1" smtClean="0">
+                        <a:latin typeface="Cambria Math" panose="02040503050406030204" pitchFamily="18" charset="0"/>
+                      </a:rPr>
+                      <m:t>[−1, 1]</m:t>
+                    </m:r>
+                  </m:oMath>
+                </a14:m>
+                <a:r>
+                  <a:rPr lang="pl-PL" sz="2000" dirty="0"/>
+                  <a:t>.</a:t>
+                </a:r>
+              </a:p>
+            </p:txBody>
+          </p:sp>
+        </mc:Choice>
+        <mc:Fallback xmlns="">
+          <p:sp>
+            <p:nvSpPr>
+              <p:cNvPr id="3" name="Content Placeholder 2">
+                <a:extLst>
+                  <a:ext uri="{FF2B5EF4-FFF2-40B4-BE49-F238E27FC236}">
+                    <a16:creationId xmlns:a16="http://schemas.microsoft.com/office/drawing/2014/main" id="{6F578DA8-B200-84E7-27EA-349DCA5A8545}"/>
+                  </a:ext>
+                </a:extLst>
+              </p:cNvPr>
+              <p:cNvSpPr>
+                <a:spLocks noGrp="1" noRot="1" noChangeAspect="1" noMove="1" noResize="1" noEditPoints="1" noAdjustHandles="1" noChangeArrowheads="1" noChangeShapeType="1" noTextEdit="1"/>
+              </p:cNvSpPr>
+              <p:nvPr>
+                <p:ph idx="1"/>
+              </p:nvPr>
+            </p:nvSpPr>
+            <p:spPr>
+              <a:xfrm>
+                <a:off x="847165" y="1344706"/>
+                <a:ext cx="10515600" cy="4832257"/>
+              </a:xfrm>
+              <a:blipFill>
+                <a:blip r:embed="rId2"/>
+                <a:stretch>
+                  <a:fillRect l="-638" t="-1263"/>
+                </a:stretch>
+              </a:blipFill>
+            </p:spPr>
+            <p:txBody>
+              <a:bodyPr/>
+              <a:lstStyle/>
+              <a:p>
+                <a:r>
+                  <a:rPr lang="pl-PL">
+                    <a:noFill/>
+                  </a:rPr>
+                  <a:t> </a:t>
+                </a:r>
+              </a:p>
+            </p:txBody>
+          </p:sp>
+        </mc:Fallback>
+      </mc:AlternateContent>
+    </p:spTree>
+    <p:extLst>
+      <p:ext uri="{BB962C8B-B14F-4D97-AF65-F5344CB8AC3E}">
+        <p14:creationId xmlns:p14="http://schemas.microsoft.com/office/powerpoint/2010/main" val="3823755746"/>
+      </p:ext>
+    </p:extLst>
+  </p:cSld>
+  <p:clrMapOvr>
+    <a:masterClrMapping/>
+  </p:clrMapOvr>
+</p:sld>
+</file>
+
+<file path=ppt/slides/slide4.xml><?xml version="1.0" encoding="utf-8"?>
+<p:sld xmlns:a="http://schemas.openxmlformats.org/drawingml/2006/main" xmlns:r="http://schemas.openxmlformats.org/officeDocument/2006/relationships" xmlns:p="http://schemas.openxmlformats.org/presentationml/2006/main">
+  <p:cSld>
+    <p:spTree>
+      <p:nvGrpSpPr>
+        <p:cNvPr id="1" name="">
+          <a:extLst>
+            <a:ext uri="{FF2B5EF4-FFF2-40B4-BE49-F238E27FC236}">
+              <a16:creationId xmlns:a16="http://schemas.microsoft.com/office/drawing/2014/main" id="{B7242054-4C87-E52E-07CA-361CB488C5E0}"/>
+            </a:ext>
+          </a:extLst>
+        </p:cNvPr>
+        <p:cNvGrpSpPr/>
+        <p:nvPr/>
+      </p:nvGrpSpPr>
+      <p:grpSpPr>
+        <a:xfrm>
+          <a:off x="0" y="0"/>
+          <a:ext cx="0" cy="0"/>
+          <a:chOff x="0" y="0"/>
+          <a:chExt cx="0" cy="0"/>
+        </a:xfrm>
+      </p:grpSpPr>
+      <p:sp>
+        <p:nvSpPr>
+          <p:cNvPr id="2" name="Title 1">
+            <a:extLst>
+              <a:ext uri="{FF2B5EF4-FFF2-40B4-BE49-F238E27FC236}">
+                <a16:creationId xmlns:a16="http://schemas.microsoft.com/office/drawing/2014/main" id="{C8A7AEAC-3637-4E78-E473-57E5297F0A86}"/>
+              </a:ext>
+            </a:extLst>
+          </p:cNvPr>
+          <p:cNvSpPr>
+            <a:spLocks noGrp="1"/>
+          </p:cNvSpPr>
+          <p:nvPr>
+            <p:ph type="title"/>
+          </p:nvPr>
+        </p:nvSpPr>
+        <p:spPr>
+          <a:xfrm>
+            <a:off x="838200" y="365126"/>
+            <a:ext cx="10515600" cy="710640"/>
+          </a:xfrm>
+        </p:spPr>
+        <p:txBody>
+          <a:bodyPr>
+            <a:normAutofit/>
+          </a:bodyPr>
+          <a:lstStyle/>
+          <a:p>
+            <a:r>
+              <a:rPr lang="pl-PL" dirty="0"/>
+              <a:t>Opis zastosowanej metody numerycznej</a:t>
+            </a:r>
+          </a:p>
+        </p:txBody>
+      </p:sp>
+      <mc:AlternateContent xmlns:mc="http://schemas.openxmlformats.org/markup-compatibility/2006" xmlns:a14="http://schemas.microsoft.com/office/drawing/2010/main">
+        <mc:Choice Requires="a14">
+          <p:sp>
+            <p:nvSpPr>
+              <p:cNvPr id="3" name="Content Placeholder 2">
+                <a:extLst>
+                  <a:ext uri="{FF2B5EF4-FFF2-40B4-BE49-F238E27FC236}">
+                    <a16:creationId xmlns:a16="http://schemas.microsoft.com/office/drawing/2014/main" id="{B64D9271-47F8-D449-1C1F-B8B211F50DE5}"/>
+                  </a:ext>
+                </a:extLst>
+              </p:cNvPr>
+              <p:cNvSpPr>
+                <a:spLocks noGrp="1"/>
+              </p:cNvSpPr>
+              <p:nvPr>
+                <p:ph idx="1"/>
+              </p:nvPr>
+            </p:nvSpPr>
+            <p:spPr>
+              <a:xfrm>
+                <a:off x="847165" y="1344706"/>
+                <a:ext cx="10515600" cy="4832257"/>
+              </a:xfrm>
+            </p:spPr>
+            <p:txBody>
+              <a:bodyPr>
+                <a:normAutofit/>
+              </a:bodyPr>
+              <a:lstStyle/>
+              <a:p>
+                <a:pPr marL="0" indent="0">
+                  <a:buNone/>
+                </a:pPr>
+                <a:r>
+                  <a:rPr lang="pl-PL" sz="2000" b="1" dirty="0"/>
+                  <a:t>Właściwości użytej metody</a:t>
+                </a:r>
+              </a:p>
+              <a:p>
+                <a:pPr marL="0" indent="0">
+                  <a:buNone/>
+                </a:pPr>
+                <a:r>
+                  <a:rPr lang="pl-PL" sz="2000" dirty="0"/>
+                  <a:t>3-punktowa kwadratura Gaussa-</a:t>
+                </a:r>
+                <a:r>
+                  <a:rPr lang="pl-PL" sz="2000" dirty="0" err="1"/>
+                  <a:t>Legendre’a</a:t>
+                </a:r>
+                <a:r>
+                  <a:rPr lang="pl-PL" sz="2000" dirty="0"/>
+                  <a:t> zapewnia nam rząd równy </a:t>
+                </a:r>
+                <a14:m>
+                  <m:oMath xmlns:m="http://schemas.openxmlformats.org/officeDocument/2006/math">
+                    <m:r>
+                      <a:rPr lang="pl-PL" sz="2000" b="0" i="1" smtClean="0">
+                        <a:latin typeface="Cambria Math" panose="02040503050406030204" pitchFamily="18" charset="0"/>
+                      </a:rPr>
+                      <m:t>2</m:t>
+                    </m:r>
+                    <m:r>
+                      <a:rPr lang="pl-PL" sz="2000" b="0" i="1" smtClean="0">
+                        <a:latin typeface="Cambria Math" panose="02040503050406030204" pitchFamily="18" charset="0"/>
+                        <a:ea typeface="Cambria Math" panose="02040503050406030204" pitchFamily="18" charset="0"/>
+                      </a:rPr>
+                      <m:t>∙3−1=5</m:t>
+                    </m:r>
+                  </m:oMath>
+                </a14:m>
+                <a:r>
+                  <a:rPr lang="pl-PL" sz="2000" dirty="0"/>
+                  <a:t>. Zatem dla dowolnego wielomianu stopnia maksymalnie </a:t>
+                </a:r>
+                <a14:m>
+                  <m:oMath xmlns:m="http://schemas.openxmlformats.org/officeDocument/2006/math">
+                    <m:r>
+                      <a:rPr lang="pl-PL" sz="2000" b="0" i="1" smtClean="0">
+                        <a:latin typeface="Cambria Math" panose="02040503050406030204" pitchFamily="18" charset="0"/>
+                      </a:rPr>
+                      <m:t>5</m:t>
+                    </m:r>
+                  </m:oMath>
+                </a14:m>
+                <a:r>
+                  <a:rPr lang="pl-PL" sz="2000" dirty="0"/>
+                  <a:t> kwadratura zapewnia dokładny wynik, nawet bez stosowania jej złożonego wariantu. W przypadku wielomianów dwóch zmiennych suma stopni </a:t>
+                </a:r>
+                <a14:m>
+                  <m:oMath xmlns:m="http://schemas.openxmlformats.org/officeDocument/2006/math">
+                    <m:r>
+                      <a:rPr lang="pl-PL" sz="2000" b="0" i="1" smtClean="0">
+                        <a:latin typeface="Cambria Math" panose="02040503050406030204" pitchFamily="18" charset="0"/>
+                      </a:rPr>
+                      <m:t>𝑥</m:t>
+                    </m:r>
+                  </m:oMath>
+                </a14:m>
+                <a:r>
+                  <a:rPr lang="pl-PL" sz="2000" dirty="0"/>
+                  <a:t>-owego oraz </a:t>
+                </a:r>
+                <a14:m>
+                  <m:oMath xmlns:m="http://schemas.openxmlformats.org/officeDocument/2006/math">
+                    <m:r>
+                      <a:rPr lang="pl-PL" sz="2000" b="0" i="1" smtClean="0">
+                        <a:latin typeface="Cambria Math" panose="02040503050406030204" pitchFamily="18" charset="0"/>
+                      </a:rPr>
+                      <m:t>𝑦</m:t>
+                    </m:r>
+                  </m:oMath>
+                </a14:m>
+                <a:r>
+                  <a:rPr lang="pl-PL" sz="2000" dirty="0"/>
+                  <a:t>-owego wyrazu musi być mniejsza lub równa </a:t>
+                </a:r>
+                <a14:m>
+                  <m:oMath xmlns:m="http://schemas.openxmlformats.org/officeDocument/2006/math">
+                    <m:r>
+                      <a:rPr lang="pl-PL" sz="2000" b="0" i="1" smtClean="0">
+                        <a:latin typeface="Cambria Math" panose="02040503050406030204" pitchFamily="18" charset="0"/>
+                      </a:rPr>
+                      <m:t>5</m:t>
+                    </m:r>
+                  </m:oMath>
+                </a14:m>
+                <a:r>
+                  <a:rPr lang="pl-PL" sz="2000" dirty="0"/>
+                  <a:t>, tzn. kwadratura będzie dokładna dla wielomianów takich jak </a:t>
+                </a:r>
+                <a14:m>
+                  <m:oMath xmlns:m="http://schemas.openxmlformats.org/officeDocument/2006/math">
+                    <m:sSup>
+                      <m:sSupPr>
+                        <m:ctrlPr>
+                          <a:rPr lang="pl-PL" sz="2000" i="1" smtClean="0">
+                            <a:latin typeface="Cambria Math" panose="02040503050406030204" pitchFamily="18" charset="0"/>
+                          </a:rPr>
+                        </m:ctrlPr>
+                      </m:sSupPr>
+                      <m:e>
+                        <m:r>
+                          <a:rPr lang="pl-PL" sz="2000" b="0" i="1" smtClean="0">
+                            <a:latin typeface="Cambria Math" panose="02040503050406030204" pitchFamily="18" charset="0"/>
+                          </a:rPr>
+                          <m:t>𝑥</m:t>
+                        </m:r>
+                      </m:e>
+                      <m:sup>
+                        <m:r>
+                          <a:rPr lang="pl-PL" sz="2000" b="0" i="1" smtClean="0">
+                            <a:latin typeface="Cambria Math" panose="02040503050406030204" pitchFamily="18" charset="0"/>
+                          </a:rPr>
+                          <m:t>5</m:t>
+                        </m:r>
+                      </m:sup>
+                    </m:sSup>
+                    <m:r>
+                      <a:rPr lang="pl-PL" sz="2000" b="0" i="1" smtClean="0">
+                        <a:latin typeface="Cambria Math" panose="02040503050406030204" pitchFamily="18" charset="0"/>
+                      </a:rPr>
+                      <m:t>, </m:t>
+                    </m:r>
+                    <m:sSup>
+                      <m:sSupPr>
+                        <m:ctrlPr>
+                          <a:rPr lang="pl-PL" sz="2000" b="0" i="1" smtClean="0">
+                            <a:latin typeface="Cambria Math" panose="02040503050406030204" pitchFamily="18" charset="0"/>
+                          </a:rPr>
+                        </m:ctrlPr>
+                      </m:sSupPr>
+                      <m:e>
+                        <m:r>
+                          <a:rPr lang="pl-PL" sz="2000" b="0" i="1" smtClean="0">
+                            <a:latin typeface="Cambria Math" panose="02040503050406030204" pitchFamily="18" charset="0"/>
+                          </a:rPr>
+                          <m:t>𝑥</m:t>
+                        </m:r>
+                      </m:e>
+                      <m:sup>
+                        <m:r>
+                          <a:rPr lang="pl-PL" sz="2000" b="0" i="1" smtClean="0">
+                            <a:latin typeface="Cambria Math" panose="02040503050406030204" pitchFamily="18" charset="0"/>
+                          </a:rPr>
+                          <m:t>3</m:t>
+                        </m:r>
+                      </m:sup>
+                    </m:sSup>
+                    <m:sSup>
+                      <m:sSupPr>
+                        <m:ctrlPr>
+                          <a:rPr lang="pl-PL" sz="2000" b="0" i="1" smtClean="0">
+                            <a:latin typeface="Cambria Math" panose="02040503050406030204" pitchFamily="18" charset="0"/>
+                          </a:rPr>
+                        </m:ctrlPr>
+                      </m:sSupPr>
+                      <m:e>
+                        <m:r>
+                          <a:rPr lang="pl-PL" sz="2000" b="0" i="1" smtClean="0">
+                            <a:latin typeface="Cambria Math" panose="02040503050406030204" pitchFamily="18" charset="0"/>
+                          </a:rPr>
+                          <m:t>𝑦</m:t>
+                        </m:r>
+                      </m:e>
+                      <m:sup>
+                        <m:r>
+                          <a:rPr lang="pl-PL" sz="2000" b="0" i="1" smtClean="0">
+                            <a:latin typeface="Cambria Math" panose="02040503050406030204" pitchFamily="18" charset="0"/>
+                          </a:rPr>
+                          <m:t>2</m:t>
+                        </m:r>
+                      </m:sup>
+                    </m:sSup>
+                    <m:r>
+                      <a:rPr lang="pl-PL" sz="2000" b="0" i="1" smtClean="0">
+                        <a:latin typeface="Cambria Math" panose="02040503050406030204" pitchFamily="18" charset="0"/>
+                      </a:rPr>
+                      <m:t>, </m:t>
+                    </m:r>
+                    <m:r>
+                      <a:rPr lang="pl-PL" sz="2000" b="0" i="1" smtClean="0">
+                        <a:latin typeface="Cambria Math" panose="02040503050406030204" pitchFamily="18" charset="0"/>
+                      </a:rPr>
+                      <m:t>𝑥</m:t>
+                    </m:r>
+                    <m:sSup>
+                      <m:sSupPr>
+                        <m:ctrlPr>
+                          <a:rPr lang="pl-PL" sz="2000" b="0" i="1" smtClean="0">
+                            <a:latin typeface="Cambria Math" panose="02040503050406030204" pitchFamily="18" charset="0"/>
+                          </a:rPr>
+                        </m:ctrlPr>
+                      </m:sSupPr>
+                      <m:e>
+                        <m:r>
+                          <a:rPr lang="pl-PL" sz="2000" b="0" i="1" smtClean="0">
+                            <a:latin typeface="Cambria Math" panose="02040503050406030204" pitchFamily="18" charset="0"/>
+                          </a:rPr>
+                          <m:t>𝑦</m:t>
+                        </m:r>
+                      </m:e>
+                      <m:sup>
+                        <m:r>
+                          <a:rPr lang="pl-PL" sz="2000" b="0" i="1" smtClean="0">
+                            <a:latin typeface="Cambria Math" panose="02040503050406030204" pitchFamily="18" charset="0"/>
+                          </a:rPr>
+                          <m:t>4</m:t>
+                        </m:r>
+                      </m:sup>
+                    </m:sSup>
+                  </m:oMath>
+                </a14:m>
+                <a:r>
+                  <a:rPr lang="pl-PL" sz="2000" dirty="0"/>
+                  <a:t> ale nie dla </a:t>
+                </a:r>
+                <a14:m>
+                  <m:oMath xmlns:m="http://schemas.openxmlformats.org/officeDocument/2006/math">
+                    <m:sSup>
+                      <m:sSupPr>
+                        <m:ctrlPr>
+                          <a:rPr lang="pl-PL" sz="2000" i="1" smtClean="0">
+                            <a:latin typeface="Cambria Math" panose="02040503050406030204" pitchFamily="18" charset="0"/>
+                          </a:rPr>
+                        </m:ctrlPr>
+                      </m:sSupPr>
+                      <m:e>
+                        <m:r>
+                          <a:rPr lang="pl-PL" sz="2000" b="0" i="1" smtClean="0">
+                            <a:latin typeface="Cambria Math" panose="02040503050406030204" pitchFamily="18" charset="0"/>
+                          </a:rPr>
+                          <m:t>𝑥</m:t>
+                        </m:r>
+                      </m:e>
+                      <m:sup>
+                        <m:r>
+                          <a:rPr lang="pl-PL" sz="2000" b="0" i="1" smtClean="0">
+                            <a:latin typeface="Cambria Math" panose="02040503050406030204" pitchFamily="18" charset="0"/>
+                          </a:rPr>
+                          <m:t>3</m:t>
+                        </m:r>
+                      </m:sup>
+                    </m:sSup>
+                    <m:sSup>
+                      <m:sSupPr>
+                        <m:ctrlPr>
+                          <a:rPr lang="pl-PL" sz="2000" i="1" smtClean="0">
+                            <a:latin typeface="Cambria Math" panose="02040503050406030204" pitchFamily="18" charset="0"/>
+                          </a:rPr>
+                        </m:ctrlPr>
+                      </m:sSupPr>
+                      <m:e>
+                        <m:r>
+                          <a:rPr lang="pl-PL" sz="2000" b="0" i="1" smtClean="0">
+                            <a:latin typeface="Cambria Math" panose="02040503050406030204" pitchFamily="18" charset="0"/>
+                          </a:rPr>
+                          <m:t>𝑦</m:t>
+                        </m:r>
+                      </m:e>
+                      <m:sup>
+                        <m:r>
+                          <a:rPr lang="pl-PL" sz="2000" b="0" i="1" smtClean="0">
+                            <a:latin typeface="Cambria Math" panose="02040503050406030204" pitchFamily="18" charset="0"/>
+                          </a:rPr>
+                          <m:t>3</m:t>
+                        </m:r>
+                      </m:sup>
+                    </m:sSup>
+                  </m:oMath>
+                </a14:m>
+                <a:r>
+                  <a:rPr lang="pl-PL" sz="2000" dirty="0"/>
+                  <a:t>.</a:t>
+                </a:r>
+              </a:p>
+              <a:p>
+                <a:pPr marL="0" indent="0">
+                  <a:buNone/>
+                </a:pPr>
+                <a:r>
+                  <a:rPr lang="pl-PL" sz="2000" dirty="0"/>
+                  <a:t>W przypadku funkcji, których nie da się opisać wielomianem stopnia maksymalnie piątego, dokładność wyniku będzie zależeć od ilości podobszarów na jakie dzielimy oryginalny obszar całkowania.</a:t>
+                </a:r>
+              </a:p>
+            </p:txBody>
+          </p:sp>
+        </mc:Choice>
+        <mc:Fallback xmlns="">
+          <p:sp>
+            <p:nvSpPr>
+              <p:cNvPr id="3" name="Content Placeholder 2">
+                <a:extLst>
+                  <a:ext uri="{FF2B5EF4-FFF2-40B4-BE49-F238E27FC236}">
+                    <a16:creationId xmlns:a16="http://schemas.microsoft.com/office/drawing/2014/main" id="{B64D9271-47F8-D449-1C1F-B8B211F50DE5}"/>
+                  </a:ext>
+                </a:extLst>
+              </p:cNvPr>
+              <p:cNvSpPr>
+                <a:spLocks noGrp="1" noRot="1" noChangeAspect="1" noMove="1" noResize="1" noEditPoints="1" noAdjustHandles="1" noChangeArrowheads="1" noChangeShapeType="1" noTextEdit="1"/>
+              </p:cNvSpPr>
+              <p:nvPr>
+                <p:ph idx="1"/>
+              </p:nvPr>
+            </p:nvSpPr>
+            <p:spPr>
+              <a:xfrm>
+                <a:off x="847165" y="1344706"/>
+                <a:ext cx="10515600" cy="4832257"/>
+              </a:xfrm>
+              <a:blipFill>
+                <a:blip r:embed="rId2"/>
+                <a:stretch>
+                  <a:fillRect l="-638" t="-1263" r="-522"/>
+                </a:stretch>
+              </a:blipFill>
+            </p:spPr>
+            <p:txBody>
+              <a:bodyPr/>
+              <a:lstStyle/>
+              <a:p>
+                <a:r>
+                  <a:rPr lang="pl-PL">
+                    <a:noFill/>
+                  </a:rPr>
+                  <a:t> </a:t>
+                </a:r>
+              </a:p>
+            </p:txBody>
+          </p:sp>
+        </mc:Fallback>
+      </mc:AlternateContent>
+    </p:spTree>
+    <p:extLst>
+      <p:ext uri="{BB962C8B-B14F-4D97-AF65-F5344CB8AC3E}">
+        <p14:creationId xmlns:p14="http://schemas.microsoft.com/office/powerpoint/2010/main" val="3485001334"/>
+      </p:ext>
+    </p:extLst>
+  </p:cSld>
+  <p:clrMapOvr>
+    <a:masterClrMapping/>
+  </p:clrMapOvr>
+</p:sld>
+</file>
+
+<file path=ppt/slides/slide5.xml><?xml version="1.0" encoding="utf-8"?>
+<p:sld xmlns:a="http://schemas.openxmlformats.org/drawingml/2006/main" xmlns:r="http://schemas.openxmlformats.org/officeDocument/2006/relationships" xmlns:p="http://schemas.openxmlformats.org/presentationml/2006/main">
+  <p:cSld>
+    <p:spTree>
+      <p:nvGrpSpPr>
+        <p:cNvPr id="1" name="">
+          <a:extLst>
+            <a:ext uri="{FF2B5EF4-FFF2-40B4-BE49-F238E27FC236}">
+              <a16:creationId xmlns:a16="http://schemas.microsoft.com/office/drawing/2014/main" id="{E608BC22-E4F1-C9E9-7865-B5F077F5D542}"/>
+            </a:ext>
+          </a:extLst>
+        </p:cNvPr>
+        <p:cNvGrpSpPr/>
+        <p:nvPr/>
+      </p:nvGrpSpPr>
+      <p:grpSpPr>
+        <a:xfrm>
+          <a:off x="0" y="0"/>
+          <a:ext cx="0" cy="0"/>
+          <a:chOff x="0" y="0"/>
+          <a:chExt cx="0" cy="0"/>
+        </a:xfrm>
+      </p:grpSpPr>
+      <p:sp>
+        <p:nvSpPr>
+          <p:cNvPr id="2" name="Title 1">
+            <a:extLst>
+              <a:ext uri="{FF2B5EF4-FFF2-40B4-BE49-F238E27FC236}">
+                <a16:creationId xmlns:a16="http://schemas.microsoft.com/office/drawing/2014/main" id="{CFCA610C-69E6-7F67-737A-86A017EEC568}"/>
+              </a:ext>
+            </a:extLst>
+          </p:cNvPr>
+          <p:cNvSpPr>
+            <a:spLocks noGrp="1"/>
+          </p:cNvSpPr>
+          <p:nvPr>
+            <p:ph type="title"/>
+          </p:nvPr>
+        </p:nvSpPr>
+        <p:spPr>
+          <a:xfrm>
+            <a:off x="838199" y="365126"/>
+            <a:ext cx="11066929" cy="710640"/>
+          </a:xfrm>
+        </p:spPr>
+        <p:txBody>
+          <a:bodyPr>
+            <a:noAutofit/>
+          </a:bodyPr>
+          <a:lstStyle/>
+          <a:p>
+            <a:r>
+              <a:rPr lang="pl-PL" sz="4000" dirty="0"/>
+              <a:t>Test dokładności numerycznej zastosowanej metody</a:t>
+            </a:r>
+          </a:p>
+        </p:txBody>
+      </p:sp>
+      <p:sp>
+        <p:nvSpPr>
+          <p:cNvPr id="3" name="Content Placeholder 2">
+            <a:extLst>
+              <a:ext uri="{FF2B5EF4-FFF2-40B4-BE49-F238E27FC236}">
+                <a16:creationId xmlns:a16="http://schemas.microsoft.com/office/drawing/2014/main" id="{725934C2-476A-EB84-79FF-A2A78C4A0F65}"/>
+              </a:ext>
+            </a:extLst>
+          </p:cNvPr>
+          <p:cNvSpPr>
+            <a:spLocks noGrp="1"/>
+          </p:cNvSpPr>
+          <p:nvPr>
+            <p:ph idx="1"/>
+          </p:nvPr>
+        </p:nvSpPr>
+        <p:spPr>
+          <a:xfrm>
+            <a:off x="847165" y="1344706"/>
+            <a:ext cx="10515600" cy="4832257"/>
+          </a:xfrm>
+        </p:spPr>
+        <p:txBody>
+          <a:bodyPr>
+            <a:normAutofit/>
+          </a:bodyPr>
+          <a:lstStyle/>
+          <a:p>
+            <a:pPr marL="0" indent="0">
+              <a:buNone/>
+            </a:pPr>
+            <a:r>
+              <a:rPr lang="pl-PL" sz="2000" dirty="0"/>
+              <a:t>Test polegał na porównaniu wyników uzyskanych przez metodę zaimplementowaną w zadaniu, z wynikami uzyskanymi przez analityczne obliczenie całki.</a:t>
+            </a:r>
+          </a:p>
+        </p:txBody>
+      </p:sp>
+      <mc:AlternateContent xmlns:mc="http://schemas.openxmlformats.org/markup-compatibility/2006" xmlns:a14="http://schemas.microsoft.com/office/drawing/2010/main">
+        <mc:Choice Requires="a14">
+          <p:graphicFrame>
+            <p:nvGraphicFramePr>
+              <p:cNvPr id="4" name="Table 3">
+                <a:extLst>
+                  <a:ext uri="{FF2B5EF4-FFF2-40B4-BE49-F238E27FC236}">
+                    <a16:creationId xmlns:a16="http://schemas.microsoft.com/office/drawing/2014/main" id="{9DAF4B09-F31F-7522-C43D-4B5546071C7D}"/>
+                  </a:ext>
+                </a:extLst>
+              </p:cNvPr>
+              <p:cNvGraphicFramePr>
+                <a:graphicFrameLocks noGrp="1"/>
+              </p:cNvGraphicFramePr>
+              <p:nvPr>
+                <p:extLst>
+                  <p:ext uri="{D42A27DB-BD31-4B8C-83A1-F6EECF244321}">
+                    <p14:modId xmlns:p14="http://schemas.microsoft.com/office/powerpoint/2010/main" val="2011467383"/>
+                  </p:ext>
+                </p:extLst>
+              </p:nvPr>
+            </p:nvGraphicFramePr>
+            <p:xfrm>
+              <a:off x="856130" y="2226598"/>
+              <a:ext cx="10497672" cy="3950366"/>
+            </p:xfrm>
+            <a:graphic>
+              <a:graphicData uri="http://schemas.openxmlformats.org/drawingml/2006/table">
+                <a:tbl>
+                  <a:tblPr firstRow="1" bandRow="1">
+                    <a:tableStyleId>{7E9639D4-E3E2-4D34-9284-5A2195B3D0D7}</a:tableStyleId>
+                  </a:tblPr>
+                  <a:tblGrid>
+                    <a:gridCol w="2624418">
+                      <a:extLst>
+                        <a:ext uri="{9D8B030D-6E8A-4147-A177-3AD203B41FA5}">
+                          <a16:colId xmlns:a16="http://schemas.microsoft.com/office/drawing/2014/main" val="3346034964"/>
+                        </a:ext>
+                      </a:extLst>
+                    </a:gridCol>
+                    <a:gridCol w="2624418">
+                      <a:extLst>
+                        <a:ext uri="{9D8B030D-6E8A-4147-A177-3AD203B41FA5}">
+                          <a16:colId xmlns:a16="http://schemas.microsoft.com/office/drawing/2014/main" val="2250443983"/>
+                        </a:ext>
+                      </a:extLst>
+                    </a:gridCol>
+                    <a:gridCol w="2528046">
+                      <a:extLst>
+                        <a:ext uri="{9D8B030D-6E8A-4147-A177-3AD203B41FA5}">
+                          <a16:colId xmlns:a16="http://schemas.microsoft.com/office/drawing/2014/main" val="1238785421"/>
+                        </a:ext>
+                      </a:extLst>
+                    </a:gridCol>
+                    <a:gridCol w="2720790">
+                      <a:extLst>
+                        <a:ext uri="{9D8B030D-6E8A-4147-A177-3AD203B41FA5}">
+                          <a16:colId xmlns:a16="http://schemas.microsoft.com/office/drawing/2014/main" val="900001818"/>
+                        </a:ext>
+                      </a:extLst>
+                    </a:gridCol>
+                  </a:tblGrid>
+                  <a:tr h="564338">
+                    <a:tc>
+                      <a:txBody>
+                        <a:bodyPr/>
+                        <a:lstStyle/>
+                        <a:p>
+                          <a:pPr algn="ctr"/>
+                          <a:r>
+                            <a:rPr lang="pl-PL" sz="1600" b="0" dirty="0">
+                              <a:solidFill>
+                                <a:schemeClr val="tx1"/>
+                              </a:solidFill>
+                            </a:rPr>
+                            <a:t>Funkcja</a:t>
+                          </a:r>
+                        </a:p>
+                      </a:txBody>
+                      <a:tcPr anchor="ctr">
+                        <a:lnL w="12700" cap="flat" cmpd="sng" algn="ctr">
+                          <a:solidFill>
+                            <a:schemeClr val="tx1"/>
+                          </a:solidFill>
+                          <a:prstDash val="solid"/>
+                          <a:round/>
+                          <a:headEnd type="none" w="med" len="med"/>
+                          <a:tailEnd type="none" w="med" len="med"/>
+                        </a:lnL>
+                        <a:lnR w="12700" cap="flat" cmpd="sng" algn="ctr">
+                          <a:solidFill>
+                            <a:schemeClr val="tx1"/>
+                          </a:solidFill>
+                          <a:prstDash val="solid"/>
+                          <a:round/>
+                          <a:headEnd type="none" w="med" len="med"/>
+                          <a:tailEnd type="none" w="med" len="med"/>
+                        </a:lnR>
+                        <a:lnT w="12700" cap="flat" cmpd="sng" algn="ctr">
+                          <a:solidFill>
+                            <a:schemeClr val="tx1"/>
+                          </a:solidFill>
+                          <a:prstDash val="solid"/>
+                          <a:round/>
+                          <a:headEnd type="none" w="med" len="med"/>
+                          <a:tailEnd type="none" w="med" len="med"/>
+                        </a:lnT>
+                        <a:lnB w="12700" cap="flat" cmpd="sng" algn="ctr">
+                          <a:solidFill>
+                            <a:schemeClr val="tx1"/>
+                          </a:solidFill>
+                          <a:prstDash val="solid"/>
+                          <a:round/>
+                          <a:headEnd type="none" w="med" len="med"/>
+                          <a:tailEnd type="none" w="med" len="med"/>
+                        </a:lnB>
+                        <a:solidFill>
+                          <a:schemeClr val="bg1">
+                            <a:lumMod val="85000"/>
+                          </a:schemeClr>
+                        </a:solidFill>
+                      </a:tcPr>
+                    </a:tc>
+                    <a:tc>
+                      <a:txBody>
+                        <a:bodyPr/>
+                        <a:lstStyle/>
+                        <a:p>
+                          <a:pPr algn="ctr"/>
+                          <a14:m>
+                            <m:oMathPara xmlns:m="http://schemas.openxmlformats.org/officeDocument/2006/math">
+                              <m:oMathParaPr>
+                                <m:jc m:val="centerGroup"/>
+                              </m:oMathParaPr>
+                              <m:oMath xmlns:m="http://schemas.openxmlformats.org/officeDocument/2006/math">
+                                <m:sSub>
+                                  <m:sSubPr>
+                                    <m:ctrlPr>
+                                      <a:rPr lang="pl-PL" sz="1600" b="0" i="1" smtClean="0">
+                                        <a:solidFill>
+                                          <a:schemeClr val="tx1"/>
+                                        </a:solidFill>
+                                        <a:latin typeface="Cambria Math" panose="02040503050406030204" pitchFamily="18" charset="0"/>
+                                      </a:rPr>
+                                    </m:ctrlPr>
+                                  </m:sSubPr>
+                                  <m:e>
+                                    <m:r>
+                                      <a:rPr lang="pl-PL" sz="1600" b="0" i="1" smtClean="0">
+                                        <a:solidFill>
+                                          <a:schemeClr val="tx1"/>
+                                        </a:solidFill>
+                                        <a:latin typeface="Cambria Math" panose="02040503050406030204" pitchFamily="18" charset="0"/>
+                                      </a:rPr>
+                                      <m:t>𝑛</m:t>
+                                    </m:r>
+                                  </m:e>
+                                  <m:sub>
+                                    <m:r>
+                                      <a:rPr lang="pl-PL" sz="1600" b="0" i="1" smtClean="0">
+                                        <a:solidFill>
+                                          <a:schemeClr val="tx1"/>
+                                        </a:solidFill>
+                                        <a:latin typeface="Cambria Math" panose="02040503050406030204" pitchFamily="18" charset="0"/>
+                                      </a:rPr>
+                                      <m:t>1</m:t>
+                                    </m:r>
+                                  </m:sub>
+                                </m:sSub>
+                                <m:r>
+                                  <a:rPr lang="pl-PL" sz="1600" b="0" i="1" smtClean="0">
+                                    <a:solidFill>
+                                      <a:schemeClr val="tx1"/>
+                                    </a:solidFill>
+                                    <a:latin typeface="Cambria Math" panose="02040503050406030204" pitchFamily="18" charset="0"/>
+                                  </a:rPr>
+                                  <m:t>= </m:t>
+                                </m:r>
+                                <m:sSub>
+                                  <m:sSubPr>
+                                    <m:ctrlPr>
+                                      <a:rPr lang="pl-PL" sz="1600" b="0" i="1" smtClean="0">
+                                        <a:solidFill>
+                                          <a:schemeClr val="tx1"/>
+                                        </a:solidFill>
+                                        <a:latin typeface="Cambria Math" panose="02040503050406030204" pitchFamily="18" charset="0"/>
+                                      </a:rPr>
+                                    </m:ctrlPr>
+                                  </m:sSubPr>
+                                  <m:e>
+                                    <m:r>
+                                      <a:rPr lang="pl-PL" sz="1600" b="0" i="1" smtClean="0">
+                                        <a:solidFill>
+                                          <a:schemeClr val="tx1"/>
+                                        </a:solidFill>
+                                        <a:latin typeface="Cambria Math" panose="02040503050406030204" pitchFamily="18" charset="0"/>
+                                      </a:rPr>
+                                      <m:t>𝑛</m:t>
+                                    </m:r>
+                                  </m:e>
+                                  <m:sub>
+                                    <m:r>
+                                      <a:rPr lang="pl-PL" sz="1600" b="0" i="1" smtClean="0">
+                                        <a:solidFill>
+                                          <a:schemeClr val="tx1"/>
+                                        </a:solidFill>
+                                        <a:latin typeface="Cambria Math" panose="02040503050406030204" pitchFamily="18" charset="0"/>
+                                      </a:rPr>
+                                      <m:t>2</m:t>
+                                    </m:r>
+                                  </m:sub>
+                                </m:sSub>
+                                <m:r>
+                                  <a:rPr lang="pl-PL" sz="1600" b="0" i="1" smtClean="0">
+                                    <a:solidFill>
+                                      <a:schemeClr val="tx1"/>
+                                    </a:solidFill>
+                                    <a:latin typeface="Cambria Math" panose="02040503050406030204" pitchFamily="18" charset="0"/>
+                                  </a:rPr>
+                                  <m:t>=10</m:t>
+                                </m:r>
+                              </m:oMath>
+                            </m:oMathPara>
+                          </a14:m>
+                          <a:endParaRPr lang="pl-PL" sz="1600" b="0" dirty="0">
+                            <a:solidFill>
+                              <a:schemeClr val="tx1"/>
+                            </a:solidFill>
+                          </a:endParaRPr>
+                        </a:p>
+                      </a:txBody>
+                      <a:tcPr anchor="ctr">
+                        <a:lnL w="12700" cap="flat" cmpd="sng" algn="ctr">
+                          <a:solidFill>
+                            <a:schemeClr val="tx1"/>
+                          </a:solidFill>
+                          <a:prstDash val="solid"/>
+                          <a:round/>
+                          <a:headEnd type="none" w="med" len="med"/>
+                          <a:tailEnd type="none" w="med" len="med"/>
+                        </a:lnL>
+                        <a:lnR w="12700" cap="flat" cmpd="sng" algn="ctr">
+                          <a:solidFill>
+                            <a:schemeClr val="tx1"/>
+                          </a:solidFill>
+                          <a:prstDash val="solid"/>
+                          <a:round/>
+                          <a:headEnd type="none" w="med" len="med"/>
+                          <a:tailEnd type="none" w="med" len="med"/>
+                        </a:lnR>
+                        <a:lnT w="12700" cap="flat" cmpd="sng" algn="ctr">
+                          <a:solidFill>
+                            <a:schemeClr val="tx1"/>
+                          </a:solidFill>
+                          <a:prstDash val="solid"/>
+                          <a:round/>
+                          <a:headEnd type="none" w="med" len="med"/>
+                          <a:tailEnd type="none" w="med" len="med"/>
+                        </a:lnT>
+                        <a:lnB w="12700" cap="flat" cmpd="sng" algn="ctr">
+                          <a:solidFill>
+                            <a:schemeClr val="tx1"/>
+                          </a:solidFill>
+                          <a:prstDash val="solid"/>
+                          <a:round/>
+                          <a:headEnd type="none" w="med" len="med"/>
+                          <a:tailEnd type="none" w="med" len="med"/>
+                        </a:lnB>
+                        <a:solidFill>
+                          <a:schemeClr val="bg1">
+                            <a:lumMod val="85000"/>
+                          </a:schemeClr>
+                        </a:solidFill>
+                      </a:tcPr>
+                    </a:tc>
+                    <a:tc>
+                      <a:txBody>
+                        <a:bodyPr/>
+                        <a:lstStyle/>
+                        <a:p>
+                          <a:pPr algn="ctr"/>
+                          <a14:m>
+                            <m:oMathPara xmlns:m="http://schemas.openxmlformats.org/officeDocument/2006/math">
+                              <m:oMathParaPr>
+                                <m:jc m:val="centerGroup"/>
+                              </m:oMathParaPr>
+                              <m:oMath xmlns:m="http://schemas.openxmlformats.org/officeDocument/2006/math">
+                                <m:sSub>
+                                  <m:sSubPr>
+                                    <m:ctrlPr>
+                                      <a:rPr lang="pl-PL" sz="1600" b="0" i="1" smtClean="0">
+                                        <a:solidFill>
+                                          <a:schemeClr val="tx1"/>
+                                        </a:solidFill>
+                                        <a:latin typeface="Cambria Math" panose="02040503050406030204" pitchFamily="18" charset="0"/>
+                                      </a:rPr>
+                                    </m:ctrlPr>
+                                  </m:sSubPr>
+                                  <m:e>
+                                    <m:r>
+                                      <a:rPr lang="pl-PL" sz="1600" b="0" i="1" smtClean="0">
+                                        <a:solidFill>
+                                          <a:schemeClr val="tx1"/>
+                                        </a:solidFill>
+                                        <a:latin typeface="Cambria Math" panose="02040503050406030204" pitchFamily="18" charset="0"/>
+                                      </a:rPr>
+                                      <m:t>𝑛</m:t>
+                                    </m:r>
+                                  </m:e>
+                                  <m:sub>
+                                    <m:r>
+                                      <a:rPr lang="pl-PL" sz="1600" b="0" i="1" smtClean="0">
+                                        <a:solidFill>
+                                          <a:schemeClr val="tx1"/>
+                                        </a:solidFill>
+                                        <a:latin typeface="Cambria Math" panose="02040503050406030204" pitchFamily="18" charset="0"/>
+                                      </a:rPr>
+                                      <m:t>1</m:t>
+                                    </m:r>
+                                  </m:sub>
+                                </m:sSub>
+                                <m:r>
+                                  <a:rPr lang="pl-PL" sz="1600" b="0" i="1" smtClean="0">
+                                    <a:solidFill>
+                                      <a:schemeClr val="tx1"/>
+                                    </a:solidFill>
+                                    <a:latin typeface="Cambria Math" panose="02040503050406030204" pitchFamily="18" charset="0"/>
+                                  </a:rPr>
+                                  <m:t>= </m:t>
+                                </m:r>
+                                <m:sSub>
+                                  <m:sSubPr>
+                                    <m:ctrlPr>
+                                      <a:rPr lang="pl-PL" sz="1600" b="0" i="1" smtClean="0">
+                                        <a:solidFill>
+                                          <a:schemeClr val="tx1"/>
+                                        </a:solidFill>
+                                        <a:latin typeface="Cambria Math" panose="02040503050406030204" pitchFamily="18" charset="0"/>
+                                      </a:rPr>
+                                    </m:ctrlPr>
+                                  </m:sSubPr>
+                                  <m:e>
+                                    <m:r>
+                                      <a:rPr lang="pl-PL" sz="1600" b="0" i="1" smtClean="0">
+                                        <a:solidFill>
+                                          <a:schemeClr val="tx1"/>
+                                        </a:solidFill>
+                                        <a:latin typeface="Cambria Math" panose="02040503050406030204" pitchFamily="18" charset="0"/>
+                                      </a:rPr>
+                                      <m:t>𝑛</m:t>
+                                    </m:r>
+                                  </m:e>
+                                  <m:sub>
+                                    <m:r>
+                                      <a:rPr lang="pl-PL" sz="1600" b="0" i="1" smtClean="0">
+                                        <a:solidFill>
+                                          <a:schemeClr val="tx1"/>
+                                        </a:solidFill>
+                                        <a:latin typeface="Cambria Math" panose="02040503050406030204" pitchFamily="18" charset="0"/>
+                                      </a:rPr>
+                                      <m:t>2</m:t>
+                                    </m:r>
+                                  </m:sub>
+                                </m:sSub>
+                                <m:r>
+                                  <a:rPr lang="pl-PL" sz="1600" b="0" i="1" smtClean="0">
+                                    <a:solidFill>
+                                      <a:schemeClr val="tx1"/>
+                                    </a:solidFill>
+                                    <a:latin typeface="Cambria Math" panose="02040503050406030204" pitchFamily="18" charset="0"/>
+                                  </a:rPr>
+                                  <m:t>=20</m:t>
+                                </m:r>
+                              </m:oMath>
+                            </m:oMathPara>
+                          </a14:m>
+                          <a:endParaRPr lang="pl-PL" sz="1600" dirty="0">
+                            <a:solidFill>
+                              <a:schemeClr val="tx1"/>
+                            </a:solidFill>
+                          </a:endParaRPr>
+                        </a:p>
+                      </a:txBody>
+                      <a:tcPr anchor="ctr">
+                        <a:lnL w="12700" cap="flat" cmpd="sng" algn="ctr">
+                          <a:solidFill>
+                            <a:schemeClr val="tx1"/>
+                          </a:solidFill>
+                          <a:prstDash val="solid"/>
+                          <a:round/>
+                          <a:headEnd type="none" w="med" len="med"/>
+                          <a:tailEnd type="none" w="med" len="med"/>
+                        </a:lnL>
+                        <a:lnR w="12700" cap="flat" cmpd="sng" algn="ctr">
+                          <a:solidFill>
+                            <a:schemeClr val="tx1"/>
+                          </a:solidFill>
+                          <a:prstDash val="solid"/>
+                          <a:round/>
+                          <a:headEnd type="none" w="med" len="med"/>
+                          <a:tailEnd type="none" w="med" len="med"/>
+                        </a:lnR>
+                        <a:lnT w="12700" cap="flat" cmpd="sng" algn="ctr">
+                          <a:solidFill>
+                            <a:schemeClr val="tx1"/>
+                          </a:solidFill>
+                          <a:prstDash val="solid"/>
+                          <a:round/>
+                          <a:headEnd type="none" w="med" len="med"/>
+                          <a:tailEnd type="none" w="med" len="med"/>
+                        </a:lnT>
+                        <a:lnB w="12700" cap="flat" cmpd="sng" algn="ctr">
+                          <a:solidFill>
+                            <a:schemeClr val="tx1"/>
+                          </a:solidFill>
+                          <a:prstDash val="solid"/>
+                          <a:round/>
+                          <a:headEnd type="none" w="med" len="med"/>
+                          <a:tailEnd type="none" w="med" len="med"/>
+                        </a:lnB>
+                        <a:solidFill>
+                          <a:schemeClr val="bg1">
+                            <a:lumMod val="85000"/>
+                          </a:schemeClr>
+                        </a:solidFill>
+                      </a:tcPr>
+                    </a:tc>
+                    <a:tc>
+                      <a:txBody>
+                        <a:bodyPr/>
+                        <a:lstStyle/>
+                        <a:p>
+                          <a:pPr algn="ctr"/>
+                          <a:r>
+                            <a:rPr lang="pl-PL" sz="1600" b="0" dirty="0">
+                              <a:solidFill>
+                                <a:schemeClr val="tx1"/>
+                              </a:solidFill>
+                            </a:rPr>
+                            <a:t>Oczekiwany wynik</a:t>
+                          </a:r>
+                        </a:p>
+                      </a:txBody>
+                      <a:tcPr anchor="ctr">
+                        <a:lnL w="12700" cap="flat" cmpd="sng" algn="ctr">
+                          <a:solidFill>
+                            <a:schemeClr val="tx1"/>
+                          </a:solidFill>
+                          <a:prstDash val="solid"/>
+                          <a:round/>
+                          <a:headEnd type="none" w="med" len="med"/>
+                          <a:tailEnd type="none" w="med" len="med"/>
+                        </a:lnL>
+                        <a:lnR w="12700" cap="flat" cmpd="sng" algn="ctr">
+                          <a:solidFill>
+                            <a:schemeClr val="tx1"/>
+                          </a:solidFill>
+                          <a:prstDash val="solid"/>
+                          <a:round/>
+                          <a:headEnd type="none" w="med" len="med"/>
+                          <a:tailEnd type="none" w="med" len="med"/>
+                        </a:lnR>
+                        <a:lnT w="12700" cap="flat" cmpd="sng" algn="ctr">
+                          <a:solidFill>
+                            <a:schemeClr val="tx1"/>
+                          </a:solidFill>
+                          <a:prstDash val="solid"/>
+                          <a:round/>
+                          <a:headEnd type="none" w="med" len="med"/>
+                          <a:tailEnd type="none" w="med" len="med"/>
+                        </a:lnT>
+                        <a:lnB w="12700" cap="flat" cmpd="sng" algn="ctr">
+                          <a:solidFill>
+                            <a:schemeClr val="tx1"/>
+                          </a:solidFill>
+                          <a:prstDash val="solid"/>
+                          <a:round/>
+                          <a:headEnd type="none" w="med" len="med"/>
+                          <a:tailEnd type="none" w="med" len="med"/>
+                        </a:lnB>
+                        <a:solidFill>
+                          <a:schemeClr val="bg1">
+                            <a:lumMod val="85000"/>
+                          </a:schemeClr>
+                        </a:solidFill>
+                      </a:tcPr>
+                    </a:tc>
+                    <a:extLst>
+                      <a:ext uri="{0D108BD9-81ED-4DB2-BD59-A6C34878D82A}">
+                        <a16:rowId xmlns:a16="http://schemas.microsoft.com/office/drawing/2014/main" val="768428971"/>
+                      </a:ext>
+                    </a:extLst>
+                  </a:tr>
+                  <a:tr h="564338">
+                    <a:tc>
+                      <a:txBody>
+                        <a:bodyPr/>
+                        <a:lstStyle/>
+                        <a:p>
+                          <a:pPr algn="ctr"/>
+                          <a14:m>
+                            <m:oMathPara xmlns:m="http://schemas.openxmlformats.org/officeDocument/2006/math">
+                              <m:oMathParaPr>
+                                <m:jc m:val="centerGroup"/>
+                              </m:oMathParaPr>
+                              <m:oMath xmlns:m="http://schemas.openxmlformats.org/officeDocument/2006/math">
+                                <m:r>
+                                  <a:rPr lang="pl-PL" sz="1600" b="0" i="1" smtClean="0">
+                                    <a:solidFill>
+                                      <a:schemeClr val="tx1"/>
+                                    </a:solidFill>
+                                    <a:latin typeface="Cambria Math" panose="02040503050406030204" pitchFamily="18" charset="0"/>
+                                  </a:rPr>
+                                  <m:t>𝑓</m:t>
+                                </m:r>
+                                <m:d>
+                                  <m:dPr>
+                                    <m:ctrlPr>
+                                      <a:rPr lang="pl-PL" sz="1600" b="0" i="1" smtClean="0">
+                                        <a:solidFill>
+                                          <a:schemeClr val="tx1"/>
+                                        </a:solidFill>
+                                        <a:latin typeface="Cambria Math" panose="02040503050406030204" pitchFamily="18" charset="0"/>
+                                      </a:rPr>
+                                    </m:ctrlPr>
+                                  </m:dPr>
+                                  <m:e>
+                                    <m:r>
+                                      <a:rPr lang="pl-PL" sz="1600" b="0" i="1" smtClean="0">
+                                        <a:solidFill>
+                                          <a:schemeClr val="tx1"/>
+                                        </a:solidFill>
+                                        <a:latin typeface="Cambria Math" panose="02040503050406030204" pitchFamily="18" charset="0"/>
+                                      </a:rPr>
+                                      <m:t>𝑥</m:t>
+                                    </m:r>
+                                    <m:r>
+                                      <a:rPr lang="pl-PL" sz="1600" b="0" i="1" smtClean="0">
+                                        <a:solidFill>
+                                          <a:schemeClr val="tx1"/>
+                                        </a:solidFill>
+                                        <a:latin typeface="Cambria Math" panose="02040503050406030204" pitchFamily="18" charset="0"/>
+                                      </a:rPr>
+                                      <m:t>,</m:t>
+                                    </m:r>
+                                    <m:r>
+                                      <a:rPr lang="pl-PL" sz="1600" b="0" i="1" smtClean="0">
+                                        <a:solidFill>
+                                          <a:schemeClr val="tx1"/>
+                                        </a:solidFill>
+                                        <a:latin typeface="Cambria Math" panose="02040503050406030204" pitchFamily="18" charset="0"/>
+                                      </a:rPr>
+                                      <m:t>𝑦</m:t>
+                                    </m:r>
+                                  </m:e>
+                                </m:d>
+                                <m:r>
+                                  <a:rPr lang="pl-PL" sz="1600" b="0" i="1" smtClean="0">
+                                    <a:solidFill>
+                                      <a:schemeClr val="tx1"/>
+                                    </a:solidFill>
+                                    <a:latin typeface="Cambria Math" panose="02040503050406030204" pitchFamily="18" charset="0"/>
+                                  </a:rPr>
+                                  <m:t>=1</m:t>
+                                </m:r>
+                              </m:oMath>
+                            </m:oMathPara>
+                          </a14:m>
+                          <a:endParaRPr lang="pl-PL" sz="1600" dirty="0">
+                            <a:solidFill>
+                              <a:schemeClr val="tx1"/>
+                            </a:solidFill>
+                          </a:endParaRPr>
+                        </a:p>
+                      </a:txBody>
+                      <a:tcPr anchor="ctr">
+                        <a:lnL w="12700" cap="flat" cmpd="sng" algn="ctr">
+                          <a:solidFill>
+                            <a:schemeClr val="tx1"/>
+                          </a:solidFill>
+                          <a:prstDash val="solid"/>
+                          <a:round/>
+                          <a:headEnd type="none" w="med" len="med"/>
+                          <a:tailEnd type="none" w="med" len="med"/>
+                        </a:lnL>
+                        <a:lnR w="12700" cap="flat" cmpd="sng" algn="ctr">
+                          <a:solidFill>
+                            <a:schemeClr val="tx1"/>
+                          </a:solidFill>
+                          <a:prstDash val="solid"/>
+                          <a:round/>
+                          <a:headEnd type="none" w="med" len="med"/>
+                          <a:tailEnd type="none" w="med" len="med"/>
+                        </a:lnR>
+                        <a:lnT w="12700" cap="flat" cmpd="sng" algn="ctr">
+                          <a:solidFill>
+                            <a:schemeClr val="tx1"/>
+                          </a:solidFill>
+                          <a:prstDash val="solid"/>
+                          <a:round/>
+                          <a:headEnd type="none" w="med" len="med"/>
+                          <a:tailEnd type="none" w="med" len="med"/>
+                        </a:lnT>
+                        <a:lnB w="12700" cap="flat" cmpd="sng" algn="ctr">
+                          <a:solidFill>
+                            <a:schemeClr val="tx1"/>
+                          </a:solidFill>
+                          <a:prstDash val="solid"/>
+                          <a:round/>
+                          <a:headEnd type="none" w="med" len="med"/>
+                          <a:tailEnd type="none" w="med" len="med"/>
+                        </a:lnB>
+                      </a:tcPr>
+                    </a:tc>
+                    <a:tc>
+                      <a:txBody>
+                        <a:bodyPr/>
+                        <a:lstStyle/>
+                        <a:p>
+                          <a:pPr algn="r"/>
+                          <a14:m>
+                            <m:oMathPara xmlns:m="http://schemas.openxmlformats.org/officeDocument/2006/math">
+                              <m:oMathParaPr>
+                                <m:jc m:val="center"/>
+                              </m:oMathParaPr>
+                              <m:oMath xmlns:m="http://schemas.openxmlformats.org/officeDocument/2006/math">
+                                <m:r>
+                                  <a:rPr lang="pl-PL" sz="1600" i="1" smtClean="0">
+                                    <a:solidFill>
+                                      <a:schemeClr val="accent6"/>
+                                    </a:solidFill>
+                                    <a:latin typeface="Cambria Math" panose="02040503050406030204" pitchFamily="18" charset="0"/>
+                                  </a:rPr>
+                                  <m:t>2.00000000000000</m:t>
+                                </m:r>
+                                <m:r>
+                                  <a:rPr lang="pl-PL" sz="1600" i="1" smtClean="0">
+                                    <a:solidFill>
+                                      <a:schemeClr val="tx1"/>
+                                    </a:solidFill>
+                                    <a:latin typeface="Cambria Math" panose="02040503050406030204" pitchFamily="18" charset="0"/>
+                                  </a:rPr>
+                                  <m:t>133</m:t>
+                                </m:r>
+                              </m:oMath>
+                            </m:oMathPara>
+                          </a14:m>
+                          <a:endParaRPr lang="pl-PL" sz="1600" dirty="0">
+                            <a:solidFill>
+                              <a:schemeClr val="tx1"/>
+                            </a:solidFill>
+                          </a:endParaRPr>
+                        </a:p>
+                      </a:txBody>
+                      <a:tcPr anchor="ctr">
+                        <a:lnL w="12700" cap="flat" cmpd="sng" algn="ctr">
+                          <a:solidFill>
+                            <a:schemeClr val="tx1"/>
+                          </a:solidFill>
+                          <a:prstDash val="solid"/>
+                          <a:round/>
+                          <a:headEnd type="none" w="med" len="med"/>
+                          <a:tailEnd type="none" w="med" len="med"/>
+                        </a:lnL>
+                        <a:lnR w="12700" cap="flat" cmpd="sng" algn="ctr">
+                          <a:solidFill>
+                            <a:schemeClr val="tx1"/>
+                          </a:solidFill>
+                          <a:prstDash val="solid"/>
+                          <a:round/>
+                          <a:headEnd type="none" w="med" len="med"/>
+                          <a:tailEnd type="none" w="med" len="med"/>
+                        </a:lnR>
+                        <a:lnT w="12700" cap="flat" cmpd="sng" algn="ctr">
+                          <a:solidFill>
+                            <a:schemeClr val="tx1"/>
+                          </a:solidFill>
+                          <a:prstDash val="solid"/>
+                          <a:round/>
+                          <a:headEnd type="none" w="med" len="med"/>
+                          <a:tailEnd type="none" w="med" len="med"/>
+                        </a:lnT>
+                        <a:lnB w="12700" cap="flat" cmpd="sng" algn="ctr">
+                          <a:solidFill>
+                            <a:schemeClr val="tx1"/>
+                          </a:solidFill>
+                          <a:prstDash val="solid"/>
+                          <a:round/>
+                          <a:headEnd type="none" w="med" len="med"/>
+                          <a:tailEnd type="none" w="med" len="med"/>
+                        </a:lnB>
+                      </a:tcPr>
+                    </a:tc>
+                    <a:tc>
+                      <a:txBody>
+                        <a:bodyPr/>
+                        <a:lstStyle/>
+                        <a:p>
+                          <a:pPr algn="r"/>
+                          <a14:m>
+                            <m:oMathPara xmlns:m="http://schemas.openxmlformats.org/officeDocument/2006/math">
+                              <m:oMathParaPr>
+                                <m:jc m:val="center"/>
+                              </m:oMathParaPr>
+                              <m:oMath xmlns:m="http://schemas.openxmlformats.org/officeDocument/2006/math">
+                                <m:r>
+                                  <a:rPr lang="pl-PL" sz="1600" i="1" smtClean="0">
+                                    <a:solidFill>
+                                      <a:schemeClr val="accent6"/>
+                                    </a:solidFill>
+                                    <a:latin typeface="Cambria Math" panose="02040503050406030204" pitchFamily="18" charset="0"/>
+                                  </a:rPr>
+                                  <m:t>1.9999999999999</m:t>
+                                </m:r>
+                                <m:r>
+                                  <a:rPr lang="pl-PL" sz="1600" i="1" smtClean="0">
+                                    <a:solidFill>
+                                      <a:schemeClr val="tx1"/>
+                                    </a:solidFill>
+                                    <a:latin typeface="Cambria Math" panose="02040503050406030204" pitchFamily="18" charset="0"/>
+                                  </a:rPr>
+                                  <m:t>8090</m:t>
+                                </m:r>
+                              </m:oMath>
+                            </m:oMathPara>
+                          </a14:m>
+                          <a:endParaRPr lang="pl-PL" sz="1600" dirty="0">
+                            <a:solidFill>
+                              <a:schemeClr val="tx1"/>
+                            </a:solidFill>
+                          </a:endParaRPr>
+                        </a:p>
+                      </a:txBody>
+                      <a:tcPr anchor="ctr">
+                        <a:lnL w="12700" cap="flat" cmpd="sng" algn="ctr">
+                          <a:solidFill>
+                            <a:schemeClr val="tx1"/>
+                          </a:solidFill>
+                          <a:prstDash val="solid"/>
+                          <a:round/>
+                          <a:headEnd type="none" w="med" len="med"/>
+                          <a:tailEnd type="none" w="med" len="med"/>
+                        </a:lnL>
+                        <a:lnR w="12700" cap="flat" cmpd="sng" algn="ctr">
+                          <a:solidFill>
+                            <a:schemeClr val="tx1"/>
+                          </a:solidFill>
+                          <a:prstDash val="solid"/>
+                          <a:round/>
+                          <a:headEnd type="none" w="med" len="med"/>
+                          <a:tailEnd type="none" w="med" len="med"/>
+                        </a:lnR>
+                        <a:lnT w="12700" cap="flat" cmpd="sng" algn="ctr">
+                          <a:solidFill>
+                            <a:schemeClr val="tx1"/>
+                          </a:solidFill>
+                          <a:prstDash val="solid"/>
+                          <a:round/>
+                          <a:headEnd type="none" w="med" len="med"/>
+                          <a:tailEnd type="none" w="med" len="med"/>
+                        </a:lnT>
+                        <a:lnB w="12700" cap="flat" cmpd="sng" algn="ctr">
+                          <a:solidFill>
+                            <a:schemeClr val="tx1"/>
+                          </a:solidFill>
+                          <a:prstDash val="solid"/>
+                          <a:round/>
+                          <a:headEnd type="none" w="med" len="med"/>
+                          <a:tailEnd type="none" w="med" len="med"/>
+                        </a:lnB>
+                      </a:tcPr>
+                    </a:tc>
+                    <a:tc>
+                      <a:txBody>
+                        <a:bodyPr/>
+                        <a:lstStyle/>
+                        <a:p>
+                          <a:pPr algn="r"/>
+                          <a14:m>
+                            <m:oMathPara xmlns:m="http://schemas.openxmlformats.org/officeDocument/2006/math">
+                              <m:oMathParaPr>
+                                <m:jc m:val="center"/>
+                              </m:oMathParaPr>
+                              <m:oMath xmlns:m="http://schemas.openxmlformats.org/officeDocument/2006/math">
+                                <m:r>
+                                  <a:rPr lang="pl-PL" sz="1600" b="0" i="1" smtClean="0">
+                                    <a:solidFill>
+                                      <a:schemeClr val="tx1"/>
+                                    </a:solidFill>
+                                    <a:latin typeface="Cambria Math" panose="02040503050406030204" pitchFamily="18" charset="0"/>
+                                  </a:rPr>
+                                  <m:t>2.0</m:t>
+                                </m:r>
+                              </m:oMath>
+                            </m:oMathPara>
+                          </a14:m>
+                          <a:endParaRPr lang="pl-PL" sz="1600" dirty="0">
+                            <a:solidFill>
+                              <a:schemeClr val="tx1"/>
+                            </a:solidFill>
+                          </a:endParaRPr>
+                        </a:p>
+                      </a:txBody>
+                      <a:tcPr anchor="ctr">
+                        <a:lnL w="12700" cap="flat" cmpd="sng" algn="ctr">
+                          <a:solidFill>
+                            <a:schemeClr val="tx1"/>
+                          </a:solidFill>
+                          <a:prstDash val="solid"/>
+                          <a:round/>
+                          <a:headEnd type="none" w="med" len="med"/>
+                          <a:tailEnd type="none" w="med" len="med"/>
+                        </a:lnL>
+                        <a:lnR w="12700" cap="flat" cmpd="sng" algn="ctr">
+                          <a:solidFill>
+                            <a:schemeClr val="tx1"/>
+                          </a:solidFill>
+                          <a:prstDash val="solid"/>
+                          <a:round/>
+                          <a:headEnd type="none" w="med" len="med"/>
+                          <a:tailEnd type="none" w="med" len="med"/>
+                        </a:lnR>
+                        <a:lnT w="12700" cap="flat" cmpd="sng" algn="ctr">
+                          <a:solidFill>
+                            <a:schemeClr val="tx1"/>
+                          </a:solidFill>
+                          <a:prstDash val="solid"/>
+                          <a:round/>
+                          <a:headEnd type="none" w="med" len="med"/>
+                          <a:tailEnd type="none" w="med" len="med"/>
+                        </a:lnT>
+                        <a:lnB w="12700" cap="flat" cmpd="sng" algn="ctr">
+                          <a:solidFill>
+                            <a:schemeClr val="tx1"/>
+                          </a:solidFill>
+                          <a:prstDash val="solid"/>
+                          <a:round/>
+                          <a:headEnd type="none" w="med" len="med"/>
+                          <a:tailEnd type="none" w="med" len="med"/>
+                        </a:lnB>
+                      </a:tcPr>
+                    </a:tc>
+                    <a:extLst>
+                      <a:ext uri="{0D108BD9-81ED-4DB2-BD59-A6C34878D82A}">
+                        <a16:rowId xmlns:a16="http://schemas.microsoft.com/office/drawing/2014/main" val="1624178248"/>
+                      </a:ext>
+                    </a:extLst>
+                  </a:tr>
+                  <a:tr h="564338">
+                    <a:tc>
+                      <a:txBody>
+                        <a:bodyPr/>
+                        <a:lstStyle/>
+                        <a:p>
+                          <a:pPr algn="ctr"/>
+                          <a14:m>
+                            <m:oMathPara xmlns:m="http://schemas.openxmlformats.org/officeDocument/2006/math">
+                              <m:oMathParaPr>
+                                <m:jc m:val="centerGroup"/>
+                              </m:oMathParaPr>
+                              <m:oMath xmlns:m="http://schemas.openxmlformats.org/officeDocument/2006/math">
+                                <m:r>
+                                  <a:rPr lang="pl-PL" sz="1600" b="0" i="1" smtClean="0">
+                                    <a:solidFill>
+                                      <a:schemeClr val="tx1"/>
+                                    </a:solidFill>
+                                    <a:latin typeface="Cambria Math" panose="02040503050406030204" pitchFamily="18" charset="0"/>
+                                  </a:rPr>
+                                  <m:t>𝑓</m:t>
+                                </m:r>
+                                <m:d>
+                                  <m:dPr>
+                                    <m:ctrlPr>
+                                      <a:rPr lang="pl-PL" sz="1600" b="0" i="1" smtClean="0">
+                                        <a:solidFill>
+                                          <a:schemeClr val="tx1"/>
+                                        </a:solidFill>
+                                        <a:latin typeface="Cambria Math" panose="02040503050406030204" pitchFamily="18" charset="0"/>
+                                      </a:rPr>
+                                    </m:ctrlPr>
+                                  </m:dPr>
+                                  <m:e>
+                                    <m:r>
+                                      <a:rPr lang="pl-PL" sz="1600" b="0" i="1" smtClean="0">
+                                        <a:solidFill>
+                                          <a:schemeClr val="tx1"/>
+                                        </a:solidFill>
+                                        <a:latin typeface="Cambria Math" panose="02040503050406030204" pitchFamily="18" charset="0"/>
+                                      </a:rPr>
+                                      <m:t>𝑥</m:t>
+                                    </m:r>
+                                    <m:r>
+                                      <a:rPr lang="pl-PL" sz="1600" b="0" i="1" smtClean="0">
+                                        <a:solidFill>
+                                          <a:schemeClr val="tx1"/>
+                                        </a:solidFill>
+                                        <a:latin typeface="Cambria Math" panose="02040503050406030204" pitchFamily="18" charset="0"/>
+                                      </a:rPr>
+                                      <m:t>,</m:t>
+                                    </m:r>
+                                    <m:r>
+                                      <a:rPr lang="pl-PL" sz="1600" b="0" i="1" smtClean="0">
+                                        <a:solidFill>
+                                          <a:schemeClr val="tx1"/>
+                                        </a:solidFill>
+                                        <a:latin typeface="Cambria Math" panose="02040503050406030204" pitchFamily="18" charset="0"/>
+                                      </a:rPr>
+                                      <m:t>𝑦</m:t>
+                                    </m:r>
+                                  </m:e>
+                                </m:d>
+                                <m:r>
+                                  <a:rPr lang="pl-PL" sz="1600" b="0" i="1" smtClean="0">
+                                    <a:solidFill>
+                                      <a:schemeClr val="tx1"/>
+                                    </a:solidFill>
+                                    <a:latin typeface="Cambria Math" panose="02040503050406030204" pitchFamily="18" charset="0"/>
+                                  </a:rPr>
+                                  <m:t>=</m:t>
+                                </m:r>
+                                <m:sSup>
+                                  <m:sSupPr>
+                                    <m:ctrlPr>
+                                      <a:rPr lang="pl-PL" sz="1600" b="0" i="1" smtClean="0">
+                                        <a:solidFill>
+                                          <a:schemeClr val="tx1"/>
+                                        </a:solidFill>
+                                        <a:latin typeface="Cambria Math" panose="02040503050406030204" pitchFamily="18" charset="0"/>
+                                      </a:rPr>
+                                    </m:ctrlPr>
+                                  </m:sSupPr>
+                                  <m:e>
+                                    <m:r>
+                                      <a:rPr lang="pl-PL" sz="1600" b="0" i="1" smtClean="0">
+                                        <a:solidFill>
+                                          <a:schemeClr val="tx1"/>
+                                        </a:solidFill>
+                                        <a:latin typeface="Cambria Math" panose="02040503050406030204" pitchFamily="18" charset="0"/>
+                                      </a:rPr>
+                                      <m:t>𝑥</m:t>
+                                    </m:r>
+                                  </m:e>
+                                  <m:sup>
+                                    <m:r>
+                                      <a:rPr lang="pl-PL" sz="1600" b="0" i="1" smtClean="0">
+                                        <a:solidFill>
+                                          <a:schemeClr val="tx1"/>
+                                        </a:solidFill>
+                                        <a:latin typeface="Cambria Math" panose="02040503050406030204" pitchFamily="18" charset="0"/>
+                                      </a:rPr>
+                                      <m:t>2</m:t>
+                                    </m:r>
+                                  </m:sup>
+                                </m:sSup>
+                                <m:r>
+                                  <a:rPr lang="pl-PL" sz="1600" b="0" i="1" smtClean="0">
+                                    <a:solidFill>
+                                      <a:schemeClr val="tx1"/>
+                                    </a:solidFill>
+                                    <a:latin typeface="Cambria Math" panose="02040503050406030204" pitchFamily="18" charset="0"/>
+                                  </a:rPr>
+                                  <m:t>+</m:t>
+                                </m:r>
+                                <m:sSup>
+                                  <m:sSupPr>
+                                    <m:ctrlPr>
+                                      <a:rPr lang="pl-PL" sz="1600" b="0" i="1" smtClean="0">
+                                        <a:solidFill>
+                                          <a:schemeClr val="tx1"/>
+                                        </a:solidFill>
+                                        <a:latin typeface="Cambria Math" panose="02040503050406030204" pitchFamily="18" charset="0"/>
+                                      </a:rPr>
+                                    </m:ctrlPr>
+                                  </m:sSupPr>
+                                  <m:e>
+                                    <m:r>
+                                      <a:rPr lang="pl-PL" sz="1600" b="0" i="1" smtClean="0">
+                                        <a:solidFill>
+                                          <a:schemeClr val="tx1"/>
+                                        </a:solidFill>
+                                        <a:latin typeface="Cambria Math" panose="02040503050406030204" pitchFamily="18" charset="0"/>
+                                      </a:rPr>
+                                      <m:t>𝑦</m:t>
+                                    </m:r>
+                                  </m:e>
+                                  <m:sup>
+                                    <m:r>
+                                      <a:rPr lang="pl-PL" sz="1600" b="0" i="1" smtClean="0">
+                                        <a:solidFill>
+                                          <a:schemeClr val="tx1"/>
+                                        </a:solidFill>
+                                        <a:latin typeface="Cambria Math" panose="02040503050406030204" pitchFamily="18" charset="0"/>
+                                      </a:rPr>
+                                      <m:t>2</m:t>
+                                    </m:r>
+                                  </m:sup>
+                                </m:sSup>
+                              </m:oMath>
+                            </m:oMathPara>
+                          </a14:m>
+                          <a:endParaRPr lang="pl-PL" sz="1600" dirty="0">
+                            <a:solidFill>
+                              <a:schemeClr val="tx1"/>
+                            </a:solidFill>
+                          </a:endParaRPr>
+                        </a:p>
+                      </a:txBody>
+                      <a:tcPr anchor="ctr">
+                        <a:lnL w="12700" cap="flat" cmpd="sng" algn="ctr">
+                          <a:solidFill>
+                            <a:schemeClr val="tx1"/>
+                          </a:solidFill>
+                          <a:prstDash val="solid"/>
+                          <a:round/>
+                          <a:headEnd type="none" w="med" len="med"/>
+                          <a:tailEnd type="none" w="med" len="med"/>
+                        </a:lnL>
+                        <a:lnR w="12700" cap="flat" cmpd="sng" algn="ctr">
+                          <a:solidFill>
+                            <a:schemeClr val="tx1"/>
+                          </a:solidFill>
+                          <a:prstDash val="solid"/>
+                          <a:round/>
+                          <a:headEnd type="none" w="med" len="med"/>
+                          <a:tailEnd type="none" w="med" len="med"/>
+                        </a:lnR>
+                        <a:lnT w="12700" cap="flat" cmpd="sng" algn="ctr">
+                          <a:solidFill>
+                            <a:schemeClr val="tx1"/>
+                          </a:solidFill>
+                          <a:prstDash val="solid"/>
+                          <a:round/>
+                          <a:headEnd type="none" w="med" len="med"/>
+                          <a:tailEnd type="none" w="med" len="med"/>
+                        </a:lnT>
+                        <a:lnB w="12700" cap="flat" cmpd="sng" algn="ctr">
+                          <a:solidFill>
+                            <a:schemeClr val="tx1"/>
+                          </a:solidFill>
+                          <a:prstDash val="solid"/>
+                          <a:round/>
+                          <a:headEnd type="none" w="med" len="med"/>
+                          <a:tailEnd type="none" w="med" len="med"/>
+                        </a:lnB>
+                      </a:tcPr>
+                    </a:tc>
+                    <a:tc>
+                      <a:txBody>
+                        <a:bodyPr/>
+                        <a:lstStyle/>
+                        <a:p>
+                          <a:pPr algn="r"/>
+                          <a14:m>
+                            <m:oMathPara xmlns:m="http://schemas.openxmlformats.org/officeDocument/2006/math">
+                              <m:oMathParaPr>
+                                <m:jc m:val="center"/>
+                              </m:oMathParaPr>
+                              <m:oMath xmlns:m="http://schemas.openxmlformats.org/officeDocument/2006/math">
+                                <m:r>
+                                  <a:rPr lang="pl-PL" sz="1600" i="1" smtClean="0">
+                                    <a:solidFill>
+                                      <a:schemeClr val="accent6"/>
+                                    </a:solidFill>
+                                    <a:latin typeface="Cambria Math" panose="02040503050406030204" pitchFamily="18" charset="0"/>
+                                  </a:rPr>
+                                  <m:t>0.666666666666666</m:t>
+                                </m:r>
+                                <m:r>
+                                  <a:rPr lang="pl-PL" sz="1600" i="1" smtClean="0">
+                                    <a:solidFill>
+                                      <a:schemeClr val="tx1"/>
+                                    </a:solidFill>
+                                    <a:latin typeface="Cambria Math" panose="02040503050406030204" pitchFamily="18" charset="0"/>
+                                  </a:rPr>
+                                  <m:t>74</m:t>
+                                </m:r>
+                              </m:oMath>
+                            </m:oMathPara>
+                          </a14:m>
+                          <a:endParaRPr lang="pl-PL" sz="1600" dirty="0">
+                            <a:solidFill>
+                              <a:schemeClr val="tx1"/>
+                            </a:solidFill>
+                          </a:endParaRPr>
+                        </a:p>
+                      </a:txBody>
+                      <a:tcPr anchor="ctr">
+                        <a:lnL w="12700" cap="flat" cmpd="sng" algn="ctr">
+                          <a:solidFill>
+                            <a:schemeClr val="tx1"/>
+                          </a:solidFill>
+                          <a:prstDash val="solid"/>
+                          <a:round/>
+                          <a:headEnd type="none" w="med" len="med"/>
+                          <a:tailEnd type="none" w="med" len="med"/>
+                        </a:lnL>
+                        <a:lnR w="12700" cap="flat" cmpd="sng" algn="ctr">
+                          <a:solidFill>
+                            <a:schemeClr val="tx1"/>
+                          </a:solidFill>
+                          <a:prstDash val="solid"/>
+                          <a:round/>
+                          <a:headEnd type="none" w="med" len="med"/>
+                          <a:tailEnd type="none" w="med" len="med"/>
+                        </a:lnR>
+                        <a:lnT w="12700" cap="flat" cmpd="sng" algn="ctr">
+                          <a:solidFill>
+                            <a:schemeClr val="tx1"/>
+                          </a:solidFill>
+                          <a:prstDash val="solid"/>
+                          <a:round/>
+                          <a:headEnd type="none" w="med" len="med"/>
+                          <a:tailEnd type="none" w="med" len="med"/>
+                        </a:lnT>
+                        <a:lnB w="12700" cap="flat" cmpd="sng" algn="ctr">
+                          <a:solidFill>
+                            <a:schemeClr val="tx1"/>
+                          </a:solidFill>
+                          <a:prstDash val="solid"/>
+                          <a:round/>
+                          <a:headEnd type="none" w="med" len="med"/>
+                          <a:tailEnd type="none" w="med" len="med"/>
+                        </a:lnB>
+                      </a:tcPr>
+                    </a:tc>
+                    <a:tc>
+                      <a:txBody>
+                        <a:bodyPr/>
+                        <a:lstStyle/>
+                        <a:p>
+                          <a:pPr algn="r"/>
+                          <a14:m>
+                            <m:oMathPara xmlns:m="http://schemas.openxmlformats.org/officeDocument/2006/math">
+                              <m:oMathParaPr>
+                                <m:jc m:val="center"/>
+                              </m:oMathParaPr>
+                              <m:oMath xmlns:m="http://schemas.openxmlformats.org/officeDocument/2006/math">
+                                <m:r>
+                                  <a:rPr lang="pl-PL" sz="1600" i="1" smtClean="0">
+                                    <a:solidFill>
+                                      <a:schemeClr val="accent6"/>
+                                    </a:solidFill>
+                                    <a:latin typeface="Cambria Math" panose="02040503050406030204" pitchFamily="18" charset="0"/>
+                                  </a:rPr>
+                                  <m:t>0.666666666666666</m:t>
+                                </m:r>
+                                <m:r>
+                                  <a:rPr lang="pl-PL" sz="1600" i="1" smtClean="0">
+                                    <a:solidFill>
+                                      <a:schemeClr val="tx1"/>
+                                    </a:solidFill>
+                                    <a:latin typeface="Cambria Math" panose="02040503050406030204" pitchFamily="18" charset="0"/>
+                                  </a:rPr>
+                                  <m:t>74</m:t>
+                                </m:r>
+                              </m:oMath>
+                            </m:oMathPara>
+                          </a14:m>
+                          <a:endParaRPr lang="pl-PL" sz="1600" dirty="0">
+                            <a:solidFill>
+                              <a:schemeClr val="tx1"/>
+                            </a:solidFill>
+                          </a:endParaRPr>
+                        </a:p>
+                      </a:txBody>
+                      <a:tcPr anchor="ctr">
+                        <a:lnL w="12700" cap="flat" cmpd="sng" algn="ctr">
+                          <a:solidFill>
+                            <a:schemeClr val="tx1"/>
+                          </a:solidFill>
+                          <a:prstDash val="solid"/>
+                          <a:round/>
+                          <a:headEnd type="none" w="med" len="med"/>
+                          <a:tailEnd type="none" w="med" len="med"/>
+                        </a:lnL>
+                        <a:lnR w="12700" cap="flat" cmpd="sng" algn="ctr">
+                          <a:solidFill>
+                            <a:schemeClr val="tx1"/>
+                          </a:solidFill>
+                          <a:prstDash val="solid"/>
+                          <a:round/>
+                          <a:headEnd type="none" w="med" len="med"/>
+                          <a:tailEnd type="none" w="med" len="med"/>
+                        </a:lnR>
+                        <a:lnT w="12700" cap="flat" cmpd="sng" algn="ctr">
+                          <a:solidFill>
+                            <a:schemeClr val="tx1"/>
+                          </a:solidFill>
+                          <a:prstDash val="solid"/>
+                          <a:round/>
+                          <a:headEnd type="none" w="med" len="med"/>
+                          <a:tailEnd type="none" w="med" len="med"/>
+                        </a:lnT>
+                        <a:lnB w="12700" cap="flat" cmpd="sng" algn="ctr">
+                          <a:solidFill>
+                            <a:schemeClr val="tx1"/>
+                          </a:solidFill>
+                          <a:prstDash val="solid"/>
+                          <a:round/>
+                          <a:headEnd type="none" w="med" len="med"/>
+                          <a:tailEnd type="none" w="med" len="med"/>
+                        </a:lnB>
+                      </a:tcPr>
+                    </a:tc>
+                    <a:tc>
+                      <a:txBody>
+                        <a:bodyPr/>
+                        <a:lstStyle/>
+                        <a:p>
+                          <a:pPr algn="r"/>
+                          <a14:m>
+                            <m:oMathPara xmlns:m="http://schemas.openxmlformats.org/officeDocument/2006/math">
+                              <m:oMathParaPr>
+                                <m:jc m:val="center"/>
+                              </m:oMathParaPr>
+                              <m:oMath xmlns:m="http://schemas.openxmlformats.org/officeDocument/2006/math">
+                                <m:box>
+                                  <m:boxPr>
+                                    <m:ctrlPr>
+                                      <a:rPr lang="pl-PL" sz="1600" i="1" smtClean="0">
+                                        <a:solidFill>
+                                          <a:schemeClr val="tx1"/>
+                                        </a:solidFill>
+                                        <a:latin typeface="Cambria Math" panose="02040503050406030204" pitchFamily="18" charset="0"/>
+                                      </a:rPr>
+                                    </m:ctrlPr>
+                                  </m:boxPr>
+                                  <m:e>
+                                    <m:argPr>
+                                      <m:argSz m:val="-1"/>
+                                    </m:argPr>
+                                    <m:f>
+                                      <m:fPr>
+                                        <m:ctrlPr>
+                                          <a:rPr lang="pl-PL" sz="1600" i="1" smtClean="0">
+                                            <a:solidFill>
+                                              <a:schemeClr val="tx1"/>
+                                            </a:solidFill>
+                                            <a:latin typeface="Cambria Math" panose="02040503050406030204" pitchFamily="18" charset="0"/>
+                                          </a:rPr>
+                                        </m:ctrlPr>
+                                      </m:fPr>
+                                      <m:num>
+                                        <m:r>
+                                          <a:rPr lang="pl-PL" sz="1600" b="0" i="1" smtClean="0">
+                                            <a:solidFill>
+                                              <a:schemeClr val="tx1"/>
+                                            </a:solidFill>
+                                            <a:latin typeface="Cambria Math" panose="02040503050406030204" pitchFamily="18" charset="0"/>
+                                          </a:rPr>
+                                          <m:t>2</m:t>
+                                        </m:r>
+                                      </m:num>
+                                      <m:den>
+                                        <m:r>
+                                          <a:rPr lang="pl-PL" sz="1600" b="0" i="1" smtClean="0">
+                                            <a:solidFill>
+                                              <a:schemeClr val="tx1"/>
+                                            </a:solidFill>
+                                            <a:latin typeface="Cambria Math" panose="02040503050406030204" pitchFamily="18" charset="0"/>
+                                          </a:rPr>
+                                          <m:t>3</m:t>
+                                        </m:r>
+                                      </m:den>
+                                    </m:f>
+                                  </m:e>
+                                </m:box>
+                                <m:r>
+                                  <a:rPr lang="pl-PL" sz="1600" b="0" i="1" smtClean="0">
+                                    <a:solidFill>
+                                      <a:schemeClr val="tx1"/>
+                                    </a:solidFill>
+                                    <a:latin typeface="Cambria Math" panose="02040503050406030204" pitchFamily="18" charset="0"/>
+                                  </a:rPr>
+                                  <m:t>=0.6(6)</m:t>
+                                </m:r>
+                              </m:oMath>
+                            </m:oMathPara>
+                          </a14:m>
+                          <a:endParaRPr lang="pl-PL" sz="1600" dirty="0">
+                            <a:solidFill>
+                              <a:schemeClr val="tx1"/>
+                            </a:solidFill>
+                          </a:endParaRPr>
+                        </a:p>
+                      </a:txBody>
+                      <a:tcPr anchor="ctr">
+                        <a:lnL w="12700" cap="flat" cmpd="sng" algn="ctr">
+                          <a:solidFill>
+                            <a:schemeClr val="tx1"/>
+                          </a:solidFill>
+                          <a:prstDash val="solid"/>
+                          <a:round/>
+                          <a:headEnd type="none" w="med" len="med"/>
+                          <a:tailEnd type="none" w="med" len="med"/>
+                        </a:lnL>
+                        <a:lnR w="12700" cap="flat" cmpd="sng" algn="ctr">
+                          <a:solidFill>
+                            <a:schemeClr val="tx1"/>
+                          </a:solidFill>
+                          <a:prstDash val="solid"/>
+                          <a:round/>
+                          <a:headEnd type="none" w="med" len="med"/>
+                          <a:tailEnd type="none" w="med" len="med"/>
+                        </a:lnR>
+                        <a:lnT w="12700" cap="flat" cmpd="sng" algn="ctr">
+                          <a:solidFill>
+                            <a:schemeClr val="tx1"/>
+                          </a:solidFill>
+                          <a:prstDash val="solid"/>
+                          <a:round/>
+                          <a:headEnd type="none" w="med" len="med"/>
+                          <a:tailEnd type="none" w="med" len="med"/>
+                        </a:lnT>
+                        <a:lnB w="12700" cap="flat" cmpd="sng" algn="ctr">
+                          <a:solidFill>
+                            <a:schemeClr val="tx1"/>
+                          </a:solidFill>
+                          <a:prstDash val="solid"/>
+                          <a:round/>
+                          <a:headEnd type="none" w="med" len="med"/>
+                          <a:tailEnd type="none" w="med" len="med"/>
+                        </a:lnB>
+                      </a:tcPr>
+                    </a:tc>
+                    <a:extLst>
+                      <a:ext uri="{0D108BD9-81ED-4DB2-BD59-A6C34878D82A}">
+                        <a16:rowId xmlns:a16="http://schemas.microsoft.com/office/drawing/2014/main" val="1847859765"/>
+                      </a:ext>
+                    </a:extLst>
+                  </a:tr>
+                  <a:tr h="564338">
+                    <a:tc>
+                      <a:txBody>
+                        <a:bodyPr/>
+                        <a:lstStyle/>
+                        <a:p>
+                          <a:pPr algn="ctr"/>
+                          <a14:m>
+                            <m:oMathPara xmlns:m="http://schemas.openxmlformats.org/officeDocument/2006/math">
+                              <m:oMathParaPr>
+                                <m:jc m:val="centerGroup"/>
+                              </m:oMathParaPr>
+                              <m:oMath xmlns:m="http://schemas.openxmlformats.org/officeDocument/2006/math">
+                                <m:r>
+                                  <a:rPr lang="pl-PL" sz="1600" b="0" i="1" smtClean="0">
+                                    <a:solidFill>
+                                      <a:schemeClr val="tx1"/>
+                                    </a:solidFill>
+                                    <a:latin typeface="Cambria Math" panose="02040503050406030204" pitchFamily="18" charset="0"/>
+                                  </a:rPr>
+                                  <m:t>𝑓</m:t>
+                                </m:r>
+                                <m:d>
+                                  <m:dPr>
+                                    <m:ctrlPr>
+                                      <a:rPr lang="pl-PL" sz="1600" b="0" i="1" smtClean="0">
+                                        <a:solidFill>
+                                          <a:schemeClr val="tx1"/>
+                                        </a:solidFill>
+                                        <a:latin typeface="Cambria Math" panose="02040503050406030204" pitchFamily="18" charset="0"/>
+                                      </a:rPr>
+                                    </m:ctrlPr>
+                                  </m:dPr>
+                                  <m:e>
+                                    <m:r>
+                                      <a:rPr lang="pl-PL" sz="1600" b="0" i="1" smtClean="0">
+                                        <a:solidFill>
+                                          <a:schemeClr val="tx1"/>
+                                        </a:solidFill>
+                                        <a:latin typeface="Cambria Math" panose="02040503050406030204" pitchFamily="18" charset="0"/>
+                                      </a:rPr>
+                                      <m:t>𝑥</m:t>
+                                    </m:r>
+                                    <m:r>
+                                      <a:rPr lang="pl-PL" sz="1600" b="0" i="1" smtClean="0">
+                                        <a:solidFill>
+                                          <a:schemeClr val="tx1"/>
+                                        </a:solidFill>
+                                        <a:latin typeface="Cambria Math" panose="02040503050406030204" pitchFamily="18" charset="0"/>
+                                      </a:rPr>
+                                      <m:t>,</m:t>
+                                    </m:r>
+                                    <m:r>
+                                      <a:rPr lang="pl-PL" sz="1600" b="0" i="1" smtClean="0">
+                                        <a:solidFill>
+                                          <a:schemeClr val="tx1"/>
+                                        </a:solidFill>
+                                        <a:latin typeface="Cambria Math" panose="02040503050406030204" pitchFamily="18" charset="0"/>
+                                      </a:rPr>
+                                      <m:t>𝑦</m:t>
+                                    </m:r>
+                                  </m:e>
+                                </m:d>
+                                <m:r>
+                                  <a:rPr lang="pl-PL" sz="1600" b="0" i="1" smtClean="0">
+                                    <a:solidFill>
+                                      <a:schemeClr val="tx1"/>
+                                    </a:solidFill>
+                                    <a:latin typeface="Cambria Math" panose="02040503050406030204" pitchFamily="18" charset="0"/>
+                                  </a:rPr>
+                                  <m:t>=</m:t>
+                                </m:r>
+                                <m:d>
+                                  <m:dPr>
+                                    <m:begChr m:val="|"/>
+                                    <m:endChr m:val="|"/>
+                                    <m:ctrlPr>
+                                      <a:rPr lang="pl-PL" sz="1600" b="0" i="1" smtClean="0">
+                                        <a:solidFill>
+                                          <a:schemeClr val="tx1"/>
+                                        </a:solidFill>
+                                        <a:latin typeface="Cambria Math" panose="02040503050406030204" pitchFamily="18" charset="0"/>
+                                      </a:rPr>
+                                    </m:ctrlPr>
+                                  </m:dPr>
+                                  <m:e>
+                                    <m:r>
+                                      <m:rPr>
+                                        <m:sty m:val="p"/>
+                                      </m:rPr>
+                                      <a:rPr lang="pl-PL" sz="1600" b="0" i="0" smtClean="0">
+                                        <a:solidFill>
+                                          <a:schemeClr val="tx1"/>
+                                        </a:solidFill>
+                                        <a:latin typeface="Cambria Math" panose="02040503050406030204" pitchFamily="18" charset="0"/>
+                                      </a:rPr>
+                                      <m:t>x</m:t>
+                                    </m:r>
+                                  </m:e>
+                                </m:d>
+                                <m:r>
+                                  <a:rPr lang="pl-PL" sz="1600" b="0" i="0" smtClean="0">
+                                    <a:solidFill>
+                                      <a:schemeClr val="tx1"/>
+                                    </a:solidFill>
+                                    <a:latin typeface="Cambria Math" panose="02040503050406030204" pitchFamily="18" charset="0"/>
+                                  </a:rPr>
+                                  <m:t>+|</m:t>
+                                </m:r>
+                                <m:r>
+                                  <m:rPr>
+                                    <m:sty m:val="p"/>
+                                  </m:rPr>
+                                  <a:rPr lang="pl-PL" sz="1600" b="0" i="0" smtClean="0">
+                                    <a:solidFill>
+                                      <a:schemeClr val="tx1"/>
+                                    </a:solidFill>
+                                    <a:latin typeface="Cambria Math" panose="02040503050406030204" pitchFamily="18" charset="0"/>
+                                  </a:rPr>
+                                  <m:t>y</m:t>
+                                </m:r>
+                                <m:r>
+                                  <a:rPr lang="pl-PL" sz="1600" b="0" i="0" smtClean="0">
+                                    <a:solidFill>
+                                      <a:schemeClr val="tx1"/>
+                                    </a:solidFill>
+                                    <a:latin typeface="Cambria Math" panose="02040503050406030204" pitchFamily="18" charset="0"/>
+                                  </a:rPr>
+                                  <m:t>|</m:t>
+                                </m:r>
+                              </m:oMath>
+                            </m:oMathPara>
+                          </a14:m>
+                          <a:endParaRPr lang="pl-PL" sz="1600" dirty="0">
+                            <a:solidFill>
+                              <a:schemeClr val="tx1"/>
+                            </a:solidFill>
+                          </a:endParaRPr>
+                        </a:p>
+                      </a:txBody>
+                      <a:tcPr anchor="ctr">
+                        <a:lnL w="12700" cap="flat" cmpd="sng" algn="ctr">
+                          <a:solidFill>
+                            <a:schemeClr val="tx1"/>
+                          </a:solidFill>
+                          <a:prstDash val="solid"/>
+                          <a:round/>
+                          <a:headEnd type="none" w="med" len="med"/>
+                          <a:tailEnd type="none" w="med" len="med"/>
+                        </a:lnL>
+                        <a:lnR w="12700" cap="flat" cmpd="sng" algn="ctr">
+                          <a:solidFill>
+                            <a:schemeClr val="tx1"/>
+                          </a:solidFill>
+                          <a:prstDash val="solid"/>
+                          <a:round/>
+                          <a:headEnd type="none" w="med" len="med"/>
+                          <a:tailEnd type="none" w="med" len="med"/>
+                        </a:lnR>
+                        <a:lnT w="12700" cap="flat" cmpd="sng" algn="ctr">
+                          <a:solidFill>
+                            <a:schemeClr val="tx1"/>
+                          </a:solidFill>
+                          <a:prstDash val="solid"/>
+                          <a:round/>
+                          <a:headEnd type="none" w="med" len="med"/>
+                          <a:tailEnd type="none" w="med" len="med"/>
+                        </a:lnT>
+                        <a:lnB w="12700" cap="flat" cmpd="sng" algn="ctr">
+                          <a:solidFill>
+                            <a:schemeClr val="tx1"/>
+                          </a:solidFill>
+                          <a:prstDash val="solid"/>
+                          <a:round/>
+                          <a:headEnd type="none" w="med" len="med"/>
+                          <a:tailEnd type="none" w="med" len="med"/>
+                        </a:lnB>
+                      </a:tcPr>
+                    </a:tc>
+                    <a:tc>
+                      <a:txBody>
+                        <a:bodyPr/>
+                        <a:lstStyle/>
+                        <a:p>
+                          <a:pPr algn="r"/>
+                          <a14:m>
+                            <m:oMathPara xmlns:m="http://schemas.openxmlformats.org/officeDocument/2006/math">
+                              <m:oMathParaPr>
+                                <m:jc m:val="center"/>
+                              </m:oMathParaPr>
+                              <m:oMath xmlns:m="http://schemas.openxmlformats.org/officeDocument/2006/math">
+                                <m:r>
+                                  <a:rPr lang="pl-PL" sz="1600" i="1" smtClean="0">
+                                    <a:solidFill>
+                                      <a:schemeClr val="accent6"/>
+                                    </a:solidFill>
+                                    <a:latin typeface="Cambria Math" panose="02040503050406030204" pitchFamily="18" charset="0"/>
+                                  </a:rPr>
+                                  <m:t>1.33</m:t>
+                                </m:r>
+                                <m:r>
+                                  <a:rPr lang="pl-PL" sz="1600" i="1" smtClean="0">
+                                    <a:solidFill>
+                                      <a:schemeClr val="tx1"/>
+                                    </a:solidFill>
+                                    <a:latin typeface="Cambria Math" panose="02040503050406030204" pitchFamily="18" charset="0"/>
+                                  </a:rPr>
+                                  <m:t>243179839523451</m:t>
+                                </m:r>
+                              </m:oMath>
+                            </m:oMathPara>
+                          </a14:m>
+                          <a:endParaRPr lang="pl-PL" sz="1600" dirty="0">
+                            <a:solidFill>
+                              <a:schemeClr val="tx1"/>
+                            </a:solidFill>
+                          </a:endParaRPr>
+                        </a:p>
+                      </a:txBody>
+                      <a:tcPr anchor="ctr">
+                        <a:lnL w="12700" cap="flat" cmpd="sng" algn="ctr">
+                          <a:solidFill>
+                            <a:schemeClr val="tx1"/>
+                          </a:solidFill>
+                          <a:prstDash val="solid"/>
+                          <a:round/>
+                          <a:headEnd type="none" w="med" len="med"/>
+                          <a:tailEnd type="none" w="med" len="med"/>
+                        </a:lnL>
+                        <a:lnR w="12700" cap="flat" cmpd="sng" algn="ctr">
+                          <a:solidFill>
+                            <a:schemeClr val="tx1"/>
+                          </a:solidFill>
+                          <a:prstDash val="solid"/>
+                          <a:round/>
+                          <a:headEnd type="none" w="med" len="med"/>
+                          <a:tailEnd type="none" w="med" len="med"/>
+                        </a:lnR>
+                        <a:lnT w="12700" cap="flat" cmpd="sng" algn="ctr">
+                          <a:solidFill>
+                            <a:schemeClr val="tx1"/>
+                          </a:solidFill>
+                          <a:prstDash val="solid"/>
+                          <a:round/>
+                          <a:headEnd type="none" w="med" len="med"/>
+                          <a:tailEnd type="none" w="med" len="med"/>
+                        </a:lnT>
+                        <a:lnB w="12700" cap="flat" cmpd="sng" algn="ctr">
+                          <a:solidFill>
+                            <a:schemeClr val="tx1"/>
+                          </a:solidFill>
+                          <a:prstDash val="solid"/>
+                          <a:round/>
+                          <a:headEnd type="none" w="med" len="med"/>
+                          <a:tailEnd type="none" w="med" len="med"/>
+                        </a:lnB>
+                      </a:tcPr>
+                    </a:tc>
+                    <a:tc>
+                      <a:txBody>
+                        <a:bodyPr/>
+                        <a:lstStyle/>
+                        <a:p>
+                          <a:pPr algn="r"/>
+                          <a14:m>
+                            <m:oMathPara xmlns:m="http://schemas.openxmlformats.org/officeDocument/2006/math">
+                              <m:oMathParaPr>
+                                <m:jc m:val="center"/>
+                              </m:oMathParaPr>
+                              <m:oMath xmlns:m="http://schemas.openxmlformats.org/officeDocument/2006/math">
+                                <m:r>
+                                  <a:rPr lang="pl-PL" sz="1600" i="1" smtClean="0">
+                                    <a:solidFill>
+                                      <a:schemeClr val="accent6"/>
+                                    </a:solidFill>
+                                    <a:latin typeface="Cambria Math" panose="02040503050406030204" pitchFamily="18" charset="0"/>
+                                  </a:rPr>
+                                  <m:t>1.333</m:t>
+                                </m:r>
+                                <m:r>
+                                  <a:rPr lang="pl-PL" sz="1600" i="1" smtClean="0">
+                                    <a:solidFill>
+                                      <a:schemeClr val="tx1"/>
+                                    </a:solidFill>
+                                    <a:latin typeface="Cambria Math" panose="02040503050406030204" pitchFamily="18" charset="0"/>
+                                  </a:rPr>
+                                  <m:t>10794959880896</m:t>
+                                </m:r>
+                              </m:oMath>
+                            </m:oMathPara>
+                          </a14:m>
+                          <a:endParaRPr lang="pl-PL" sz="1600" dirty="0">
+                            <a:solidFill>
+                              <a:schemeClr val="tx1"/>
+                            </a:solidFill>
+                          </a:endParaRPr>
+                        </a:p>
+                      </a:txBody>
+                      <a:tcPr anchor="ctr">
+                        <a:lnL w="12700" cap="flat" cmpd="sng" algn="ctr">
+                          <a:solidFill>
+                            <a:schemeClr val="tx1"/>
+                          </a:solidFill>
+                          <a:prstDash val="solid"/>
+                          <a:round/>
+                          <a:headEnd type="none" w="med" len="med"/>
+                          <a:tailEnd type="none" w="med" len="med"/>
+                        </a:lnL>
+                        <a:lnR w="12700" cap="flat" cmpd="sng" algn="ctr">
+                          <a:solidFill>
+                            <a:schemeClr val="tx1"/>
+                          </a:solidFill>
+                          <a:prstDash val="solid"/>
+                          <a:round/>
+                          <a:headEnd type="none" w="med" len="med"/>
+                          <a:tailEnd type="none" w="med" len="med"/>
+                        </a:lnR>
+                        <a:lnT w="12700" cap="flat" cmpd="sng" algn="ctr">
+                          <a:solidFill>
+                            <a:schemeClr val="tx1"/>
+                          </a:solidFill>
+                          <a:prstDash val="solid"/>
+                          <a:round/>
+                          <a:headEnd type="none" w="med" len="med"/>
+                          <a:tailEnd type="none" w="med" len="med"/>
+                        </a:lnT>
+                        <a:lnB w="12700" cap="flat" cmpd="sng" algn="ctr">
+                          <a:solidFill>
+                            <a:schemeClr val="tx1"/>
+                          </a:solidFill>
+                          <a:prstDash val="solid"/>
+                          <a:round/>
+                          <a:headEnd type="none" w="med" len="med"/>
+                          <a:tailEnd type="none" w="med" len="med"/>
+                        </a:lnB>
+                      </a:tcPr>
+                    </a:tc>
+                    <a:tc>
+                      <a:txBody>
+                        <a:bodyPr/>
+                        <a:lstStyle/>
+                        <a:p>
+                          <a:pPr algn="ctr"/>
+                          <a14:m>
+                            <m:oMathPara xmlns:m="http://schemas.openxmlformats.org/officeDocument/2006/math">
+                              <m:oMathParaPr>
+                                <m:jc m:val="center"/>
+                              </m:oMathParaPr>
+                              <m:oMath xmlns:m="http://schemas.openxmlformats.org/officeDocument/2006/math">
+                                <m:box>
+                                  <m:boxPr>
+                                    <m:ctrlPr>
+                                      <a:rPr lang="pl-PL" sz="1600" i="1" smtClean="0">
+                                        <a:solidFill>
+                                          <a:schemeClr val="tx1"/>
+                                        </a:solidFill>
+                                        <a:latin typeface="Cambria Math" panose="02040503050406030204" pitchFamily="18" charset="0"/>
+                                      </a:rPr>
+                                    </m:ctrlPr>
+                                  </m:boxPr>
+                                  <m:e>
+                                    <m:argPr>
+                                      <m:argSz m:val="-1"/>
+                                    </m:argPr>
+                                    <m:f>
+                                      <m:fPr>
+                                        <m:ctrlPr>
+                                          <a:rPr lang="pl-PL" sz="1600" i="1" smtClean="0">
+                                            <a:solidFill>
+                                              <a:schemeClr val="tx1"/>
+                                            </a:solidFill>
+                                            <a:latin typeface="Cambria Math" panose="02040503050406030204" pitchFamily="18" charset="0"/>
+                                          </a:rPr>
+                                        </m:ctrlPr>
+                                      </m:fPr>
+                                      <m:num>
+                                        <m:r>
+                                          <a:rPr lang="pl-PL" sz="1600" b="0" i="1" smtClean="0">
+                                            <a:solidFill>
+                                              <a:schemeClr val="tx1"/>
+                                            </a:solidFill>
+                                            <a:latin typeface="Cambria Math" panose="02040503050406030204" pitchFamily="18" charset="0"/>
+                                          </a:rPr>
+                                          <m:t>4</m:t>
+                                        </m:r>
+                                      </m:num>
+                                      <m:den>
+                                        <m:r>
+                                          <a:rPr lang="pl-PL" sz="1600" b="0" i="1" smtClean="0">
+                                            <a:solidFill>
+                                              <a:schemeClr val="tx1"/>
+                                            </a:solidFill>
+                                            <a:latin typeface="Cambria Math" panose="02040503050406030204" pitchFamily="18" charset="0"/>
+                                          </a:rPr>
+                                          <m:t>3</m:t>
+                                        </m:r>
+                                      </m:den>
+                                    </m:f>
+                                  </m:e>
+                                </m:box>
+                                <m:r>
+                                  <a:rPr lang="pl-PL" sz="1600" b="0" i="1" smtClean="0">
+                                    <a:solidFill>
+                                      <a:schemeClr val="tx1"/>
+                                    </a:solidFill>
+                                    <a:latin typeface="Cambria Math" panose="02040503050406030204" pitchFamily="18" charset="0"/>
+                                  </a:rPr>
+                                  <m:t>=1.3(3)</m:t>
+                                </m:r>
+                              </m:oMath>
+                            </m:oMathPara>
+                          </a14:m>
+                          <a:endParaRPr lang="pl-PL" sz="1600" dirty="0">
+                            <a:solidFill>
+                              <a:schemeClr val="tx1"/>
+                            </a:solidFill>
+                          </a:endParaRPr>
+                        </a:p>
+                      </a:txBody>
+                      <a:tcPr anchor="ctr">
+                        <a:lnL w="12700" cap="flat" cmpd="sng" algn="ctr">
+                          <a:solidFill>
+                            <a:schemeClr val="tx1"/>
+                          </a:solidFill>
+                          <a:prstDash val="solid"/>
+                          <a:round/>
+                          <a:headEnd type="none" w="med" len="med"/>
+                          <a:tailEnd type="none" w="med" len="med"/>
+                        </a:lnL>
+                        <a:lnR w="12700" cap="flat" cmpd="sng" algn="ctr">
+                          <a:solidFill>
+                            <a:schemeClr val="tx1"/>
+                          </a:solidFill>
+                          <a:prstDash val="solid"/>
+                          <a:round/>
+                          <a:headEnd type="none" w="med" len="med"/>
+                          <a:tailEnd type="none" w="med" len="med"/>
+                        </a:lnR>
+                        <a:lnT w="12700" cap="flat" cmpd="sng" algn="ctr">
+                          <a:solidFill>
+                            <a:schemeClr val="tx1"/>
+                          </a:solidFill>
+                          <a:prstDash val="solid"/>
+                          <a:round/>
+                          <a:headEnd type="none" w="med" len="med"/>
+                          <a:tailEnd type="none" w="med" len="med"/>
+                        </a:lnT>
+                        <a:lnB w="12700" cap="flat" cmpd="sng" algn="ctr">
+                          <a:solidFill>
+                            <a:schemeClr val="tx1"/>
+                          </a:solidFill>
+                          <a:prstDash val="solid"/>
+                          <a:round/>
+                          <a:headEnd type="none" w="med" len="med"/>
+                          <a:tailEnd type="none" w="med" len="med"/>
+                        </a:lnB>
+                      </a:tcPr>
+                    </a:tc>
+                    <a:extLst>
+                      <a:ext uri="{0D108BD9-81ED-4DB2-BD59-A6C34878D82A}">
+                        <a16:rowId xmlns:a16="http://schemas.microsoft.com/office/drawing/2014/main" val="1001587304"/>
+                      </a:ext>
+                    </a:extLst>
+                  </a:tr>
+                  <a:tr h="564338">
+                    <a:tc>
+                      <a:txBody>
+                        <a:bodyPr/>
+                        <a:lstStyle/>
+                        <a:p>
+                          <a:pPr algn="ctr"/>
+                          <a14:m>
+                            <m:oMathPara xmlns:m="http://schemas.openxmlformats.org/officeDocument/2006/math">
+                              <m:oMathParaPr>
+                                <m:jc m:val="centerGroup"/>
+                              </m:oMathParaPr>
+                              <m:oMath xmlns:m="http://schemas.openxmlformats.org/officeDocument/2006/math">
+                                <m:r>
+                                  <a:rPr lang="pl-PL" sz="1600" b="0" i="1" smtClean="0">
+                                    <a:solidFill>
+                                      <a:schemeClr val="tx1"/>
+                                    </a:solidFill>
+                                    <a:latin typeface="Cambria Math" panose="02040503050406030204" pitchFamily="18" charset="0"/>
+                                  </a:rPr>
+                                  <m:t>𝑓</m:t>
+                                </m:r>
+                                <m:d>
+                                  <m:dPr>
+                                    <m:ctrlPr>
+                                      <a:rPr lang="pl-PL" sz="1600" b="0" i="1" smtClean="0">
+                                        <a:solidFill>
+                                          <a:schemeClr val="tx1"/>
+                                        </a:solidFill>
+                                        <a:latin typeface="Cambria Math" panose="02040503050406030204" pitchFamily="18" charset="0"/>
+                                      </a:rPr>
+                                    </m:ctrlPr>
+                                  </m:dPr>
+                                  <m:e>
+                                    <m:r>
+                                      <a:rPr lang="pl-PL" sz="1600" b="0" i="1" smtClean="0">
+                                        <a:solidFill>
+                                          <a:schemeClr val="tx1"/>
+                                        </a:solidFill>
+                                        <a:latin typeface="Cambria Math" panose="02040503050406030204" pitchFamily="18" charset="0"/>
+                                      </a:rPr>
+                                      <m:t>𝑥</m:t>
+                                    </m:r>
+                                    <m:r>
+                                      <a:rPr lang="pl-PL" sz="1600" b="0" i="1" smtClean="0">
+                                        <a:solidFill>
+                                          <a:schemeClr val="tx1"/>
+                                        </a:solidFill>
+                                        <a:latin typeface="Cambria Math" panose="02040503050406030204" pitchFamily="18" charset="0"/>
+                                      </a:rPr>
+                                      <m:t>,</m:t>
+                                    </m:r>
+                                    <m:r>
+                                      <a:rPr lang="pl-PL" sz="1600" b="0" i="1" smtClean="0">
+                                        <a:solidFill>
+                                          <a:schemeClr val="tx1"/>
+                                        </a:solidFill>
+                                        <a:latin typeface="Cambria Math" panose="02040503050406030204" pitchFamily="18" charset="0"/>
+                                      </a:rPr>
+                                      <m:t>𝑦</m:t>
+                                    </m:r>
+                                  </m:e>
+                                </m:d>
+                                <m:r>
+                                  <a:rPr lang="pl-PL" sz="1600" b="0" i="1" smtClean="0">
+                                    <a:solidFill>
+                                      <a:schemeClr val="tx1"/>
+                                    </a:solidFill>
+                                    <a:latin typeface="Cambria Math" panose="02040503050406030204" pitchFamily="18" charset="0"/>
+                                  </a:rPr>
+                                  <m:t>=</m:t>
+                                </m:r>
+                                <m:r>
+                                  <m:rPr>
+                                    <m:sty m:val="p"/>
+                                  </m:rPr>
+                                  <a:rPr lang="pl-PL" sz="1600" b="0" i="0" smtClean="0">
+                                    <a:solidFill>
+                                      <a:schemeClr val="tx1"/>
+                                    </a:solidFill>
+                                    <a:latin typeface="Cambria Math" panose="02040503050406030204" pitchFamily="18" charset="0"/>
+                                  </a:rPr>
+                                  <m:t>sin</m:t>
+                                </m:r>
+                                <m:r>
+                                  <a:rPr lang="pl-PL" sz="1600" b="0" i="1" smtClean="0">
+                                    <a:solidFill>
+                                      <a:schemeClr val="tx1"/>
+                                    </a:solidFill>
+                                    <a:latin typeface="Cambria Math" panose="02040503050406030204" pitchFamily="18" charset="0"/>
+                                  </a:rPr>
+                                  <m:t>⁡(</m:t>
+                                </m:r>
+                                <m:sSup>
+                                  <m:sSupPr>
+                                    <m:ctrlPr>
+                                      <a:rPr lang="pl-PL" sz="1600" b="0" i="1" smtClean="0">
+                                        <a:solidFill>
+                                          <a:schemeClr val="tx1"/>
+                                        </a:solidFill>
+                                        <a:latin typeface="Cambria Math" panose="02040503050406030204" pitchFamily="18" charset="0"/>
+                                      </a:rPr>
+                                    </m:ctrlPr>
+                                  </m:sSupPr>
+                                  <m:e>
+                                    <m:r>
+                                      <a:rPr lang="pl-PL" sz="1600" b="0" i="1" smtClean="0">
+                                        <a:solidFill>
+                                          <a:schemeClr val="tx1"/>
+                                        </a:solidFill>
+                                        <a:latin typeface="Cambria Math" panose="02040503050406030204" pitchFamily="18" charset="0"/>
+                                      </a:rPr>
+                                      <m:t>𝑥</m:t>
+                                    </m:r>
+                                  </m:e>
+                                  <m:sup>
+                                    <m:r>
+                                      <a:rPr lang="pl-PL" sz="1600" b="0" i="1" smtClean="0">
+                                        <a:solidFill>
+                                          <a:schemeClr val="tx1"/>
+                                        </a:solidFill>
+                                        <a:latin typeface="Cambria Math" panose="02040503050406030204" pitchFamily="18" charset="0"/>
+                                      </a:rPr>
+                                      <m:t>2</m:t>
+                                    </m:r>
+                                  </m:sup>
+                                </m:sSup>
+                                <m:r>
+                                  <a:rPr lang="pl-PL" sz="1600" b="0" i="1" smtClean="0">
+                                    <a:solidFill>
+                                      <a:schemeClr val="tx1"/>
+                                    </a:solidFill>
+                                    <a:latin typeface="Cambria Math" panose="02040503050406030204" pitchFamily="18" charset="0"/>
+                                    <a:ea typeface="Cambria Math" panose="02040503050406030204" pitchFamily="18" charset="0"/>
+                                  </a:rPr>
+                                  <m:t>∙|</m:t>
+                                </m:r>
+                                <m:r>
+                                  <a:rPr lang="pl-PL" sz="1600" b="0" i="1" smtClean="0">
+                                    <a:solidFill>
+                                      <a:schemeClr val="tx1"/>
+                                    </a:solidFill>
+                                    <a:latin typeface="Cambria Math" panose="02040503050406030204" pitchFamily="18" charset="0"/>
+                                    <a:ea typeface="Cambria Math" panose="02040503050406030204" pitchFamily="18" charset="0"/>
+                                  </a:rPr>
+                                  <m:t>𝑦</m:t>
+                                </m:r>
+                                <m:r>
+                                  <a:rPr lang="pl-PL" sz="1600" b="0" i="1" smtClean="0">
+                                    <a:solidFill>
+                                      <a:schemeClr val="tx1"/>
+                                    </a:solidFill>
+                                    <a:latin typeface="Cambria Math" panose="02040503050406030204" pitchFamily="18" charset="0"/>
+                                    <a:ea typeface="Cambria Math" panose="02040503050406030204" pitchFamily="18" charset="0"/>
+                                  </a:rPr>
+                                  <m:t>|)</m:t>
+                                </m:r>
+                              </m:oMath>
+                            </m:oMathPara>
+                          </a14:m>
+                          <a:endParaRPr lang="pl-PL" sz="1600" dirty="0">
+                            <a:solidFill>
+                              <a:schemeClr val="tx1"/>
+                            </a:solidFill>
+                          </a:endParaRPr>
+                        </a:p>
+                      </a:txBody>
+                      <a:tcPr anchor="ctr">
+                        <a:lnL w="12700" cap="flat" cmpd="sng" algn="ctr">
+                          <a:solidFill>
+                            <a:schemeClr val="tx1"/>
+                          </a:solidFill>
+                          <a:prstDash val="solid"/>
+                          <a:round/>
+                          <a:headEnd type="none" w="med" len="med"/>
+                          <a:tailEnd type="none" w="med" len="med"/>
+                        </a:lnL>
+                        <a:lnR w="12700" cap="flat" cmpd="sng" algn="ctr">
+                          <a:solidFill>
+                            <a:schemeClr val="tx1"/>
+                          </a:solidFill>
+                          <a:prstDash val="solid"/>
+                          <a:round/>
+                          <a:headEnd type="none" w="med" len="med"/>
+                          <a:tailEnd type="none" w="med" len="med"/>
+                        </a:lnR>
+                        <a:lnT w="12700" cap="flat" cmpd="sng" algn="ctr">
+                          <a:solidFill>
+                            <a:schemeClr val="tx1"/>
+                          </a:solidFill>
+                          <a:prstDash val="solid"/>
+                          <a:round/>
+                          <a:headEnd type="none" w="med" len="med"/>
+                          <a:tailEnd type="none" w="med" len="med"/>
+                        </a:lnT>
+                        <a:lnB w="12700" cap="flat" cmpd="sng" algn="ctr">
+                          <a:solidFill>
+                            <a:schemeClr val="tx1"/>
+                          </a:solidFill>
+                          <a:prstDash val="solid"/>
+                          <a:round/>
+                          <a:headEnd type="none" w="med" len="med"/>
+                          <a:tailEnd type="none" w="med" len="med"/>
+                        </a:lnB>
+                      </a:tcPr>
+                    </a:tc>
+                    <a:tc>
+                      <a:txBody>
+                        <a:bodyPr/>
+                        <a:lstStyle/>
+                        <a:p>
+                          <a:pPr algn="r"/>
+                          <a14:m>
+                            <m:oMathPara xmlns:m="http://schemas.openxmlformats.org/officeDocument/2006/math">
+                              <m:oMathParaPr>
+                                <m:jc m:val="center"/>
+                              </m:oMathParaPr>
+                              <m:oMath xmlns:m="http://schemas.openxmlformats.org/officeDocument/2006/math">
+                                <m:r>
+                                  <a:rPr lang="pl-PL" sz="1600" i="1" smtClean="0">
+                                    <a:solidFill>
+                                      <a:schemeClr val="accent6"/>
+                                    </a:solidFill>
+                                    <a:latin typeface="Cambria Math" panose="02040503050406030204" pitchFamily="18" charset="0"/>
+                                  </a:rPr>
+                                  <m:t>0.066</m:t>
+                                </m:r>
+                                <m:r>
+                                  <a:rPr lang="pl-PL" sz="1600" i="1" smtClean="0">
+                                    <a:solidFill>
+                                      <a:schemeClr val="tx1"/>
+                                    </a:solidFill>
+                                    <a:latin typeface="Cambria Math" panose="02040503050406030204" pitchFamily="18" charset="0"/>
+                                  </a:rPr>
+                                  <m:t>44487419023887</m:t>
+                                </m:r>
+                              </m:oMath>
+                            </m:oMathPara>
+                          </a14:m>
+                          <a:endParaRPr lang="pl-PL" sz="1600" dirty="0">
+                            <a:solidFill>
+                              <a:schemeClr val="tx1"/>
+                            </a:solidFill>
+                          </a:endParaRPr>
+                        </a:p>
+                      </a:txBody>
+                      <a:tcPr anchor="ctr">
+                        <a:lnL w="12700" cap="flat" cmpd="sng" algn="ctr">
+                          <a:solidFill>
+                            <a:schemeClr val="tx1"/>
+                          </a:solidFill>
+                          <a:prstDash val="solid"/>
+                          <a:round/>
+                          <a:headEnd type="none" w="med" len="med"/>
+                          <a:tailEnd type="none" w="med" len="med"/>
+                        </a:lnL>
+                        <a:lnR w="12700" cap="flat" cmpd="sng" algn="ctr">
+                          <a:solidFill>
+                            <a:schemeClr val="tx1"/>
+                          </a:solidFill>
+                          <a:prstDash val="solid"/>
+                          <a:round/>
+                          <a:headEnd type="none" w="med" len="med"/>
+                          <a:tailEnd type="none" w="med" len="med"/>
+                        </a:lnR>
+                        <a:lnT w="12700" cap="flat" cmpd="sng" algn="ctr">
+                          <a:solidFill>
+                            <a:schemeClr val="tx1"/>
+                          </a:solidFill>
+                          <a:prstDash val="solid"/>
+                          <a:round/>
+                          <a:headEnd type="none" w="med" len="med"/>
+                          <a:tailEnd type="none" w="med" len="med"/>
+                        </a:lnT>
+                        <a:lnB w="12700" cap="flat" cmpd="sng" algn="ctr">
+                          <a:solidFill>
+                            <a:schemeClr val="tx1"/>
+                          </a:solidFill>
+                          <a:prstDash val="solid"/>
+                          <a:round/>
+                          <a:headEnd type="none" w="med" len="med"/>
+                          <a:tailEnd type="none" w="med" len="med"/>
+                        </a:lnB>
+                      </a:tcPr>
+                    </a:tc>
+                    <a:tc>
+                      <a:txBody>
+                        <a:bodyPr/>
+                        <a:lstStyle/>
+                        <a:p>
+                          <a:pPr algn="ctr"/>
+                          <a14:m>
+                            <m:oMathPara xmlns:m="http://schemas.openxmlformats.org/officeDocument/2006/math">
+                              <m:oMathParaPr>
+                                <m:jc m:val="centerGroup"/>
+                              </m:oMathParaPr>
+                              <m:oMath xmlns:m="http://schemas.openxmlformats.org/officeDocument/2006/math">
+                                <m:r>
+                                  <a:rPr lang="pl-PL" sz="1600" i="1" smtClean="0">
+                                    <a:solidFill>
+                                      <a:schemeClr val="accent6"/>
+                                    </a:solidFill>
+                                    <a:latin typeface="Cambria Math" panose="02040503050406030204" pitchFamily="18" charset="0"/>
+                                  </a:rPr>
+                                  <m:t>0.066</m:t>
+                                </m:r>
+                                <m:r>
+                                  <a:rPr lang="pl-PL" sz="1600" i="1" smtClean="0">
+                                    <a:solidFill>
+                                      <a:schemeClr val="tx1"/>
+                                    </a:solidFill>
+                                    <a:latin typeface="Cambria Math" panose="02040503050406030204" pitchFamily="18" charset="0"/>
+                                  </a:rPr>
+                                  <m:t>55702917966301</m:t>
+                                </m:r>
+                              </m:oMath>
+                            </m:oMathPara>
+                          </a14:m>
+                          <a:endParaRPr/>
+                        </a:p>
+                      </a:txBody>
+                      <a:tcPr anchor="ctr">
+                        <a:lnL w="12700" cap="flat" cmpd="sng" algn="ctr">
+                          <a:solidFill>
+                            <a:schemeClr val="tx1"/>
+                          </a:solidFill>
+                          <a:prstDash val="solid"/>
+                          <a:round/>
+                          <a:headEnd type="none" w="med" len="med"/>
+                          <a:tailEnd type="none" w="med" len="med"/>
+                        </a:lnL>
+                        <a:lnR w="12700" cap="flat" cmpd="sng" algn="ctr">
+                          <a:solidFill>
+                            <a:schemeClr val="tx1"/>
+                          </a:solidFill>
+                          <a:prstDash val="solid"/>
+                          <a:round/>
+                          <a:headEnd type="none" w="med" len="med"/>
+                          <a:tailEnd type="none" w="med" len="med"/>
+                        </a:lnR>
+                        <a:lnT w="12700" cap="flat" cmpd="sng" algn="ctr">
+                          <a:solidFill>
+                            <a:schemeClr val="tx1"/>
+                          </a:solidFill>
+                          <a:prstDash val="solid"/>
+                          <a:round/>
+                          <a:headEnd type="none" w="med" len="med"/>
+                          <a:tailEnd type="none" w="med" len="med"/>
+                        </a:lnT>
+                        <a:lnB w="12700" cap="flat" cmpd="sng" algn="ctr">
+                          <a:solidFill>
+                            <a:schemeClr val="tx1"/>
+                          </a:solidFill>
+                          <a:prstDash val="solid"/>
+                          <a:round/>
+                          <a:headEnd type="none" w="med" len="med"/>
+                          <a:tailEnd type="none" w="med" len="med"/>
+                        </a:lnB>
+                      </a:tcPr>
+                    </a:tc>
+                    <a:tc>
+                      <a:txBody>
+                        <a:bodyPr/>
+                        <a:lstStyle/>
+                        <a:p>
+                          <a:pPr algn="ctr"/>
+                          <a14:m>
+                            <m:oMathPara xmlns:m="http://schemas.openxmlformats.org/officeDocument/2006/math">
+                              <m:oMathParaPr>
+                                <m:jc m:val="center"/>
+                              </m:oMathParaPr>
+                              <m:oMath xmlns:m="http://schemas.openxmlformats.org/officeDocument/2006/math">
+                                <m:box>
+                                  <m:boxPr>
+                                    <m:ctrlPr>
+                                      <a:rPr lang="pl-PL" sz="1600" i="1" smtClean="0">
+                                        <a:solidFill>
+                                          <a:schemeClr val="tx1"/>
+                                        </a:solidFill>
+                                        <a:latin typeface="Cambria Math" panose="02040503050406030204" pitchFamily="18" charset="0"/>
+                                      </a:rPr>
+                                    </m:ctrlPr>
+                                  </m:boxPr>
+                                  <m:e>
+                                    <m:argPr>
+                                      <m:argSz m:val="-1"/>
+                                    </m:argPr>
+                                    <m:f>
+                                      <m:fPr>
+                                        <m:ctrlPr>
+                                          <a:rPr lang="pl-PL" sz="1600" i="1" smtClean="0">
+                                            <a:solidFill>
+                                              <a:schemeClr val="tx1"/>
+                                            </a:solidFill>
+                                            <a:latin typeface="Cambria Math" panose="02040503050406030204" pitchFamily="18" charset="0"/>
+                                          </a:rPr>
+                                        </m:ctrlPr>
+                                      </m:fPr>
+                                      <m:num>
+                                        <m:r>
+                                          <a:rPr lang="pl-PL" sz="1600" b="0" i="1" smtClean="0">
+                                            <a:solidFill>
+                                              <a:schemeClr val="tx1"/>
+                                            </a:solidFill>
+                                            <a:latin typeface="Cambria Math" panose="02040503050406030204" pitchFamily="18" charset="0"/>
+                                          </a:rPr>
+                                          <m:t>1</m:t>
+                                        </m:r>
+                                      </m:num>
+                                      <m:den>
+                                        <m:r>
+                                          <a:rPr lang="pl-PL" sz="1600" b="0" i="1" smtClean="0">
+                                            <a:solidFill>
+                                              <a:schemeClr val="tx1"/>
+                                            </a:solidFill>
+                                            <a:latin typeface="Cambria Math" panose="02040503050406030204" pitchFamily="18" charset="0"/>
+                                          </a:rPr>
+                                          <m:t>15</m:t>
+                                        </m:r>
+                                      </m:den>
+                                    </m:f>
+                                  </m:e>
+                                </m:box>
+                                <m:r>
+                                  <a:rPr lang="pl-PL" sz="1600" b="0" i="1" smtClean="0">
+                                    <a:solidFill>
+                                      <a:schemeClr val="tx1"/>
+                                    </a:solidFill>
+                                    <a:latin typeface="Cambria Math" panose="02040503050406030204" pitchFamily="18" charset="0"/>
+                                  </a:rPr>
+                                  <m:t>=0.06(6)</m:t>
+                                </m:r>
+                              </m:oMath>
+                            </m:oMathPara>
+                          </a14:m>
+                          <a:endParaRPr lang="pl-PL" sz="1600" dirty="0">
+                            <a:solidFill>
+                              <a:schemeClr val="tx1"/>
+                            </a:solidFill>
+                          </a:endParaRPr>
+                        </a:p>
+                      </a:txBody>
+                      <a:tcPr anchor="ctr">
+                        <a:lnL w="12700" cap="flat" cmpd="sng" algn="ctr">
+                          <a:solidFill>
+                            <a:schemeClr val="tx1"/>
+                          </a:solidFill>
+                          <a:prstDash val="solid"/>
+                          <a:round/>
+                          <a:headEnd type="none" w="med" len="med"/>
+                          <a:tailEnd type="none" w="med" len="med"/>
+                        </a:lnL>
+                        <a:lnR w="12700" cap="flat" cmpd="sng" algn="ctr">
+                          <a:solidFill>
+                            <a:schemeClr val="tx1"/>
+                          </a:solidFill>
+                          <a:prstDash val="solid"/>
+                          <a:round/>
+                          <a:headEnd type="none" w="med" len="med"/>
+                          <a:tailEnd type="none" w="med" len="med"/>
+                        </a:lnR>
+                        <a:lnT w="12700" cap="flat" cmpd="sng" algn="ctr">
+                          <a:solidFill>
+                            <a:schemeClr val="tx1"/>
+                          </a:solidFill>
+                          <a:prstDash val="solid"/>
+                          <a:round/>
+                          <a:headEnd type="none" w="med" len="med"/>
+                          <a:tailEnd type="none" w="med" len="med"/>
+                        </a:lnT>
+                        <a:lnB w="12700" cap="flat" cmpd="sng" algn="ctr">
+                          <a:solidFill>
+                            <a:schemeClr val="tx1"/>
+                          </a:solidFill>
+                          <a:prstDash val="solid"/>
+                          <a:round/>
+                          <a:headEnd type="none" w="med" len="med"/>
+                          <a:tailEnd type="none" w="med" len="med"/>
+                        </a:lnB>
+                      </a:tcPr>
+                    </a:tc>
+                    <a:extLst>
+                      <a:ext uri="{0D108BD9-81ED-4DB2-BD59-A6C34878D82A}">
+                        <a16:rowId xmlns:a16="http://schemas.microsoft.com/office/drawing/2014/main" val="2544194795"/>
+                      </a:ext>
+                    </a:extLst>
+                  </a:tr>
+                  <a:tr h="564338">
+                    <a:tc>
+                      <a:txBody>
+                        <a:bodyPr/>
+                        <a:lstStyle/>
+                        <a:p>
+                          <a:pPr algn="ctr"/>
+                          <a14:m>
+                            <m:oMathPara xmlns:m="http://schemas.openxmlformats.org/officeDocument/2006/math">
+                              <m:oMathParaPr>
+                                <m:jc m:val="centerGroup"/>
+                              </m:oMathParaPr>
+                              <m:oMath xmlns:m="http://schemas.openxmlformats.org/officeDocument/2006/math">
+                                <m:r>
+                                  <a:rPr lang="pl-PL" sz="1600" b="0" i="1" smtClean="0">
+                                    <a:solidFill>
+                                      <a:schemeClr val="tx1"/>
+                                    </a:solidFill>
+                                    <a:latin typeface="Cambria Math" panose="02040503050406030204" pitchFamily="18" charset="0"/>
+                                  </a:rPr>
+                                  <m:t>𝑓</m:t>
+                                </m:r>
+                                <m:d>
+                                  <m:dPr>
+                                    <m:ctrlPr>
+                                      <a:rPr lang="pl-PL" sz="1600" b="0" i="1" smtClean="0">
+                                        <a:solidFill>
+                                          <a:schemeClr val="tx1"/>
+                                        </a:solidFill>
+                                        <a:latin typeface="Cambria Math" panose="02040503050406030204" pitchFamily="18" charset="0"/>
+                                      </a:rPr>
+                                    </m:ctrlPr>
+                                  </m:dPr>
+                                  <m:e>
+                                    <m:r>
+                                      <a:rPr lang="pl-PL" sz="1600" b="0" i="1" smtClean="0">
+                                        <a:solidFill>
+                                          <a:schemeClr val="tx1"/>
+                                        </a:solidFill>
+                                        <a:latin typeface="Cambria Math" panose="02040503050406030204" pitchFamily="18" charset="0"/>
+                                      </a:rPr>
+                                      <m:t>𝑥</m:t>
+                                    </m:r>
+                                    <m:r>
+                                      <a:rPr lang="pl-PL" sz="1600" b="0" i="1" smtClean="0">
+                                        <a:solidFill>
+                                          <a:schemeClr val="tx1"/>
+                                        </a:solidFill>
+                                        <a:latin typeface="Cambria Math" panose="02040503050406030204" pitchFamily="18" charset="0"/>
+                                      </a:rPr>
+                                      <m:t>,</m:t>
+                                    </m:r>
+                                    <m:r>
+                                      <a:rPr lang="pl-PL" sz="1600" b="0" i="1" smtClean="0">
+                                        <a:solidFill>
+                                          <a:schemeClr val="tx1"/>
+                                        </a:solidFill>
+                                        <a:latin typeface="Cambria Math" panose="02040503050406030204" pitchFamily="18" charset="0"/>
+                                      </a:rPr>
+                                      <m:t>𝑦</m:t>
+                                    </m:r>
+                                  </m:e>
+                                </m:d>
+                                <m:r>
+                                  <a:rPr lang="pl-PL" sz="1600" b="0" i="1" smtClean="0">
+                                    <a:solidFill>
+                                      <a:schemeClr val="tx1"/>
+                                    </a:solidFill>
+                                    <a:latin typeface="Cambria Math" panose="02040503050406030204" pitchFamily="18" charset="0"/>
+                                  </a:rPr>
+                                  <m:t>=</m:t>
+                                </m:r>
+                                <m:r>
+                                  <a:rPr lang="pl-PL" sz="1600" b="0" i="0" smtClean="0">
+                                    <a:solidFill>
+                                      <a:schemeClr val="tx1"/>
+                                    </a:solidFill>
+                                    <a:latin typeface="Cambria Math" panose="02040503050406030204" pitchFamily="18" charset="0"/>
+                                  </a:rPr>
+                                  <m:t>−</m:t>
+                                </m:r>
+                                <m:r>
+                                  <m:rPr>
+                                    <m:sty m:val="p"/>
+                                  </m:rPr>
+                                  <a:rPr lang="pl-PL" sz="1600" b="0" i="0" smtClean="0">
+                                    <a:solidFill>
+                                      <a:schemeClr val="tx1"/>
+                                    </a:solidFill>
+                                    <a:latin typeface="Cambria Math" panose="02040503050406030204" pitchFamily="18" charset="0"/>
+                                  </a:rPr>
+                                  <m:t>exp</m:t>
+                                </m:r>
+                                <m:r>
+                                  <a:rPr lang="pl-PL" sz="1600" b="0" i="1" smtClean="0">
+                                    <a:solidFill>
+                                      <a:schemeClr val="tx1"/>
+                                    </a:solidFill>
+                                    <a:latin typeface="Cambria Math" panose="02040503050406030204" pitchFamily="18" charset="0"/>
+                                  </a:rPr>
+                                  <m:t>⁡(</m:t>
+                                </m:r>
+                                <m:r>
+                                  <a:rPr lang="pl-PL" sz="1600" b="0" i="1" smtClean="0">
+                                    <a:solidFill>
+                                      <a:schemeClr val="tx1"/>
+                                    </a:solidFill>
+                                    <a:latin typeface="Cambria Math" panose="02040503050406030204" pitchFamily="18" charset="0"/>
+                                  </a:rPr>
+                                  <m:t>𝑥</m:t>
+                                </m:r>
+                                <m:r>
+                                  <a:rPr lang="pl-PL" sz="1600" b="0" i="1" smtClean="0">
+                                    <a:solidFill>
+                                      <a:schemeClr val="tx1"/>
+                                    </a:solidFill>
+                                    <a:latin typeface="Cambria Math" panose="02040503050406030204" pitchFamily="18" charset="0"/>
+                                  </a:rPr>
+                                  <m:t>+</m:t>
+                                </m:r>
+                                <m:r>
+                                  <a:rPr lang="pl-PL" sz="1600" b="0" i="1" smtClean="0">
+                                    <a:solidFill>
+                                      <a:schemeClr val="tx1"/>
+                                    </a:solidFill>
+                                    <a:latin typeface="Cambria Math" panose="02040503050406030204" pitchFamily="18" charset="0"/>
+                                  </a:rPr>
+                                  <m:t>𝑦</m:t>
+                                </m:r>
+                                <m:r>
+                                  <a:rPr lang="pl-PL" sz="1600" b="0" i="1" smtClean="0">
+                                    <a:solidFill>
+                                      <a:schemeClr val="tx1"/>
+                                    </a:solidFill>
+                                    <a:latin typeface="Cambria Math" panose="02040503050406030204" pitchFamily="18" charset="0"/>
+                                  </a:rPr>
+                                  <m:t>)</m:t>
+                                </m:r>
+                              </m:oMath>
+                            </m:oMathPara>
+                          </a14:m>
+                          <a:endParaRPr lang="pl-PL" sz="1600" dirty="0">
+                            <a:solidFill>
+                              <a:schemeClr val="tx1"/>
+                            </a:solidFill>
+                          </a:endParaRPr>
+                        </a:p>
+                      </a:txBody>
+                      <a:tcPr anchor="ctr">
+                        <a:lnL w="12700" cap="flat" cmpd="sng" algn="ctr">
+                          <a:solidFill>
+                            <a:schemeClr val="tx1"/>
+                          </a:solidFill>
+                          <a:prstDash val="solid"/>
+                          <a:round/>
+                          <a:headEnd type="none" w="med" len="med"/>
+                          <a:tailEnd type="none" w="med" len="med"/>
+                        </a:lnL>
+                        <a:lnR w="12700" cap="flat" cmpd="sng" algn="ctr">
+                          <a:solidFill>
+                            <a:schemeClr val="tx1"/>
+                          </a:solidFill>
+                          <a:prstDash val="solid"/>
+                          <a:round/>
+                          <a:headEnd type="none" w="med" len="med"/>
+                          <a:tailEnd type="none" w="med" len="med"/>
+                        </a:lnR>
+                        <a:lnT w="12700" cap="flat" cmpd="sng" algn="ctr">
+                          <a:solidFill>
+                            <a:schemeClr val="tx1"/>
+                          </a:solidFill>
+                          <a:prstDash val="solid"/>
+                          <a:round/>
+                          <a:headEnd type="none" w="med" len="med"/>
+                          <a:tailEnd type="none" w="med" len="med"/>
+                        </a:lnT>
+                        <a:lnB w="12700" cap="flat" cmpd="sng" algn="ctr">
+                          <a:solidFill>
+                            <a:schemeClr val="tx1"/>
+                          </a:solidFill>
+                          <a:prstDash val="solid"/>
+                          <a:round/>
+                          <a:headEnd type="none" w="med" len="med"/>
+                          <a:tailEnd type="none" w="med" len="med"/>
+                        </a:lnB>
+                      </a:tcPr>
+                    </a:tc>
+                    <a:tc>
+                      <a:txBody>
+                        <a:bodyPr/>
+                        <a:lstStyle/>
+                        <a:p>
+                          <a:pPr algn="r"/>
+                          <a14:m>
+                            <m:oMathPara xmlns:m="http://schemas.openxmlformats.org/officeDocument/2006/math">
+                              <m:oMathParaPr>
+                                <m:jc m:val="center"/>
+                              </m:oMathParaPr>
+                              <m:oMath xmlns:m="http://schemas.openxmlformats.org/officeDocument/2006/math">
+                                <m:r>
+                                  <a:rPr lang="pl-PL" sz="1600" b="0" i="1" smtClean="0">
+                                    <a:solidFill>
+                                      <a:schemeClr val="accent6"/>
+                                    </a:solidFill>
+                                    <a:latin typeface="Cambria Math" panose="02040503050406030204" pitchFamily="18" charset="0"/>
+                                  </a:rPr>
+                                  <m:t>−</m:t>
+                                </m:r>
+                                <m:r>
+                                  <a:rPr lang="pl-PL" sz="1600" i="1" smtClean="0">
+                                    <a:solidFill>
+                                      <a:schemeClr val="accent6"/>
+                                    </a:solidFill>
+                                    <a:latin typeface="Cambria Math" panose="02040503050406030204" pitchFamily="18" charset="0"/>
+                                  </a:rPr>
+                                  <m:t>2.3504023872</m:t>
+                                </m:r>
+                                <m:r>
+                                  <a:rPr lang="pl-PL" sz="1600" i="1" smtClean="0">
+                                    <a:solidFill>
+                                      <a:schemeClr val="tx1"/>
+                                    </a:solidFill>
+                                    <a:latin typeface="Cambria Math" panose="02040503050406030204" pitchFamily="18" charset="0"/>
+                                  </a:rPr>
+                                  <m:t>1308725</m:t>
+                                </m:r>
+                              </m:oMath>
+                            </m:oMathPara>
+                          </a14:m>
+                          <a:endParaRPr lang="pl-PL" sz="1600" dirty="0">
+                            <a:solidFill>
+                              <a:schemeClr val="tx1"/>
+                            </a:solidFill>
+                          </a:endParaRPr>
+                        </a:p>
+                      </a:txBody>
+                      <a:tcPr anchor="ctr">
+                        <a:lnL w="12700" cap="flat" cmpd="sng" algn="ctr">
+                          <a:solidFill>
+                            <a:schemeClr val="tx1"/>
+                          </a:solidFill>
+                          <a:prstDash val="solid"/>
+                          <a:round/>
+                          <a:headEnd type="none" w="med" len="med"/>
+                          <a:tailEnd type="none" w="med" len="med"/>
+                        </a:lnL>
+                        <a:lnR w="12700" cap="flat" cmpd="sng" algn="ctr">
+                          <a:solidFill>
+                            <a:schemeClr val="tx1"/>
+                          </a:solidFill>
+                          <a:prstDash val="solid"/>
+                          <a:round/>
+                          <a:headEnd type="none" w="med" len="med"/>
+                          <a:tailEnd type="none" w="med" len="med"/>
+                        </a:lnR>
+                        <a:lnT w="12700" cap="flat" cmpd="sng" algn="ctr">
+                          <a:solidFill>
+                            <a:schemeClr val="tx1"/>
+                          </a:solidFill>
+                          <a:prstDash val="solid"/>
+                          <a:round/>
+                          <a:headEnd type="none" w="med" len="med"/>
+                          <a:tailEnd type="none" w="med" len="med"/>
+                        </a:lnT>
+                        <a:lnB w="12700" cap="flat" cmpd="sng" algn="ctr">
+                          <a:solidFill>
+                            <a:schemeClr val="tx1"/>
+                          </a:solidFill>
+                          <a:prstDash val="solid"/>
+                          <a:round/>
+                          <a:headEnd type="none" w="med" len="med"/>
+                          <a:tailEnd type="none" w="med" len="med"/>
+                        </a:lnB>
+                      </a:tcPr>
+                    </a:tc>
+                    <a:tc>
+                      <a:txBody>
+                        <a:bodyPr/>
+                        <a:lstStyle/>
+                        <a:p>
+                          <a:pPr algn="ctr"/>
+                          <a14:m>
+                            <m:oMathPara xmlns:m="http://schemas.openxmlformats.org/officeDocument/2006/math">
+                              <m:oMathParaPr>
+                                <m:jc m:val="centerGroup"/>
+                              </m:oMathParaPr>
+                              <m:oMath xmlns:m="http://schemas.openxmlformats.org/officeDocument/2006/math">
+                                <m:r>
+                                  <a:rPr lang="pl-PL" sz="1600" b="0" i="0" smtClean="0">
+                                    <a:solidFill>
+                                      <a:schemeClr val="accent6"/>
+                                    </a:solidFill>
+                                    <a:latin typeface="Cambria Math" panose="02040503050406030204" pitchFamily="18" charset="0"/>
+                                  </a:rPr>
+                                  <m:t>−</m:t>
+                                </m:r>
+                                <m:r>
+                                  <a:rPr lang="pl-PL" sz="1600" i="1" smtClean="0">
+                                    <a:solidFill>
+                                      <a:schemeClr val="accent6"/>
+                                    </a:solidFill>
+                                    <a:latin typeface="Cambria Math" panose="02040503050406030204" pitchFamily="18" charset="0"/>
+                                  </a:rPr>
+                                  <m:t>2.35040238728</m:t>
+                                </m:r>
+                                <m:r>
+                                  <a:rPr lang="pl-PL" sz="1600" i="1" smtClean="0">
+                                    <a:solidFill>
+                                      <a:schemeClr val="tx1"/>
+                                    </a:solidFill>
+                                    <a:latin typeface="Cambria Math" panose="02040503050406030204" pitchFamily="18" charset="0"/>
+                                  </a:rPr>
+                                  <m:t>642636</m:t>
+                                </m:r>
+                              </m:oMath>
+                            </m:oMathPara>
+                          </a14:m>
+                          <a:endParaRPr/>
+                        </a:p>
+                      </a:txBody>
+                      <a:tcPr anchor="ctr">
+                        <a:lnL w="12700" cap="flat" cmpd="sng" algn="ctr">
+                          <a:solidFill>
+                            <a:schemeClr val="tx1"/>
+                          </a:solidFill>
+                          <a:prstDash val="solid"/>
+                          <a:round/>
+                          <a:headEnd type="none" w="med" len="med"/>
+                          <a:tailEnd type="none" w="med" len="med"/>
+                        </a:lnL>
+                        <a:lnR w="12700" cap="flat" cmpd="sng" algn="ctr">
+                          <a:solidFill>
+                            <a:schemeClr val="tx1"/>
+                          </a:solidFill>
+                          <a:prstDash val="solid"/>
+                          <a:round/>
+                          <a:headEnd type="none" w="med" len="med"/>
+                          <a:tailEnd type="none" w="med" len="med"/>
+                        </a:lnR>
+                        <a:lnT w="12700" cap="flat" cmpd="sng" algn="ctr">
+                          <a:solidFill>
+                            <a:schemeClr val="tx1"/>
+                          </a:solidFill>
+                          <a:prstDash val="solid"/>
+                          <a:round/>
+                          <a:headEnd type="none" w="med" len="med"/>
+                          <a:tailEnd type="none" w="med" len="med"/>
+                        </a:lnT>
+                        <a:lnB w="12700" cap="flat" cmpd="sng" algn="ctr">
+                          <a:solidFill>
+                            <a:schemeClr val="tx1"/>
+                          </a:solidFill>
+                          <a:prstDash val="solid"/>
+                          <a:round/>
+                          <a:headEnd type="none" w="med" len="med"/>
+                          <a:tailEnd type="none" w="med" len="med"/>
+                        </a:lnB>
+                      </a:tcPr>
+                    </a:tc>
+                    <a:tc>
+                      <a:txBody>
+                        <a:bodyPr/>
+                        <a:lstStyle/>
+                        <a:p>
+                          <a:pPr algn="ctr"/>
+                          <a14:m>
+                            <m:oMathPara xmlns:m="http://schemas.openxmlformats.org/officeDocument/2006/math">
+                              <m:oMathParaPr>
+                                <m:jc m:val="center"/>
+                              </m:oMathParaPr>
+                              <m:oMath xmlns:m="http://schemas.openxmlformats.org/officeDocument/2006/math">
+                                <m:box>
+                                  <m:boxPr>
+                                    <m:ctrlPr>
+                                      <a:rPr lang="pl-PL" sz="1600" b="0" i="1" smtClean="0">
+                                        <a:solidFill>
+                                          <a:schemeClr val="tx1"/>
+                                        </a:solidFill>
+                                        <a:latin typeface="Cambria Math" panose="02040503050406030204" pitchFamily="18" charset="0"/>
+                                      </a:rPr>
+                                    </m:ctrlPr>
+                                  </m:boxPr>
+                                  <m:e>
+                                    <m:argPr>
+                                      <m:argSz m:val="-1"/>
+                                    </m:argPr>
+                                    <m:f>
+                                      <m:fPr>
+                                        <m:ctrlPr>
+                                          <a:rPr lang="pl-PL" sz="1600" b="0" i="1" smtClean="0">
+                                            <a:solidFill>
+                                              <a:schemeClr val="tx1"/>
+                                            </a:solidFill>
+                                            <a:latin typeface="Cambria Math" panose="02040503050406030204" pitchFamily="18" charset="0"/>
+                                          </a:rPr>
+                                        </m:ctrlPr>
+                                      </m:fPr>
+                                      <m:num>
+                                        <m:r>
+                                          <a:rPr lang="pl-PL" sz="1600" b="0" i="1" smtClean="0">
+                                            <a:solidFill>
+                                              <a:schemeClr val="tx1"/>
+                                            </a:solidFill>
+                                            <a:latin typeface="Cambria Math" panose="02040503050406030204" pitchFamily="18" charset="0"/>
+                                          </a:rPr>
+                                          <m:t>1</m:t>
+                                        </m:r>
+                                      </m:num>
+                                      <m:den>
+                                        <m:r>
+                                          <a:rPr lang="pl-PL" sz="1600" b="0" i="1" smtClean="0">
+                                            <a:solidFill>
+                                              <a:schemeClr val="tx1"/>
+                                            </a:solidFill>
+                                            <a:latin typeface="Cambria Math" panose="02040503050406030204" pitchFamily="18" charset="0"/>
+                                          </a:rPr>
+                                          <m:t>𝑒</m:t>
+                                        </m:r>
+                                      </m:den>
+                                    </m:f>
+                                  </m:e>
+                                </m:box>
+                                <m:r>
+                                  <a:rPr lang="pl-PL" sz="1600" b="0" i="1" smtClean="0">
+                                    <a:solidFill>
+                                      <a:schemeClr val="tx1"/>
+                                    </a:solidFill>
+                                    <a:latin typeface="Cambria Math" panose="02040503050406030204" pitchFamily="18" charset="0"/>
+                                  </a:rPr>
+                                  <m:t>−</m:t>
+                                </m:r>
+                                <m:r>
+                                  <a:rPr lang="pl-PL" sz="1600" b="0" i="1" smtClean="0">
+                                    <a:solidFill>
+                                      <a:schemeClr val="tx1"/>
+                                    </a:solidFill>
+                                    <a:latin typeface="Cambria Math" panose="02040503050406030204" pitchFamily="18" charset="0"/>
+                                  </a:rPr>
+                                  <m:t>𝑒</m:t>
+                                </m:r>
+                                <m:r>
+                                  <a:rPr lang="pl-PL" sz="1600" b="0" i="1" smtClean="0">
+                                    <a:solidFill>
+                                      <a:schemeClr val="tx1"/>
+                                    </a:solidFill>
+                                    <a:latin typeface="Cambria Math" panose="02040503050406030204" pitchFamily="18" charset="0"/>
+                                  </a:rPr>
+                                  <m:t>=−2.350402387287</m:t>
+                                </m:r>
+                              </m:oMath>
+                            </m:oMathPara>
+                          </a14:m>
+                          <a:endParaRPr lang="pl-PL" sz="1600" dirty="0">
+                            <a:solidFill>
+                              <a:schemeClr val="tx1"/>
+                            </a:solidFill>
+                          </a:endParaRPr>
+                        </a:p>
+                      </a:txBody>
+                      <a:tcPr anchor="ctr">
+                        <a:lnL w="12700" cap="flat" cmpd="sng" algn="ctr">
+                          <a:solidFill>
+                            <a:schemeClr val="tx1"/>
+                          </a:solidFill>
+                          <a:prstDash val="solid"/>
+                          <a:round/>
+                          <a:headEnd type="none" w="med" len="med"/>
+                          <a:tailEnd type="none" w="med" len="med"/>
+                        </a:lnL>
+                        <a:lnR w="12700" cap="flat" cmpd="sng" algn="ctr">
+                          <a:solidFill>
+                            <a:schemeClr val="tx1"/>
+                          </a:solidFill>
+                          <a:prstDash val="solid"/>
+                          <a:round/>
+                          <a:headEnd type="none" w="med" len="med"/>
+                          <a:tailEnd type="none" w="med" len="med"/>
+                        </a:lnR>
+                        <a:lnT w="12700" cap="flat" cmpd="sng" algn="ctr">
+                          <a:solidFill>
+                            <a:schemeClr val="tx1"/>
+                          </a:solidFill>
+                          <a:prstDash val="solid"/>
+                          <a:round/>
+                          <a:headEnd type="none" w="med" len="med"/>
+                          <a:tailEnd type="none" w="med" len="med"/>
+                        </a:lnT>
+                        <a:lnB w="12700" cap="flat" cmpd="sng" algn="ctr">
+                          <a:solidFill>
+                            <a:schemeClr val="tx1"/>
+                          </a:solidFill>
+                          <a:prstDash val="solid"/>
+                          <a:round/>
+                          <a:headEnd type="none" w="med" len="med"/>
+                          <a:tailEnd type="none" w="med" len="med"/>
+                        </a:lnB>
+                      </a:tcPr>
+                    </a:tc>
+                    <a:extLst>
+                      <a:ext uri="{0D108BD9-81ED-4DB2-BD59-A6C34878D82A}">
+                        <a16:rowId xmlns:a16="http://schemas.microsoft.com/office/drawing/2014/main" val="4086270995"/>
+                      </a:ext>
+                    </a:extLst>
+                  </a:tr>
+                  <a:tr h="564338">
+                    <a:tc>
+                      <a:txBody>
+                        <a:bodyPr/>
+                        <a:lstStyle/>
+                        <a:p>
+                          <a:pPr algn="ctr"/>
+                          <a14:m>
+                            <m:oMathPara xmlns:m="http://schemas.openxmlformats.org/officeDocument/2006/math">
+                              <m:oMathParaPr>
+                                <m:jc m:val="centerGroup"/>
+                              </m:oMathParaPr>
+                              <m:oMath xmlns:m="http://schemas.openxmlformats.org/officeDocument/2006/math">
+                                <m:r>
+                                  <a:rPr lang="pl-PL" sz="1600" b="0" i="1" smtClean="0">
+                                    <a:solidFill>
+                                      <a:schemeClr val="tx1"/>
+                                    </a:solidFill>
+                                    <a:latin typeface="Cambria Math" panose="02040503050406030204" pitchFamily="18" charset="0"/>
+                                  </a:rPr>
+                                  <m:t>𝑓</m:t>
+                                </m:r>
+                                <m:d>
+                                  <m:dPr>
+                                    <m:ctrlPr>
+                                      <a:rPr lang="pl-PL" sz="1600" b="0" i="1" smtClean="0">
+                                        <a:solidFill>
+                                          <a:schemeClr val="tx1"/>
+                                        </a:solidFill>
+                                        <a:latin typeface="Cambria Math" panose="02040503050406030204" pitchFamily="18" charset="0"/>
+                                      </a:rPr>
+                                    </m:ctrlPr>
+                                  </m:dPr>
+                                  <m:e>
+                                    <m:r>
+                                      <a:rPr lang="pl-PL" sz="1600" b="0" i="1" smtClean="0">
+                                        <a:solidFill>
+                                          <a:schemeClr val="tx1"/>
+                                        </a:solidFill>
+                                        <a:latin typeface="Cambria Math" panose="02040503050406030204" pitchFamily="18" charset="0"/>
+                                      </a:rPr>
+                                      <m:t>𝑥</m:t>
+                                    </m:r>
+                                    <m:r>
+                                      <a:rPr lang="pl-PL" sz="1600" b="0" i="1" smtClean="0">
+                                        <a:solidFill>
+                                          <a:schemeClr val="tx1"/>
+                                        </a:solidFill>
+                                        <a:latin typeface="Cambria Math" panose="02040503050406030204" pitchFamily="18" charset="0"/>
+                                      </a:rPr>
+                                      <m:t>,</m:t>
+                                    </m:r>
+                                    <m:r>
+                                      <a:rPr lang="pl-PL" sz="1600" b="0" i="1" smtClean="0">
+                                        <a:solidFill>
+                                          <a:schemeClr val="tx1"/>
+                                        </a:solidFill>
+                                        <a:latin typeface="Cambria Math" panose="02040503050406030204" pitchFamily="18" charset="0"/>
+                                      </a:rPr>
+                                      <m:t>𝑦</m:t>
+                                    </m:r>
+                                  </m:e>
+                                </m:d>
+                                <m:r>
+                                  <a:rPr lang="pl-PL" sz="1600" b="0" i="1" smtClean="0">
+                                    <a:solidFill>
+                                      <a:schemeClr val="tx1"/>
+                                    </a:solidFill>
+                                    <a:latin typeface="Cambria Math" panose="02040503050406030204" pitchFamily="18" charset="0"/>
+                                  </a:rPr>
+                                  <m:t>=</m:t>
+                                </m:r>
+                                <m:r>
+                                  <m:rPr>
+                                    <m:sty m:val="p"/>
+                                  </m:rPr>
+                                  <a:rPr lang="pl-PL" sz="1600" b="0" i="0" smtClean="0">
+                                    <a:solidFill>
+                                      <a:schemeClr val="tx1"/>
+                                    </a:solidFill>
+                                    <a:latin typeface="Cambria Math" panose="02040503050406030204" pitchFamily="18" charset="0"/>
+                                  </a:rPr>
+                                  <m:t>sin</m:t>
+                                </m:r>
+                                <m:r>
+                                  <a:rPr lang="pl-PL" sz="1600" b="0" i="1" smtClean="0">
+                                    <a:solidFill>
+                                      <a:schemeClr val="tx1"/>
+                                    </a:solidFill>
+                                    <a:latin typeface="Cambria Math" panose="02040503050406030204" pitchFamily="18" charset="0"/>
+                                  </a:rPr>
+                                  <m:t>⁡(</m:t>
+                                </m:r>
+                                <m:r>
+                                  <a:rPr lang="pl-PL" sz="1600" b="0" i="1" smtClean="0">
+                                    <a:solidFill>
+                                      <a:schemeClr val="tx1"/>
+                                    </a:solidFill>
+                                    <a:latin typeface="Cambria Math" panose="02040503050406030204" pitchFamily="18" charset="0"/>
+                                  </a:rPr>
+                                  <m:t>𝑥</m:t>
+                                </m:r>
+                                <m:r>
+                                  <a:rPr lang="pl-PL" sz="1600" b="0" i="1" smtClean="0">
+                                    <a:solidFill>
+                                      <a:schemeClr val="tx1"/>
+                                    </a:solidFill>
+                                    <a:latin typeface="Cambria Math" panose="02040503050406030204" pitchFamily="18" charset="0"/>
+                                  </a:rPr>
+                                  <m:t>)∙</m:t>
+                                </m:r>
+                                <m:r>
+                                  <m:rPr>
+                                    <m:sty m:val="p"/>
+                                  </m:rPr>
+                                  <a:rPr lang="pl-PL" sz="1600" b="0" i="0" smtClean="0">
+                                    <a:solidFill>
+                                      <a:schemeClr val="tx1"/>
+                                    </a:solidFill>
+                                    <a:latin typeface="Cambria Math" panose="02040503050406030204" pitchFamily="18" charset="0"/>
+                                    <a:ea typeface="Cambria Math" panose="02040503050406030204" pitchFamily="18" charset="0"/>
+                                  </a:rPr>
+                                  <m:t>cos</m:t>
+                                </m:r>
+                                <m:r>
+                                  <a:rPr lang="pl-PL" sz="1600" b="0" i="1" smtClean="0">
+                                    <a:solidFill>
+                                      <a:schemeClr val="tx1"/>
+                                    </a:solidFill>
+                                    <a:latin typeface="Cambria Math" panose="02040503050406030204" pitchFamily="18" charset="0"/>
+                                    <a:ea typeface="Cambria Math" panose="02040503050406030204" pitchFamily="18" charset="0"/>
+                                  </a:rPr>
+                                  <m:t>⁡(</m:t>
+                                </m:r>
+                                <m:r>
+                                  <a:rPr lang="pl-PL" sz="1600" b="0" i="1" smtClean="0">
+                                    <a:solidFill>
+                                      <a:schemeClr val="tx1"/>
+                                    </a:solidFill>
+                                    <a:latin typeface="Cambria Math" panose="02040503050406030204" pitchFamily="18" charset="0"/>
+                                    <a:ea typeface="Cambria Math" panose="02040503050406030204" pitchFamily="18" charset="0"/>
+                                  </a:rPr>
+                                  <m:t>𝑦</m:t>
+                                </m:r>
+                                <m:r>
+                                  <a:rPr lang="pl-PL" sz="1600" b="0" i="1" smtClean="0">
+                                    <a:solidFill>
+                                      <a:schemeClr val="tx1"/>
+                                    </a:solidFill>
+                                    <a:latin typeface="Cambria Math" panose="02040503050406030204" pitchFamily="18" charset="0"/>
+                                    <a:ea typeface="Cambria Math" panose="02040503050406030204" pitchFamily="18" charset="0"/>
+                                  </a:rPr>
+                                  <m:t>)</m:t>
+                                </m:r>
+                              </m:oMath>
+                            </m:oMathPara>
+                          </a14:m>
+                          <a:endParaRPr lang="pl-PL" sz="1600" dirty="0">
+                            <a:solidFill>
+                              <a:schemeClr val="tx1"/>
+                            </a:solidFill>
+                          </a:endParaRPr>
+                        </a:p>
+                      </a:txBody>
+                      <a:tcPr anchor="ctr">
+                        <a:lnL w="12700" cap="flat" cmpd="sng" algn="ctr">
+                          <a:solidFill>
+                            <a:schemeClr val="tx1"/>
+                          </a:solidFill>
+                          <a:prstDash val="solid"/>
+                          <a:round/>
+                          <a:headEnd type="none" w="med" len="med"/>
+                          <a:tailEnd type="none" w="med" len="med"/>
+                        </a:lnL>
+                        <a:lnR w="12700" cap="flat" cmpd="sng" algn="ctr">
+                          <a:solidFill>
+                            <a:schemeClr val="tx1"/>
+                          </a:solidFill>
+                          <a:prstDash val="solid"/>
+                          <a:round/>
+                          <a:headEnd type="none" w="med" len="med"/>
+                          <a:tailEnd type="none" w="med" len="med"/>
+                        </a:lnR>
+                        <a:lnT w="12700" cap="flat" cmpd="sng" algn="ctr">
+                          <a:solidFill>
+                            <a:schemeClr val="tx1"/>
+                          </a:solidFill>
+                          <a:prstDash val="solid"/>
+                          <a:round/>
+                          <a:headEnd type="none" w="med" len="med"/>
+                          <a:tailEnd type="none" w="med" len="med"/>
+                        </a:lnT>
+                        <a:lnB w="12700" cap="flat" cmpd="sng" algn="ctr">
+                          <a:solidFill>
+                            <a:schemeClr val="tx1"/>
+                          </a:solidFill>
+                          <a:prstDash val="solid"/>
+                          <a:round/>
+                          <a:headEnd type="none" w="med" len="med"/>
+                          <a:tailEnd type="none" w="med" len="med"/>
+                        </a:lnB>
+                      </a:tcPr>
+                    </a:tc>
+                    <a:tc>
+                      <a:txBody>
+                        <a:bodyPr/>
+                        <a:lstStyle/>
+                        <a:p>
+                          <a:pPr algn="r"/>
+                          <a14:m>
+                            <m:oMathPara xmlns:m="http://schemas.openxmlformats.org/officeDocument/2006/math">
+                              <m:oMathParaPr>
+                                <m:jc m:val="center"/>
+                              </m:oMathParaPr>
+                              <m:oMath xmlns:m="http://schemas.openxmlformats.org/officeDocument/2006/math">
+                                <m:r>
+                                  <a:rPr lang="pl-PL" sz="1600" i="1" smtClean="0">
+                                    <a:solidFill>
+                                      <a:schemeClr val="accent6"/>
+                                    </a:solidFill>
+                                    <a:latin typeface="Cambria Math" panose="02040503050406030204" pitchFamily="18" charset="0"/>
+                                  </a:rPr>
+                                  <m:t>0.0000000000000000</m:t>
+                                </m:r>
+                                <m:r>
+                                  <a:rPr lang="pl-PL" sz="1600" i="1" smtClean="0">
+                                    <a:solidFill>
+                                      <a:schemeClr val="tx1"/>
+                                    </a:solidFill>
+                                    <a:latin typeface="Cambria Math" panose="02040503050406030204" pitchFamily="18" charset="0"/>
+                                  </a:rPr>
+                                  <m:t>8</m:t>
+                                </m:r>
+                              </m:oMath>
+                            </m:oMathPara>
+                          </a14:m>
+                          <a:endParaRPr lang="pl-PL" sz="1600" dirty="0">
+                            <a:solidFill>
+                              <a:schemeClr val="tx1"/>
+                            </a:solidFill>
+                          </a:endParaRPr>
+                        </a:p>
+                      </a:txBody>
+                      <a:tcPr anchor="ctr">
+                        <a:lnL w="12700" cap="flat" cmpd="sng" algn="ctr">
+                          <a:solidFill>
+                            <a:schemeClr val="tx1"/>
+                          </a:solidFill>
+                          <a:prstDash val="solid"/>
+                          <a:round/>
+                          <a:headEnd type="none" w="med" len="med"/>
+                          <a:tailEnd type="none" w="med" len="med"/>
+                        </a:lnL>
+                        <a:lnR w="12700" cap="flat" cmpd="sng" algn="ctr">
+                          <a:solidFill>
+                            <a:schemeClr val="tx1"/>
+                          </a:solidFill>
+                          <a:prstDash val="solid"/>
+                          <a:round/>
+                          <a:headEnd type="none" w="med" len="med"/>
+                          <a:tailEnd type="none" w="med" len="med"/>
+                        </a:lnR>
+                        <a:lnT w="12700" cap="flat" cmpd="sng" algn="ctr">
+                          <a:solidFill>
+                            <a:schemeClr val="tx1"/>
+                          </a:solidFill>
+                          <a:prstDash val="solid"/>
+                          <a:round/>
+                          <a:headEnd type="none" w="med" len="med"/>
+                          <a:tailEnd type="none" w="med" len="med"/>
+                        </a:lnT>
+                        <a:lnB w="12700" cap="flat" cmpd="sng" algn="ctr">
+                          <a:solidFill>
+                            <a:schemeClr val="tx1"/>
+                          </a:solidFill>
+                          <a:prstDash val="solid"/>
+                          <a:round/>
+                          <a:headEnd type="none" w="med" len="med"/>
+                          <a:tailEnd type="none" w="med" len="med"/>
+                        </a:lnB>
+                      </a:tcPr>
+                    </a:tc>
+                    <a:tc>
+                      <a:txBody>
+                        <a:bodyPr/>
+                        <a:lstStyle/>
+                        <a:p>
+                          <a:pPr algn="r"/>
+                          <a14:m>
+                            <m:oMathPara xmlns:m="http://schemas.openxmlformats.org/officeDocument/2006/math">
+                              <m:oMathParaPr>
+                                <m:jc m:val="center"/>
+                              </m:oMathParaPr>
+                              <m:oMath xmlns:m="http://schemas.openxmlformats.org/officeDocument/2006/math">
+                                <m:r>
+                                  <a:rPr lang="pl-PL" sz="1600" b="0" i="1" smtClean="0">
+                                    <a:solidFill>
+                                      <a:schemeClr val="accent6"/>
+                                    </a:solidFill>
+                                    <a:latin typeface="Cambria Math" panose="02040503050406030204" pitchFamily="18" charset="0"/>
+                                  </a:rPr>
+                                  <m:t>−</m:t>
+                                </m:r>
+                                <m:r>
+                                  <a:rPr lang="pl-PL" sz="1600" i="1" smtClean="0">
+                                    <a:solidFill>
+                                      <a:schemeClr val="accent6"/>
+                                    </a:solidFill>
+                                    <a:latin typeface="Cambria Math" panose="02040503050406030204" pitchFamily="18" charset="0"/>
+                                  </a:rPr>
+                                  <m:t>0.000000000000000</m:t>
+                                </m:r>
+                                <m:r>
+                                  <a:rPr lang="pl-PL" sz="1600" i="1" smtClean="0">
+                                    <a:solidFill>
+                                      <a:schemeClr val="tx1"/>
+                                    </a:solidFill>
+                                    <a:latin typeface="Cambria Math" panose="02040503050406030204" pitchFamily="18" charset="0"/>
+                                  </a:rPr>
+                                  <m:t>20</m:t>
+                                </m:r>
+                              </m:oMath>
+                            </m:oMathPara>
+                          </a14:m>
+                          <a:endParaRPr lang="pl-PL" sz="1600" dirty="0">
+                            <a:solidFill>
+                              <a:schemeClr val="tx1"/>
+                            </a:solidFill>
+                          </a:endParaRPr>
+                        </a:p>
+                      </a:txBody>
+                      <a:tcPr anchor="ctr">
+                        <a:lnL w="12700" cap="flat" cmpd="sng" algn="ctr">
+                          <a:solidFill>
+                            <a:schemeClr val="tx1"/>
+                          </a:solidFill>
+                          <a:prstDash val="solid"/>
+                          <a:round/>
+                          <a:headEnd type="none" w="med" len="med"/>
+                          <a:tailEnd type="none" w="med" len="med"/>
+                        </a:lnL>
+                        <a:lnR w="12700" cap="flat" cmpd="sng" algn="ctr">
+                          <a:solidFill>
+                            <a:schemeClr val="tx1"/>
+                          </a:solidFill>
+                          <a:prstDash val="solid"/>
+                          <a:round/>
+                          <a:headEnd type="none" w="med" len="med"/>
+                          <a:tailEnd type="none" w="med" len="med"/>
+                        </a:lnR>
+                        <a:lnT w="12700" cap="flat" cmpd="sng" algn="ctr">
+                          <a:solidFill>
+                            <a:schemeClr val="tx1"/>
+                          </a:solidFill>
+                          <a:prstDash val="solid"/>
+                          <a:round/>
+                          <a:headEnd type="none" w="med" len="med"/>
+                          <a:tailEnd type="none" w="med" len="med"/>
+                        </a:lnT>
+                        <a:lnB w="12700" cap="flat" cmpd="sng" algn="ctr">
+                          <a:solidFill>
+                            <a:schemeClr val="tx1"/>
+                          </a:solidFill>
+                          <a:prstDash val="solid"/>
+                          <a:round/>
+                          <a:headEnd type="none" w="med" len="med"/>
+                          <a:tailEnd type="none" w="med" len="med"/>
+                        </a:lnB>
+                      </a:tcPr>
+                    </a:tc>
+                    <a:tc>
+                      <a:txBody>
+                        <a:bodyPr/>
+                        <a:lstStyle/>
+                        <a:p>
+                          <a:pPr algn="r"/>
+                          <a14:m>
+                            <m:oMathPara xmlns:m="http://schemas.openxmlformats.org/officeDocument/2006/math">
+                              <m:oMathParaPr>
+                                <m:jc m:val="centerGroup"/>
+                              </m:oMathParaPr>
+                              <m:oMath xmlns:m="http://schemas.openxmlformats.org/officeDocument/2006/math">
+                                <m:r>
+                                  <a:rPr lang="pl-PL" sz="1600" b="0" i="1" smtClean="0">
+                                    <a:solidFill>
+                                      <a:schemeClr val="tx1"/>
+                                    </a:solidFill>
+                                    <a:latin typeface="Cambria Math" panose="02040503050406030204" pitchFamily="18" charset="0"/>
+                                  </a:rPr>
+                                  <m:t>0.0</m:t>
+                                </m:r>
+                              </m:oMath>
+                            </m:oMathPara>
+                          </a14:m>
+                          <a:endParaRPr lang="pl-PL" sz="1600" dirty="0">
+                            <a:solidFill>
+                              <a:schemeClr val="tx1"/>
+                            </a:solidFill>
+                          </a:endParaRPr>
+                        </a:p>
+                      </a:txBody>
+                      <a:tcPr anchor="ctr">
+                        <a:lnL w="12700" cap="flat" cmpd="sng" algn="ctr">
+                          <a:solidFill>
+                            <a:schemeClr val="tx1"/>
+                          </a:solidFill>
+                          <a:prstDash val="solid"/>
+                          <a:round/>
+                          <a:headEnd type="none" w="med" len="med"/>
+                          <a:tailEnd type="none" w="med" len="med"/>
+                        </a:lnL>
+                        <a:lnR w="12700" cap="flat" cmpd="sng" algn="ctr">
+                          <a:solidFill>
+                            <a:schemeClr val="tx1"/>
+                          </a:solidFill>
+                          <a:prstDash val="solid"/>
+                          <a:round/>
+                          <a:headEnd type="none" w="med" len="med"/>
+                          <a:tailEnd type="none" w="med" len="med"/>
+                        </a:lnR>
+                        <a:lnT w="12700" cap="flat" cmpd="sng" algn="ctr">
+                          <a:solidFill>
+                            <a:schemeClr val="tx1"/>
+                          </a:solidFill>
+                          <a:prstDash val="solid"/>
+                          <a:round/>
+                          <a:headEnd type="none" w="med" len="med"/>
+                          <a:tailEnd type="none" w="med" len="med"/>
+                        </a:lnT>
+                        <a:lnB w="12700" cap="flat" cmpd="sng" algn="ctr">
+                          <a:solidFill>
+                            <a:schemeClr val="tx1"/>
+                          </a:solidFill>
+                          <a:prstDash val="solid"/>
+                          <a:round/>
+                          <a:headEnd type="none" w="med" len="med"/>
+                          <a:tailEnd type="none" w="med" len="med"/>
+                        </a:lnB>
+                      </a:tcPr>
+                    </a:tc>
+                    <a:extLst>
+                      <a:ext uri="{0D108BD9-81ED-4DB2-BD59-A6C34878D82A}">
+                        <a16:rowId xmlns:a16="http://schemas.microsoft.com/office/drawing/2014/main" val="3862363185"/>
+                      </a:ext>
+                    </a:extLst>
+                  </a:tr>
+                </a:tbl>
+              </a:graphicData>
+            </a:graphic>
+          </p:graphicFrame>
+        </mc:Choice>
+        <mc:Fallback xmlns="">
+          <p:graphicFrame>
+            <p:nvGraphicFramePr>
+              <p:cNvPr id="4" name="Table 3">
+                <a:extLst>
+                  <a:ext uri="{FF2B5EF4-FFF2-40B4-BE49-F238E27FC236}">
+                    <a16:creationId xmlns:a16="http://schemas.microsoft.com/office/drawing/2014/main" id="{9DAF4B09-F31F-7522-C43D-4B5546071C7D}"/>
+                  </a:ext>
+                </a:extLst>
+              </p:cNvPr>
+              <p:cNvGraphicFramePr>
+                <a:graphicFrameLocks noGrp="1"/>
+              </p:cNvGraphicFramePr>
+              <p:nvPr>
+                <p:extLst>
+                  <p:ext uri="{D42A27DB-BD31-4B8C-83A1-F6EECF244321}">
+                    <p14:modId xmlns:p14="http://schemas.microsoft.com/office/powerpoint/2010/main" val="2011467383"/>
+                  </p:ext>
+                </p:extLst>
+              </p:nvPr>
+            </p:nvGraphicFramePr>
+            <p:xfrm>
+              <a:off x="856130" y="2226598"/>
+              <a:ext cx="10497672" cy="3950366"/>
+            </p:xfrm>
+            <a:graphic>
+              <a:graphicData uri="http://schemas.openxmlformats.org/drawingml/2006/table">
+                <a:tbl>
+                  <a:tblPr firstRow="1" bandRow="1">
+                    <a:tableStyleId>{7E9639D4-E3E2-4D34-9284-5A2195B3D0D7}</a:tableStyleId>
+                  </a:tblPr>
+                  <a:tblGrid>
+                    <a:gridCol w="2624418">
+                      <a:extLst>
+                        <a:ext uri="{9D8B030D-6E8A-4147-A177-3AD203B41FA5}">
+                          <a16:colId xmlns:a16="http://schemas.microsoft.com/office/drawing/2014/main" val="3346034964"/>
+                        </a:ext>
+                      </a:extLst>
+                    </a:gridCol>
+                    <a:gridCol w="2624418">
+                      <a:extLst>
+                        <a:ext uri="{9D8B030D-6E8A-4147-A177-3AD203B41FA5}">
+                          <a16:colId xmlns:a16="http://schemas.microsoft.com/office/drawing/2014/main" val="2250443983"/>
+                        </a:ext>
+                      </a:extLst>
+                    </a:gridCol>
+                    <a:gridCol w="2528046">
+                      <a:extLst>
+                        <a:ext uri="{9D8B030D-6E8A-4147-A177-3AD203B41FA5}">
+                          <a16:colId xmlns:a16="http://schemas.microsoft.com/office/drawing/2014/main" val="1238785421"/>
+                        </a:ext>
+                      </a:extLst>
+                    </a:gridCol>
+                    <a:gridCol w="2720790">
+                      <a:extLst>
+                        <a:ext uri="{9D8B030D-6E8A-4147-A177-3AD203B41FA5}">
+                          <a16:colId xmlns:a16="http://schemas.microsoft.com/office/drawing/2014/main" val="900001818"/>
+                        </a:ext>
+                      </a:extLst>
+                    </a:gridCol>
+                  </a:tblGrid>
+                  <a:tr h="564338">
+                    <a:tc>
+                      <a:txBody>
+                        <a:bodyPr/>
+                        <a:lstStyle/>
+                        <a:p>
+                          <a:pPr algn="ctr"/>
+                          <a:r>
+                            <a:rPr lang="pl-PL" sz="1600" b="0" dirty="0">
+                              <a:solidFill>
+                                <a:schemeClr val="tx1"/>
+                              </a:solidFill>
+                            </a:rPr>
+                            <a:t>Funkcja</a:t>
+                          </a:r>
+                        </a:p>
+                      </a:txBody>
+                      <a:tcPr anchor="ctr">
+                        <a:lnL w="12700" cap="flat" cmpd="sng" algn="ctr">
+                          <a:solidFill>
+                            <a:schemeClr val="tx1"/>
+                          </a:solidFill>
+                          <a:prstDash val="solid"/>
+                          <a:round/>
+                          <a:headEnd type="none" w="med" len="med"/>
+                          <a:tailEnd type="none" w="med" len="med"/>
+                        </a:lnL>
+                        <a:lnR w="12700" cap="flat" cmpd="sng" algn="ctr">
+                          <a:solidFill>
+                            <a:schemeClr val="tx1"/>
+                          </a:solidFill>
+                          <a:prstDash val="solid"/>
+                          <a:round/>
+                          <a:headEnd type="none" w="med" len="med"/>
+                          <a:tailEnd type="none" w="med" len="med"/>
+                        </a:lnR>
+                        <a:lnT w="12700" cap="flat" cmpd="sng" algn="ctr">
+                          <a:solidFill>
+                            <a:schemeClr val="tx1"/>
+                          </a:solidFill>
+                          <a:prstDash val="solid"/>
+                          <a:round/>
+                          <a:headEnd type="none" w="med" len="med"/>
+                          <a:tailEnd type="none" w="med" len="med"/>
+                        </a:lnT>
+                        <a:lnB w="12700" cap="flat" cmpd="sng" algn="ctr">
+                          <a:solidFill>
+                            <a:schemeClr val="tx1"/>
+                          </a:solidFill>
+                          <a:prstDash val="solid"/>
+                          <a:round/>
+                          <a:headEnd type="none" w="med" len="med"/>
+                          <a:tailEnd type="none" w="med" len="med"/>
+                        </a:lnB>
+                        <a:solidFill>
+                          <a:schemeClr val="bg1">
+                            <a:lumMod val="85000"/>
+                          </a:schemeClr>
+                        </a:solidFill>
+                      </a:tcPr>
+                    </a:tc>
+                    <a:tc>
+                      <a:txBody>
+                        <a:bodyPr/>
+                        <a:lstStyle/>
+                        <a:p>
+                          <a:endParaRPr lang="pl-PL"/>
+                        </a:p>
+                      </a:txBody>
+                      <a:tcPr anchor="ctr">
+                        <a:lnL w="12700" cap="flat" cmpd="sng" algn="ctr">
+                          <a:solidFill>
+                            <a:schemeClr val="tx1"/>
+                          </a:solidFill>
+                          <a:prstDash val="solid"/>
+                          <a:round/>
+                          <a:headEnd type="none" w="med" len="med"/>
+                          <a:tailEnd type="none" w="med" len="med"/>
+                        </a:lnL>
+                        <a:lnR w="12700" cap="flat" cmpd="sng" algn="ctr">
+                          <a:solidFill>
+                            <a:schemeClr val="tx1"/>
+                          </a:solidFill>
+                          <a:prstDash val="solid"/>
+                          <a:round/>
+                          <a:headEnd type="none" w="med" len="med"/>
+                          <a:tailEnd type="none" w="med" len="med"/>
+                        </a:lnR>
+                        <a:lnT w="12700" cap="flat" cmpd="sng" algn="ctr">
+                          <a:solidFill>
+                            <a:schemeClr val="tx1"/>
+                          </a:solidFill>
+                          <a:prstDash val="solid"/>
+                          <a:round/>
+                          <a:headEnd type="none" w="med" len="med"/>
+                          <a:tailEnd type="none" w="med" len="med"/>
+                        </a:lnT>
+                        <a:lnB w="12700" cap="flat" cmpd="sng" algn="ctr">
+                          <a:solidFill>
+                            <a:schemeClr val="tx1"/>
+                          </a:solidFill>
+                          <a:prstDash val="solid"/>
+                          <a:round/>
+                          <a:headEnd type="none" w="med" len="med"/>
+                          <a:tailEnd type="none" w="med" len="med"/>
+                        </a:lnB>
+                        <a:blipFill>
+                          <a:blip r:embed="rId2"/>
+                          <a:stretch>
+                            <a:fillRect l="-100232" t="-1075" r="-200232" b="-600000"/>
+                          </a:stretch>
+                        </a:blipFill>
+                      </a:tcPr>
+                    </a:tc>
+                    <a:tc>
+                      <a:txBody>
+                        <a:bodyPr/>
+                        <a:lstStyle/>
+                        <a:p>
+                          <a:endParaRPr lang="pl-PL"/>
+                        </a:p>
+                      </a:txBody>
+                      <a:tcPr anchor="ctr">
+                        <a:lnL w="12700" cap="flat" cmpd="sng" algn="ctr">
+                          <a:solidFill>
+                            <a:schemeClr val="tx1"/>
+                          </a:solidFill>
+                          <a:prstDash val="solid"/>
+                          <a:round/>
+                          <a:headEnd type="none" w="med" len="med"/>
+                          <a:tailEnd type="none" w="med" len="med"/>
+                        </a:lnL>
+                        <a:lnR w="12700" cap="flat" cmpd="sng" algn="ctr">
+                          <a:solidFill>
+                            <a:schemeClr val="tx1"/>
+                          </a:solidFill>
+                          <a:prstDash val="solid"/>
+                          <a:round/>
+                          <a:headEnd type="none" w="med" len="med"/>
+                          <a:tailEnd type="none" w="med" len="med"/>
+                        </a:lnR>
+                        <a:lnT w="12700" cap="flat" cmpd="sng" algn="ctr">
+                          <a:solidFill>
+                            <a:schemeClr val="tx1"/>
+                          </a:solidFill>
+                          <a:prstDash val="solid"/>
+                          <a:round/>
+                          <a:headEnd type="none" w="med" len="med"/>
+                          <a:tailEnd type="none" w="med" len="med"/>
+                        </a:lnT>
+                        <a:lnB w="12700" cap="flat" cmpd="sng" algn="ctr">
+                          <a:solidFill>
+                            <a:schemeClr val="tx1"/>
+                          </a:solidFill>
+                          <a:prstDash val="solid"/>
+                          <a:round/>
+                          <a:headEnd type="none" w="med" len="med"/>
+                          <a:tailEnd type="none" w="med" len="med"/>
+                        </a:lnB>
+                        <a:blipFill>
+                          <a:blip r:embed="rId2"/>
+                          <a:stretch>
+                            <a:fillRect l="-208454" t="-1075" r="-108454" b="-600000"/>
+                          </a:stretch>
+                        </a:blipFill>
+                      </a:tcPr>
+                    </a:tc>
+                    <a:tc>
+                      <a:txBody>
+                        <a:bodyPr/>
+                        <a:lstStyle/>
+                        <a:p>
+                          <a:pPr algn="ctr"/>
+                          <a:r>
+                            <a:rPr lang="pl-PL" sz="1600" b="0" dirty="0">
+                              <a:solidFill>
+                                <a:schemeClr val="tx1"/>
+                              </a:solidFill>
+                            </a:rPr>
+                            <a:t>Oczekiwany wynik</a:t>
+                          </a:r>
+                        </a:p>
+                      </a:txBody>
+                      <a:tcPr anchor="ctr">
+                        <a:lnL w="12700" cap="flat" cmpd="sng" algn="ctr">
+                          <a:solidFill>
+                            <a:schemeClr val="tx1"/>
+                          </a:solidFill>
+                          <a:prstDash val="solid"/>
+                          <a:round/>
+                          <a:headEnd type="none" w="med" len="med"/>
+                          <a:tailEnd type="none" w="med" len="med"/>
+                        </a:lnL>
+                        <a:lnR w="12700" cap="flat" cmpd="sng" algn="ctr">
+                          <a:solidFill>
+                            <a:schemeClr val="tx1"/>
+                          </a:solidFill>
+                          <a:prstDash val="solid"/>
+                          <a:round/>
+                          <a:headEnd type="none" w="med" len="med"/>
+                          <a:tailEnd type="none" w="med" len="med"/>
+                        </a:lnR>
+                        <a:lnT w="12700" cap="flat" cmpd="sng" algn="ctr">
+                          <a:solidFill>
+                            <a:schemeClr val="tx1"/>
+                          </a:solidFill>
+                          <a:prstDash val="solid"/>
+                          <a:round/>
+                          <a:headEnd type="none" w="med" len="med"/>
+                          <a:tailEnd type="none" w="med" len="med"/>
+                        </a:lnT>
+                        <a:lnB w="12700" cap="flat" cmpd="sng" algn="ctr">
+                          <a:solidFill>
+                            <a:schemeClr val="tx1"/>
+                          </a:solidFill>
+                          <a:prstDash val="solid"/>
+                          <a:round/>
+                          <a:headEnd type="none" w="med" len="med"/>
+                          <a:tailEnd type="none" w="med" len="med"/>
+                        </a:lnB>
+                        <a:solidFill>
+                          <a:schemeClr val="bg1">
+                            <a:lumMod val="85000"/>
+                          </a:schemeClr>
+                        </a:solidFill>
+                      </a:tcPr>
+                    </a:tc>
+                    <a:extLst>
+                      <a:ext uri="{0D108BD9-81ED-4DB2-BD59-A6C34878D82A}">
+                        <a16:rowId xmlns:a16="http://schemas.microsoft.com/office/drawing/2014/main" val="768428971"/>
+                      </a:ext>
+                    </a:extLst>
+                  </a:tr>
+                  <a:tr h="564338">
+                    <a:tc>
+                      <a:txBody>
+                        <a:bodyPr/>
+                        <a:lstStyle/>
+                        <a:p>
+                          <a:endParaRPr lang="pl-PL"/>
+                        </a:p>
+                      </a:txBody>
+                      <a:tcPr anchor="ctr">
+                        <a:lnL w="12700" cap="flat" cmpd="sng" algn="ctr">
+                          <a:solidFill>
+                            <a:schemeClr val="tx1"/>
+                          </a:solidFill>
+                          <a:prstDash val="solid"/>
+                          <a:round/>
+                          <a:headEnd type="none" w="med" len="med"/>
+                          <a:tailEnd type="none" w="med" len="med"/>
+                        </a:lnL>
+                        <a:lnR w="12700" cap="flat" cmpd="sng" algn="ctr">
+                          <a:solidFill>
+                            <a:schemeClr val="tx1"/>
+                          </a:solidFill>
+                          <a:prstDash val="solid"/>
+                          <a:round/>
+                          <a:headEnd type="none" w="med" len="med"/>
+                          <a:tailEnd type="none" w="med" len="med"/>
+                        </a:lnR>
+                        <a:lnT w="12700" cap="flat" cmpd="sng" algn="ctr">
+                          <a:solidFill>
+                            <a:schemeClr val="tx1"/>
+                          </a:solidFill>
+                          <a:prstDash val="solid"/>
+                          <a:round/>
+                          <a:headEnd type="none" w="med" len="med"/>
+                          <a:tailEnd type="none" w="med" len="med"/>
+                        </a:lnT>
+                        <a:lnB w="12700" cap="flat" cmpd="sng" algn="ctr">
+                          <a:solidFill>
+                            <a:schemeClr val="tx1"/>
+                          </a:solidFill>
+                          <a:prstDash val="solid"/>
+                          <a:round/>
+                          <a:headEnd type="none" w="med" len="med"/>
+                          <a:tailEnd type="none" w="med" len="med"/>
+                        </a:lnB>
+                        <a:blipFill>
+                          <a:blip r:embed="rId2"/>
+                          <a:stretch>
+                            <a:fillRect l="-232" t="-102174" r="-300232" b="-506522"/>
+                          </a:stretch>
+                        </a:blipFill>
+                      </a:tcPr>
+                    </a:tc>
+                    <a:tc>
+                      <a:txBody>
+                        <a:bodyPr/>
+                        <a:lstStyle/>
+                        <a:p>
+                          <a:endParaRPr lang="pl-PL"/>
+                        </a:p>
+                      </a:txBody>
+                      <a:tcPr anchor="ctr">
+                        <a:lnL w="12700" cap="flat" cmpd="sng" algn="ctr">
+                          <a:solidFill>
+                            <a:schemeClr val="tx1"/>
+                          </a:solidFill>
+                          <a:prstDash val="solid"/>
+                          <a:round/>
+                          <a:headEnd type="none" w="med" len="med"/>
+                          <a:tailEnd type="none" w="med" len="med"/>
+                        </a:lnL>
+                        <a:lnR w="12700" cap="flat" cmpd="sng" algn="ctr">
+                          <a:solidFill>
+                            <a:schemeClr val="tx1"/>
+                          </a:solidFill>
+                          <a:prstDash val="solid"/>
+                          <a:round/>
+                          <a:headEnd type="none" w="med" len="med"/>
+                          <a:tailEnd type="none" w="med" len="med"/>
+                        </a:lnR>
+                        <a:lnT w="12700" cap="flat" cmpd="sng" algn="ctr">
+                          <a:solidFill>
+                            <a:schemeClr val="tx1"/>
+                          </a:solidFill>
+                          <a:prstDash val="solid"/>
+                          <a:round/>
+                          <a:headEnd type="none" w="med" len="med"/>
+                          <a:tailEnd type="none" w="med" len="med"/>
+                        </a:lnT>
+                        <a:lnB w="12700" cap="flat" cmpd="sng" algn="ctr">
+                          <a:solidFill>
+                            <a:schemeClr val="tx1"/>
+                          </a:solidFill>
+                          <a:prstDash val="solid"/>
+                          <a:round/>
+                          <a:headEnd type="none" w="med" len="med"/>
+                          <a:tailEnd type="none" w="med" len="med"/>
+                        </a:lnB>
+                        <a:blipFill>
+                          <a:blip r:embed="rId2"/>
+                          <a:stretch>
+                            <a:fillRect l="-100232" t="-102174" r="-200232" b="-506522"/>
+                          </a:stretch>
+                        </a:blipFill>
+                      </a:tcPr>
+                    </a:tc>
+                    <a:tc>
+                      <a:txBody>
+                        <a:bodyPr/>
+                        <a:lstStyle/>
+                        <a:p>
+                          <a:endParaRPr lang="pl-PL"/>
+                        </a:p>
+                      </a:txBody>
+                      <a:tcPr anchor="ctr">
+                        <a:lnL w="12700" cap="flat" cmpd="sng" algn="ctr">
+                          <a:solidFill>
+                            <a:schemeClr val="tx1"/>
+                          </a:solidFill>
+                          <a:prstDash val="solid"/>
+                          <a:round/>
+                          <a:headEnd type="none" w="med" len="med"/>
+                          <a:tailEnd type="none" w="med" len="med"/>
+                        </a:lnL>
+                        <a:lnR w="12700" cap="flat" cmpd="sng" algn="ctr">
+                          <a:solidFill>
+                            <a:schemeClr val="tx1"/>
+                          </a:solidFill>
+                          <a:prstDash val="solid"/>
+                          <a:round/>
+                          <a:headEnd type="none" w="med" len="med"/>
+                          <a:tailEnd type="none" w="med" len="med"/>
+                        </a:lnR>
+                        <a:lnT w="12700" cap="flat" cmpd="sng" algn="ctr">
+                          <a:solidFill>
+                            <a:schemeClr val="tx1"/>
+                          </a:solidFill>
+                          <a:prstDash val="solid"/>
+                          <a:round/>
+                          <a:headEnd type="none" w="med" len="med"/>
+                          <a:tailEnd type="none" w="med" len="med"/>
+                        </a:lnT>
+                        <a:lnB w="12700" cap="flat" cmpd="sng" algn="ctr">
+                          <a:solidFill>
+                            <a:schemeClr val="tx1"/>
+                          </a:solidFill>
+                          <a:prstDash val="solid"/>
+                          <a:round/>
+                          <a:headEnd type="none" w="med" len="med"/>
+                          <a:tailEnd type="none" w="med" len="med"/>
+                        </a:lnB>
+                        <a:blipFill>
+                          <a:blip r:embed="rId2"/>
+                          <a:stretch>
+                            <a:fillRect l="-208454" t="-102174" r="-108454" b="-506522"/>
+                          </a:stretch>
+                        </a:blipFill>
+                      </a:tcPr>
+                    </a:tc>
+                    <a:tc>
+                      <a:txBody>
+                        <a:bodyPr/>
+                        <a:lstStyle/>
+                        <a:p>
+                          <a:endParaRPr lang="pl-PL"/>
+                        </a:p>
+                      </a:txBody>
+                      <a:tcPr anchor="ctr">
+                        <a:lnL w="12700" cap="flat" cmpd="sng" algn="ctr">
+                          <a:solidFill>
+                            <a:schemeClr val="tx1"/>
+                          </a:solidFill>
+                          <a:prstDash val="solid"/>
+                          <a:round/>
+                          <a:headEnd type="none" w="med" len="med"/>
+                          <a:tailEnd type="none" w="med" len="med"/>
+                        </a:lnL>
+                        <a:lnR w="12700" cap="flat" cmpd="sng" algn="ctr">
+                          <a:solidFill>
+                            <a:schemeClr val="tx1"/>
+                          </a:solidFill>
+                          <a:prstDash val="solid"/>
+                          <a:round/>
+                          <a:headEnd type="none" w="med" len="med"/>
+                          <a:tailEnd type="none" w="med" len="med"/>
+                        </a:lnR>
+                        <a:lnT w="12700" cap="flat" cmpd="sng" algn="ctr">
+                          <a:solidFill>
+                            <a:schemeClr val="tx1"/>
+                          </a:solidFill>
+                          <a:prstDash val="solid"/>
+                          <a:round/>
+                          <a:headEnd type="none" w="med" len="med"/>
+                          <a:tailEnd type="none" w="med" len="med"/>
+                        </a:lnT>
+                        <a:lnB w="12700" cap="flat" cmpd="sng" algn="ctr">
+                          <a:solidFill>
+                            <a:schemeClr val="tx1"/>
+                          </a:solidFill>
+                          <a:prstDash val="solid"/>
+                          <a:round/>
+                          <a:headEnd type="none" w="med" len="med"/>
+                          <a:tailEnd type="none" w="med" len="med"/>
+                        </a:lnB>
+                        <a:blipFill>
+                          <a:blip r:embed="rId2"/>
+                          <a:stretch>
+                            <a:fillRect l="-285682" t="-102174" r="-447" b="-506522"/>
+                          </a:stretch>
+                        </a:blipFill>
+                      </a:tcPr>
+                    </a:tc>
+                    <a:extLst>
+                      <a:ext uri="{0D108BD9-81ED-4DB2-BD59-A6C34878D82A}">
+                        <a16:rowId xmlns:a16="http://schemas.microsoft.com/office/drawing/2014/main" val="1624178248"/>
+                      </a:ext>
+                    </a:extLst>
+                  </a:tr>
+                  <a:tr h="564338">
+                    <a:tc>
+                      <a:txBody>
+                        <a:bodyPr/>
+                        <a:lstStyle/>
+                        <a:p>
+                          <a:endParaRPr lang="pl-PL"/>
+                        </a:p>
+                      </a:txBody>
+                      <a:tcPr anchor="ctr">
+                        <a:lnL w="12700" cap="flat" cmpd="sng" algn="ctr">
+                          <a:solidFill>
+                            <a:schemeClr val="tx1"/>
+                          </a:solidFill>
+                          <a:prstDash val="solid"/>
+                          <a:round/>
+                          <a:headEnd type="none" w="med" len="med"/>
+                          <a:tailEnd type="none" w="med" len="med"/>
+                        </a:lnL>
+                        <a:lnR w="12700" cap="flat" cmpd="sng" algn="ctr">
+                          <a:solidFill>
+                            <a:schemeClr val="tx1"/>
+                          </a:solidFill>
+                          <a:prstDash val="solid"/>
+                          <a:round/>
+                          <a:headEnd type="none" w="med" len="med"/>
+                          <a:tailEnd type="none" w="med" len="med"/>
+                        </a:lnR>
+                        <a:lnT w="12700" cap="flat" cmpd="sng" algn="ctr">
+                          <a:solidFill>
+                            <a:schemeClr val="tx1"/>
+                          </a:solidFill>
+                          <a:prstDash val="solid"/>
+                          <a:round/>
+                          <a:headEnd type="none" w="med" len="med"/>
+                          <a:tailEnd type="none" w="med" len="med"/>
+                        </a:lnT>
+                        <a:lnB w="12700" cap="flat" cmpd="sng" algn="ctr">
+                          <a:solidFill>
+                            <a:schemeClr val="tx1"/>
+                          </a:solidFill>
+                          <a:prstDash val="solid"/>
+                          <a:round/>
+                          <a:headEnd type="none" w="med" len="med"/>
+                          <a:tailEnd type="none" w="med" len="med"/>
+                        </a:lnB>
+                        <a:blipFill>
+                          <a:blip r:embed="rId2"/>
+                          <a:stretch>
+                            <a:fillRect l="-232" t="-200000" r="-300232" b="-401075"/>
+                          </a:stretch>
+                        </a:blipFill>
+                      </a:tcPr>
+                    </a:tc>
+                    <a:tc>
+                      <a:txBody>
+                        <a:bodyPr/>
+                        <a:lstStyle/>
+                        <a:p>
+                          <a:endParaRPr lang="pl-PL"/>
+                        </a:p>
+                      </a:txBody>
+                      <a:tcPr anchor="ctr">
+                        <a:lnL w="12700" cap="flat" cmpd="sng" algn="ctr">
+                          <a:solidFill>
+                            <a:schemeClr val="tx1"/>
+                          </a:solidFill>
+                          <a:prstDash val="solid"/>
+                          <a:round/>
+                          <a:headEnd type="none" w="med" len="med"/>
+                          <a:tailEnd type="none" w="med" len="med"/>
+                        </a:lnL>
+                        <a:lnR w="12700" cap="flat" cmpd="sng" algn="ctr">
+                          <a:solidFill>
+                            <a:schemeClr val="tx1"/>
+                          </a:solidFill>
+                          <a:prstDash val="solid"/>
+                          <a:round/>
+                          <a:headEnd type="none" w="med" len="med"/>
+                          <a:tailEnd type="none" w="med" len="med"/>
+                        </a:lnR>
+                        <a:lnT w="12700" cap="flat" cmpd="sng" algn="ctr">
+                          <a:solidFill>
+                            <a:schemeClr val="tx1"/>
+                          </a:solidFill>
+                          <a:prstDash val="solid"/>
+                          <a:round/>
+                          <a:headEnd type="none" w="med" len="med"/>
+                          <a:tailEnd type="none" w="med" len="med"/>
+                        </a:lnT>
+                        <a:lnB w="12700" cap="flat" cmpd="sng" algn="ctr">
+                          <a:solidFill>
+                            <a:schemeClr val="tx1"/>
+                          </a:solidFill>
+                          <a:prstDash val="solid"/>
+                          <a:round/>
+                          <a:headEnd type="none" w="med" len="med"/>
+                          <a:tailEnd type="none" w="med" len="med"/>
+                        </a:lnB>
+                        <a:blipFill>
+                          <a:blip r:embed="rId2"/>
+                          <a:stretch>
+                            <a:fillRect l="-100232" t="-200000" r="-200232" b="-401075"/>
+                          </a:stretch>
+                        </a:blipFill>
+                      </a:tcPr>
+                    </a:tc>
+                    <a:tc>
+                      <a:txBody>
+                        <a:bodyPr/>
+                        <a:lstStyle/>
+                        <a:p>
+                          <a:endParaRPr lang="pl-PL"/>
+                        </a:p>
+                      </a:txBody>
+                      <a:tcPr anchor="ctr">
+                        <a:lnL w="12700" cap="flat" cmpd="sng" algn="ctr">
+                          <a:solidFill>
+                            <a:schemeClr val="tx1"/>
+                          </a:solidFill>
+                          <a:prstDash val="solid"/>
+                          <a:round/>
+                          <a:headEnd type="none" w="med" len="med"/>
+                          <a:tailEnd type="none" w="med" len="med"/>
+                        </a:lnL>
+                        <a:lnR w="12700" cap="flat" cmpd="sng" algn="ctr">
+                          <a:solidFill>
+                            <a:schemeClr val="tx1"/>
+                          </a:solidFill>
+                          <a:prstDash val="solid"/>
+                          <a:round/>
+                          <a:headEnd type="none" w="med" len="med"/>
+                          <a:tailEnd type="none" w="med" len="med"/>
+                        </a:lnR>
+                        <a:lnT w="12700" cap="flat" cmpd="sng" algn="ctr">
+                          <a:solidFill>
+                            <a:schemeClr val="tx1"/>
+                          </a:solidFill>
+                          <a:prstDash val="solid"/>
+                          <a:round/>
+                          <a:headEnd type="none" w="med" len="med"/>
+                          <a:tailEnd type="none" w="med" len="med"/>
+                        </a:lnT>
+                        <a:lnB w="12700" cap="flat" cmpd="sng" algn="ctr">
+                          <a:solidFill>
+                            <a:schemeClr val="tx1"/>
+                          </a:solidFill>
+                          <a:prstDash val="solid"/>
+                          <a:round/>
+                          <a:headEnd type="none" w="med" len="med"/>
+                          <a:tailEnd type="none" w="med" len="med"/>
+                        </a:lnB>
+                        <a:blipFill>
+                          <a:blip r:embed="rId2"/>
+                          <a:stretch>
+                            <a:fillRect l="-208454" t="-200000" r="-108454" b="-401075"/>
+                          </a:stretch>
+                        </a:blipFill>
+                      </a:tcPr>
+                    </a:tc>
+                    <a:tc>
+                      <a:txBody>
+                        <a:bodyPr/>
+                        <a:lstStyle/>
+                        <a:p>
+                          <a:endParaRPr lang="pl-PL"/>
+                        </a:p>
+                      </a:txBody>
+                      <a:tcPr anchor="ctr">
+                        <a:lnL w="12700" cap="flat" cmpd="sng" algn="ctr">
+                          <a:solidFill>
+                            <a:schemeClr val="tx1"/>
+                          </a:solidFill>
+                          <a:prstDash val="solid"/>
+                          <a:round/>
+                          <a:headEnd type="none" w="med" len="med"/>
+                          <a:tailEnd type="none" w="med" len="med"/>
+                        </a:lnL>
+                        <a:lnR w="12700" cap="flat" cmpd="sng" algn="ctr">
+                          <a:solidFill>
+                            <a:schemeClr val="tx1"/>
+                          </a:solidFill>
+                          <a:prstDash val="solid"/>
+                          <a:round/>
+                          <a:headEnd type="none" w="med" len="med"/>
+                          <a:tailEnd type="none" w="med" len="med"/>
+                        </a:lnR>
+                        <a:lnT w="12700" cap="flat" cmpd="sng" algn="ctr">
+                          <a:solidFill>
+                            <a:schemeClr val="tx1"/>
+                          </a:solidFill>
+                          <a:prstDash val="solid"/>
+                          <a:round/>
+                          <a:headEnd type="none" w="med" len="med"/>
+                          <a:tailEnd type="none" w="med" len="med"/>
+                        </a:lnT>
+                        <a:lnB w="12700" cap="flat" cmpd="sng" algn="ctr">
+                          <a:solidFill>
+                            <a:schemeClr val="tx1"/>
+                          </a:solidFill>
+                          <a:prstDash val="solid"/>
+                          <a:round/>
+                          <a:headEnd type="none" w="med" len="med"/>
+                          <a:tailEnd type="none" w="med" len="med"/>
+                        </a:lnB>
+                        <a:blipFill>
+                          <a:blip r:embed="rId2"/>
+                          <a:stretch>
+                            <a:fillRect l="-285682" t="-200000" r="-447" b="-401075"/>
+                          </a:stretch>
+                        </a:blipFill>
+                      </a:tcPr>
+                    </a:tc>
+                    <a:extLst>
+                      <a:ext uri="{0D108BD9-81ED-4DB2-BD59-A6C34878D82A}">
+                        <a16:rowId xmlns:a16="http://schemas.microsoft.com/office/drawing/2014/main" val="1847859765"/>
+                      </a:ext>
+                    </a:extLst>
+                  </a:tr>
+                  <a:tr h="564338">
+                    <a:tc>
+                      <a:txBody>
+                        <a:bodyPr/>
+                        <a:lstStyle/>
+                        <a:p>
+                          <a:endParaRPr lang="pl-PL"/>
+                        </a:p>
+                      </a:txBody>
+                      <a:tcPr anchor="ctr">
+                        <a:lnL w="12700" cap="flat" cmpd="sng" algn="ctr">
+                          <a:solidFill>
+                            <a:schemeClr val="tx1"/>
+                          </a:solidFill>
+                          <a:prstDash val="solid"/>
+                          <a:round/>
+                          <a:headEnd type="none" w="med" len="med"/>
+                          <a:tailEnd type="none" w="med" len="med"/>
+                        </a:lnL>
+                        <a:lnR w="12700" cap="flat" cmpd="sng" algn="ctr">
+                          <a:solidFill>
+                            <a:schemeClr val="tx1"/>
+                          </a:solidFill>
+                          <a:prstDash val="solid"/>
+                          <a:round/>
+                          <a:headEnd type="none" w="med" len="med"/>
+                          <a:tailEnd type="none" w="med" len="med"/>
+                        </a:lnR>
+                        <a:lnT w="12700" cap="flat" cmpd="sng" algn="ctr">
+                          <a:solidFill>
+                            <a:schemeClr val="tx1"/>
+                          </a:solidFill>
+                          <a:prstDash val="solid"/>
+                          <a:round/>
+                          <a:headEnd type="none" w="med" len="med"/>
+                          <a:tailEnd type="none" w="med" len="med"/>
+                        </a:lnT>
+                        <a:lnB w="12700" cap="flat" cmpd="sng" algn="ctr">
+                          <a:solidFill>
+                            <a:schemeClr val="tx1"/>
+                          </a:solidFill>
+                          <a:prstDash val="solid"/>
+                          <a:round/>
+                          <a:headEnd type="none" w="med" len="med"/>
+                          <a:tailEnd type="none" w="med" len="med"/>
+                        </a:lnB>
+                        <a:blipFill>
+                          <a:blip r:embed="rId2"/>
+                          <a:stretch>
+                            <a:fillRect l="-232" t="-300000" r="-300232" b="-301075"/>
+                          </a:stretch>
+                        </a:blipFill>
+                      </a:tcPr>
+                    </a:tc>
+                    <a:tc>
+                      <a:txBody>
+                        <a:bodyPr/>
+                        <a:lstStyle/>
+                        <a:p>
+                          <a:endParaRPr lang="pl-PL"/>
+                        </a:p>
+                      </a:txBody>
+                      <a:tcPr anchor="ctr">
+                        <a:lnL w="12700" cap="flat" cmpd="sng" algn="ctr">
+                          <a:solidFill>
+                            <a:schemeClr val="tx1"/>
+                          </a:solidFill>
+                          <a:prstDash val="solid"/>
+                          <a:round/>
+                          <a:headEnd type="none" w="med" len="med"/>
+                          <a:tailEnd type="none" w="med" len="med"/>
+                        </a:lnL>
+                        <a:lnR w="12700" cap="flat" cmpd="sng" algn="ctr">
+                          <a:solidFill>
+                            <a:schemeClr val="tx1"/>
+                          </a:solidFill>
+                          <a:prstDash val="solid"/>
+                          <a:round/>
+                          <a:headEnd type="none" w="med" len="med"/>
+                          <a:tailEnd type="none" w="med" len="med"/>
+                        </a:lnR>
+                        <a:lnT w="12700" cap="flat" cmpd="sng" algn="ctr">
+                          <a:solidFill>
+                            <a:schemeClr val="tx1"/>
+                          </a:solidFill>
+                          <a:prstDash val="solid"/>
+                          <a:round/>
+                          <a:headEnd type="none" w="med" len="med"/>
+                          <a:tailEnd type="none" w="med" len="med"/>
+                        </a:lnT>
+                        <a:lnB w="12700" cap="flat" cmpd="sng" algn="ctr">
+                          <a:solidFill>
+                            <a:schemeClr val="tx1"/>
+                          </a:solidFill>
+                          <a:prstDash val="solid"/>
+                          <a:round/>
+                          <a:headEnd type="none" w="med" len="med"/>
+                          <a:tailEnd type="none" w="med" len="med"/>
+                        </a:lnB>
+                        <a:blipFill>
+                          <a:blip r:embed="rId2"/>
+                          <a:stretch>
+                            <a:fillRect l="-100232" t="-300000" r="-200232" b="-301075"/>
+                          </a:stretch>
+                        </a:blipFill>
+                      </a:tcPr>
+                    </a:tc>
+                    <a:tc>
+                      <a:txBody>
+                        <a:bodyPr/>
+                        <a:lstStyle/>
+                        <a:p>
+                          <a:endParaRPr lang="pl-PL"/>
+                        </a:p>
+                      </a:txBody>
+                      <a:tcPr anchor="ctr">
+                        <a:lnL w="12700" cap="flat" cmpd="sng" algn="ctr">
+                          <a:solidFill>
+                            <a:schemeClr val="tx1"/>
+                          </a:solidFill>
+                          <a:prstDash val="solid"/>
+                          <a:round/>
+                          <a:headEnd type="none" w="med" len="med"/>
+                          <a:tailEnd type="none" w="med" len="med"/>
+                        </a:lnL>
+                        <a:lnR w="12700" cap="flat" cmpd="sng" algn="ctr">
+                          <a:solidFill>
+                            <a:schemeClr val="tx1"/>
+                          </a:solidFill>
+                          <a:prstDash val="solid"/>
+                          <a:round/>
+                          <a:headEnd type="none" w="med" len="med"/>
+                          <a:tailEnd type="none" w="med" len="med"/>
+                        </a:lnR>
+                        <a:lnT w="12700" cap="flat" cmpd="sng" algn="ctr">
+                          <a:solidFill>
+                            <a:schemeClr val="tx1"/>
+                          </a:solidFill>
+                          <a:prstDash val="solid"/>
+                          <a:round/>
+                          <a:headEnd type="none" w="med" len="med"/>
+                          <a:tailEnd type="none" w="med" len="med"/>
+                        </a:lnT>
+                        <a:lnB w="12700" cap="flat" cmpd="sng" algn="ctr">
+                          <a:solidFill>
+                            <a:schemeClr val="tx1"/>
+                          </a:solidFill>
+                          <a:prstDash val="solid"/>
+                          <a:round/>
+                          <a:headEnd type="none" w="med" len="med"/>
+                          <a:tailEnd type="none" w="med" len="med"/>
+                        </a:lnB>
+                        <a:blipFill>
+                          <a:blip r:embed="rId2"/>
+                          <a:stretch>
+                            <a:fillRect l="-208454" t="-300000" r="-108454" b="-301075"/>
+                          </a:stretch>
+                        </a:blipFill>
+                      </a:tcPr>
+                    </a:tc>
+                    <a:tc>
+                      <a:txBody>
+                        <a:bodyPr/>
+                        <a:lstStyle/>
+                        <a:p>
+                          <a:endParaRPr lang="pl-PL"/>
+                        </a:p>
+                      </a:txBody>
+                      <a:tcPr anchor="ctr">
+                        <a:lnL w="12700" cap="flat" cmpd="sng" algn="ctr">
+                          <a:solidFill>
+                            <a:schemeClr val="tx1"/>
+                          </a:solidFill>
+                          <a:prstDash val="solid"/>
+                          <a:round/>
+                          <a:headEnd type="none" w="med" len="med"/>
+                          <a:tailEnd type="none" w="med" len="med"/>
+                        </a:lnL>
+                        <a:lnR w="12700" cap="flat" cmpd="sng" algn="ctr">
+                          <a:solidFill>
+                            <a:schemeClr val="tx1"/>
+                          </a:solidFill>
+                          <a:prstDash val="solid"/>
+                          <a:round/>
+                          <a:headEnd type="none" w="med" len="med"/>
+                          <a:tailEnd type="none" w="med" len="med"/>
+                        </a:lnR>
+                        <a:lnT w="12700" cap="flat" cmpd="sng" algn="ctr">
+                          <a:solidFill>
+                            <a:schemeClr val="tx1"/>
+                          </a:solidFill>
+                          <a:prstDash val="solid"/>
+                          <a:round/>
+                          <a:headEnd type="none" w="med" len="med"/>
+                          <a:tailEnd type="none" w="med" len="med"/>
+                        </a:lnT>
+                        <a:lnB w="12700" cap="flat" cmpd="sng" algn="ctr">
+                          <a:solidFill>
+                            <a:schemeClr val="tx1"/>
+                          </a:solidFill>
+                          <a:prstDash val="solid"/>
+                          <a:round/>
+                          <a:headEnd type="none" w="med" len="med"/>
+                          <a:tailEnd type="none" w="med" len="med"/>
+                        </a:lnB>
+                        <a:blipFill>
+                          <a:blip r:embed="rId2"/>
+                          <a:stretch>
+                            <a:fillRect l="-285682" t="-300000" r="-447" b="-301075"/>
+                          </a:stretch>
+                        </a:blipFill>
+                      </a:tcPr>
+                    </a:tc>
+                    <a:extLst>
+                      <a:ext uri="{0D108BD9-81ED-4DB2-BD59-A6C34878D82A}">
+                        <a16:rowId xmlns:a16="http://schemas.microsoft.com/office/drawing/2014/main" val="1001587304"/>
+                      </a:ext>
+                    </a:extLst>
+                  </a:tr>
+                  <a:tr h="564338">
+                    <a:tc>
+                      <a:txBody>
+                        <a:bodyPr/>
+                        <a:lstStyle/>
+                        <a:p>
+                          <a:endParaRPr lang="pl-PL"/>
+                        </a:p>
+                      </a:txBody>
+                      <a:tcPr anchor="ctr">
+                        <a:lnL w="12700" cap="flat" cmpd="sng" algn="ctr">
+                          <a:solidFill>
+                            <a:schemeClr val="tx1"/>
+                          </a:solidFill>
+                          <a:prstDash val="solid"/>
+                          <a:round/>
+                          <a:headEnd type="none" w="med" len="med"/>
+                          <a:tailEnd type="none" w="med" len="med"/>
+                        </a:lnL>
+                        <a:lnR w="12700" cap="flat" cmpd="sng" algn="ctr">
+                          <a:solidFill>
+                            <a:schemeClr val="tx1"/>
+                          </a:solidFill>
+                          <a:prstDash val="solid"/>
+                          <a:round/>
+                          <a:headEnd type="none" w="med" len="med"/>
+                          <a:tailEnd type="none" w="med" len="med"/>
+                        </a:lnR>
+                        <a:lnT w="12700" cap="flat" cmpd="sng" algn="ctr">
+                          <a:solidFill>
+                            <a:schemeClr val="tx1"/>
+                          </a:solidFill>
+                          <a:prstDash val="solid"/>
+                          <a:round/>
+                          <a:headEnd type="none" w="med" len="med"/>
+                          <a:tailEnd type="none" w="med" len="med"/>
+                        </a:lnT>
+                        <a:lnB w="12700" cap="flat" cmpd="sng" algn="ctr">
+                          <a:solidFill>
+                            <a:schemeClr val="tx1"/>
+                          </a:solidFill>
+                          <a:prstDash val="solid"/>
+                          <a:round/>
+                          <a:headEnd type="none" w="med" len="med"/>
+                          <a:tailEnd type="none" w="med" len="med"/>
+                        </a:lnB>
+                        <a:blipFill>
+                          <a:blip r:embed="rId2"/>
+                          <a:stretch>
+                            <a:fillRect l="-232" t="-400000" r="-300232" b="-201075"/>
+                          </a:stretch>
+                        </a:blipFill>
+                      </a:tcPr>
+                    </a:tc>
+                    <a:tc>
+                      <a:txBody>
+                        <a:bodyPr/>
+                        <a:lstStyle/>
+                        <a:p>
+                          <a:endParaRPr lang="pl-PL"/>
+                        </a:p>
+                      </a:txBody>
+                      <a:tcPr anchor="ctr">
+                        <a:lnL w="12700" cap="flat" cmpd="sng" algn="ctr">
+                          <a:solidFill>
+                            <a:schemeClr val="tx1"/>
+                          </a:solidFill>
+                          <a:prstDash val="solid"/>
+                          <a:round/>
+                          <a:headEnd type="none" w="med" len="med"/>
+                          <a:tailEnd type="none" w="med" len="med"/>
+                        </a:lnL>
+                        <a:lnR w="12700" cap="flat" cmpd="sng" algn="ctr">
+                          <a:solidFill>
+                            <a:schemeClr val="tx1"/>
+                          </a:solidFill>
+                          <a:prstDash val="solid"/>
+                          <a:round/>
+                          <a:headEnd type="none" w="med" len="med"/>
+                          <a:tailEnd type="none" w="med" len="med"/>
+                        </a:lnR>
+                        <a:lnT w="12700" cap="flat" cmpd="sng" algn="ctr">
+                          <a:solidFill>
+                            <a:schemeClr val="tx1"/>
+                          </a:solidFill>
+                          <a:prstDash val="solid"/>
+                          <a:round/>
+                          <a:headEnd type="none" w="med" len="med"/>
+                          <a:tailEnd type="none" w="med" len="med"/>
+                        </a:lnT>
+                        <a:lnB w="12700" cap="flat" cmpd="sng" algn="ctr">
+                          <a:solidFill>
+                            <a:schemeClr val="tx1"/>
+                          </a:solidFill>
+                          <a:prstDash val="solid"/>
+                          <a:round/>
+                          <a:headEnd type="none" w="med" len="med"/>
+                          <a:tailEnd type="none" w="med" len="med"/>
+                        </a:lnB>
+                        <a:blipFill>
+                          <a:blip r:embed="rId2"/>
+                          <a:stretch>
+                            <a:fillRect l="-100232" t="-400000" r="-200232" b="-201075"/>
+                          </a:stretch>
+                        </a:blipFill>
+                      </a:tcPr>
+                    </a:tc>
+                    <a:tc>
+                      <a:txBody>
+                        <a:bodyPr/>
+                        <a:lstStyle/>
+                        <a:p>
+                          <a:endParaRPr lang="pl-PL"/>
+                        </a:p>
+                      </a:txBody>
+                      <a:tcPr anchor="ctr">
+                        <a:lnL w="12700" cap="flat" cmpd="sng" algn="ctr">
+                          <a:solidFill>
+                            <a:schemeClr val="tx1"/>
+                          </a:solidFill>
+                          <a:prstDash val="solid"/>
+                          <a:round/>
+                          <a:headEnd type="none" w="med" len="med"/>
+                          <a:tailEnd type="none" w="med" len="med"/>
+                        </a:lnL>
+                        <a:lnR w="12700" cap="flat" cmpd="sng" algn="ctr">
+                          <a:solidFill>
+                            <a:schemeClr val="tx1"/>
+                          </a:solidFill>
+                          <a:prstDash val="solid"/>
+                          <a:round/>
+                          <a:headEnd type="none" w="med" len="med"/>
+                          <a:tailEnd type="none" w="med" len="med"/>
+                        </a:lnR>
+                        <a:lnT w="12700" cap="flat" cmpd="sng" algn="ctr">
+                          <a:solidFill>
+                            <a:schemeClr val="tx1"/>
+                          </a:solidFill>
+                          <a:prstDash val="solid"/>
+                          <a:round/>
+                          <a:headEnd type="none" w="med" len="med"/>
+                          <a:tailEnd type="none" w="med" len="med"/>
+                        </a:lnT>
+                        <a:lnB w="12700" cap="flat" cmpd="sng" algn="ctr">
+                          <a:solidFill>
+                            <a:schemeClr val="tx1"/>
+                          </a:solidFill>
+                          <a:prstDash val="solid"/>
+                          <a:round/>
+                          <a:headEnd type="none" w="med" len="med"/>
+                          <a:tailEnd type="none" w="med" len="med"/>
+                        </a:lnB>
+                        <a:blipFill>
+                          <a:blip r:embed="rId2"/>
+                          <a:stretch>
+                            <a:fillRect l="-208454" t="-400000" r="-108454" b="-201075"/>
+                          </a:stretch>
+                        </a:blipFill>
+                      </a:tcPr>
+                    </a:tc>
+                    <a:tc>
+                      <a:txBody>
+                        <a:bodyPr/>
+                        <a:lstStyle/>
+                        <a:p>
+                          <a:endParaRPr lang="pl-PL"/>
+                        </a:p>
+                      </a:txBody>
+                      <a:tcPr anchor="ctr">
+                        <a:lnL w="12700" cap="flat" cmpd="sng" algn="ctr">
+                          <a:solidFill>
+                            <a:schemeClr val="tx1"/>
+                          </a:solidFill>
+                          <a:prstDash val="solid"/>
+                          <a:round/>
+                          <a:headEnd type="none" w="med" len="med"/>
+                          <a:tailEnd type="none" w="med" len="med"/>
+                        </a:lnL>
+                        <a:lnR w="12700" cap="flat" cmpd="sng" algn="ctr">
+                          <a:solidFill>
+                            <a:schemeClr val="tx1"/>
+                          </a:solidFill>
+                          <a:prstDash val="solid"/>
+                          <a:round/>
+                          <a:headEnd type="none" w="med" len="med"/>
+                          <a:tailEnd type="none" w="med" len="med"/>
+                        </a:lnR>
+                        <a:lnT w="12700" cap="flat" cmpd="sng" algn="ctr">
+                          <a:solidFill>
+                            <a:schemeClr val="tx1"/>
+                          </a:solidFill>
+                          <a:prstDash val="solid"/>
+                          <a:round/>
+                          <a:headEnd type="none" w="med" len="med"/>
+                          <a:tailEnd type="none" w="med" len="med"/>
+                        </a:lnT>
+                        <a:lnB w="12700" cap="flat" cmpd="sng" algn="ctr">
+                          <a:solidFill>
+                            <a:schemeClr val="tx1"/>
+                          </a:solidFill>
+                          <a:prstDash val="solid"/>
+                          <a:round/>
+                          <a:headEnd type="none" w="med" len="med"/>
+                          <a:tailEnd type="none" w="med" len="med"/>
+                        </a:lnB>
+                        <a:blipFill>
+                          <a:blip r:embed="rId2"/>
+                          <a:stretch>
+                            <a:fillRect l="-285682" t="-400000" r="-447" b="-201075"/>
+                          </a:stretch>
+                        </a:blipFill>
+                      </a:tcPr>
+                    </a:tc>
+                    <a:extLst>
+                      <a:ext uri="{0D108BD9-81ED-4DB2-BD59-A6C34878D82A}">
+                        <a16:rowId xmlns:a16="http://schemas.microsoft.com/office/drawing/2014/main" val="2544194795"/>
+                      </a:ext>
+                    </a:extLst>
+                  </a:tr>
+                  <a:tr h="564338">
+                    <a:tc>
+                      <a:txBody>
+                        <a:bodyPr/>
+                        <a:lstStyle/>
+                        <a:p>
+                          <a:endParaRPr lang="pl-PL"/>
+                        </a:p>
+                      </a:txBody>
+                      <a:tcPr anchor="ctr">
+                        <a:lnL w="12700" cap="flat" cmpd="sng" algn="ctr">
+                          <a:solidFill>
+                            <a:schemeClr val="tx1"/>
+                          </a:solidFill>
+                          <a:prstDash val="solid"/>
+                          <a:round/>
+                          <a:headEnd type="none" w="med" len="med"/>
+                          <a:tailEnd type="none" w="med" len="med"/>
+                        </a:lnL>
+                        <a:lnR w="12700" cap="flat" cmpd="sng" algn="ctr">
+                          <a:solidFill>
+                            <a:schemeClr val="tx1"/>
+                          </a:solidFill>
+                          <a:prstDash val="solid"/>
+                          <a:round/>
+                          <a:headEnd type="none" w="med" len="med"/>
+                          <a:tailEnd type="none" w="med" len="med"/>
+                        </a:lnR>
+                        <a:lnT w="12700" cap="flat" cmpd="sng" algn="ctr">
+                          <a:solidFill>
+                            <a:schemeClr val="tx1"/>
+                          </a:solidFill>
+                          <a:prstDash val="solid"/>
+                          <a:round/>
+                          <a:headEnd type="none" w="med" len="med"/>
+                          <a:tailEnd type="none" w="med" len="med"/>
+                        </a:lnT>
+                        <a:lnB w="12700" cap="flat" cmpd="sng" algn="ctr">
+                          <a:solidFill>
+                            <a:schemeClr val="tx1"/>
+                          </a:solidFill>
+                          <a:prstDash val="solid"/>
+                          <a:round/>
+                          <a:headEnd type="none" w="med" len="med"/>
+                          <a:tailEnd type="none" w="med" len="med"/>
+                        </a:lnB>
+                        <a:blipFill>
+                          <a:blip r:embed="rId2"/>
+                          <a:stretch>
+                            <a:fillRect l="-232" t="-505435" r="-300232" b="-103261"/>
+                          </a:stretch>
+                        </a:blipFill>
+                      </a:tcPr>
+                    </a:tc>
+                    <a:tc>
+                      <a:txBody>
+                        <a:bodyPr/>
+                        <a:lstStyle/>
+                        <a:p>
+                          <a:endParaRPr lang="pl-PL"/>
+                        </a:p>
+                      </a:txBody>
+                      <a:tcPr anchor="ctr">
+                        <a:lnL w="12700" cap="flat" cmpd="sng" algn="ctr">
+                          <a:solidFill>
+                            <a:schemeClr val="tx1"/>
+                          </a:solidFill>
+                          <a:prstDash val="solid"/>
+                          <a:round/>
+                          <a:headEnd type="none" w="med" len="med"/>
+                          <a:tailEnd type="none" w="med" len="med"/>
+                        </a:lnL>
+                        <a:lnR w="12700" cap="flat" cmpd="sng" algn="ctr">
+                          <a:solidFill>
+                            <a:schemeClr val="tx1"/>
+                          </a:solidFill>
+                          <a:prstDash val="solid"/>
+                          <a:round/>
+                          <a:headEnd type="none" w="med" len="med"/>
+                          <a:tailEnd type="none" w="med" len="med"/>
+                        </a:lnR>
+                        <a:lnT w="12700" cap="flat" cmpd="sng" algn="ctr">
+                          <a:solidFill>
+                            <a:schemeClr val="tx1"/>
+                          </a:solidFill>
+                          <a:prstDash val="solid"/>
+                          <a:round/>
+                          <a:headEnd type="none" w="med" len="med"/>
+                          <a:tailEnd type="none" w="med" len="med"/>
+                        </a:lnT>
+                        <a:lnB w="12700" cap="flat" cmpd="sng" algn="ctr">
+                          <a:solidFill>
+                            <a:schemeClr val="tx1"/>
+                          </a:solidFill>
+                          <a:prstDash val="solid"/>
+                          <a:round/>
+                          <a:headEnd type="none" w="med" len="med"/>
+                          <a:tailEnd type="none" w="med" len="med"/>
+                        </a:lnB>
+                        <a:blipFill>
+                          <a:blip r:embed="rId2"/>
+                          <a:stretch>
+                            <a:fillRect l="-100232" t="-505435" r="-200232" b="-103261"/>
+                          </a:stretch>
+                        </a:blipFill>
+                      </a:tcPr>
+                    </a:tc>
+                    <a:tc>
+                      <a:txBody>
+                        <a:bodyPr/>
+                        <a:lstStyle/>
+                        <a:p>
+                          <a:endParaRPr lang="pl-PL"/>
+                        </a:p>
+                      </a:txBody>
+                      <a:tcPr anchor="ctr">
+                        <a:lnL w="12700" cap="flat" cmpd="sng" algn="ctr">
+                          <a:solidFill>
+                            <a:schemeClr val="tx1"/>
+                          </a:solidFill>
+                          <a:prstDash val="solid"/>
+                          <a:round/>
+                          <a:headEnd type="none" w="med" len="med"/>
+                          <a:tailEnd type="none" w="med" len="med"/>
+                        </a:lnL>
+                        <a:lnR w="12700" cap="flat" cmpd="sng" algn="ctr">
+                          <a:solidFill>
+                            <a:schemeClr val="tx1"/>
+                          </a:solidFill>
+                          <a:prstDash val="solid"/>
+                          <a:round/>
+                          <a:headEnd type="none" w="med" len="med"/>
+                          <a:tailEnd type="none" w="med" len="med"/>
+                        </a:lnR>
+                        <a:lnT w="12700" cap="flat" cmpd="sng" algn="ctr">
+                          <a:solidFill>
+                            <a:schemeClr val="tx1"/>
+                          </a:solidFill>
+                          <a:prstDash val="solid"/>
+                          <a:round/>
+                          <a:headEnd type="none" w="med" len="med"/>
+                          <a:tailEnd type="none" w="med" len="med"/>
+                        </a:lnT>
+                        <a:lnB w="12700" cap="flat" cmpd="sng" algn="ctr">
+                          <a:solidFill>
+                            <a:schemeClr val="tx1"/>
+                          </a:solidFill>
+                          <a:prstDash val="solid"/>
+                          <a:round/>
+                          <a:headEnd type="none" w="med" len="med"/>
+                          <a:tailEnd type="none" w="med" len="med"/>
+                        </a:lnB>
+                        <a:blipFill>
+                          <a:blip r:embed="rId2"/>
+                          <a:stretch>
+                            <a:fillRect l="-208454" t="-505435" r="-108454" b="-103261"/>
+                          </a:stretch>
+                        </a:blipFill>
+                      </a:tcPr>
+                    </a:tc>
+                    <a:tc>
+                      <a:txBody>
+                        <a:bodyPr/>
+                        <a:lstStyle/>
+                        <a:p>
+                          <a:endParaRPr lang="pl-PL"/>
+                        </a:p>
+                      </a:txBody>
+                      <a:tcPr anchor="ctr">
+                        <a:lnL w="12700" cap="flat" cmpd="sng" algn="ctr">
+                          <a:solidFill>
+                            <a:schemeClr val="tx1"/>
+                          </a:solidFill>
+                          <a:prstDash val="solid"/>
+                          <a:round/>
+                          <a:headEnd type="none" w="med" len="med"/>
+                          <a:tailEnd type="none" w="med" len="med"/>
+                        </a:lnL>
+                        <a:lnR w="12700" cap="flat" cmpd="sng" algn="ctr">
+                          <a:solidFill>
+                            <a:schemeClr val="tx1"/>
+                          </a:solidFill>
+                          <a:prstDash val="solid"/>
+                          <a:round/>
+                          <a:headEnd type="none" w="med" len="med"/>
+                          <a:tailEnd type="none" w="med" len="med"/>
+                        </a:lnR>
+                        <a:lnT w="12700" cap="flat" cmpd="sng" algn="ctr">
+                          <a:solidFill>
+                            <a:schemeClr val="tx1"/>
+                          </a:solidFill>
+                          <a:prstDash val="solid"/>
+                          <a:round/>
+                          <a:headEnd type="none" w="med" len="med"/>
+                          <a:tailEnd type="none" w="med" len="med"/>
+                        </a:lnT>
+                        <a:lnB w="12700" cap="flat" cmpd="sng" algn="ctr">
+                          <a:solidFill>
+                            <a:schemeClr val="tx1"/>
+                          </a:solidFill>
+                          <a:prstDash val="solid"/>
+                          <a:round/>
+                          <a:headEnd type="none" w="med" len="med"/>
+                          <a:tailEnd type="none" w="med" len="med"/>
+                        </a:lnB>
+                        <a:blipFill>
+                          <a:blip r:embed="rId2"/>
+                          <a:stretch>
+                            <a:fillRect l="-285682" t="-505435" r="-447" b="-103261"/>
+                          </a:stretch>
+                        </a:blipFill>
+                      </a:tcPr>
+                    </a:tc>
+                    <a:extLst>
+                      <a:ext uri="{0D108BD9-81ED-4DB2-BD59-A6C34878D82A}">
+                        <a16:rowId xmlns:a16="http://schemas.microsoft.com/office/drawing/2014/main" val="4086270995"/>
+                      </a:ext>
+                    </a:extLst>
+                  </a:tr>
+                  <a:tr h="564338">
+                    <a:tc>
+                      <a:txBody>
+                        <a:bodyPr/>
+                        <a:lstStyle/>
+                        <a:p>
+                          <a:endParaRPr lang="pl-PL"/>
+                        </a:p>
+                      </a:txBody>
+                      <a:tcPr anchor="ctr">
+                        <a:lnL w="12700" cap="flat" cmpd="sng" algn="ctr">
+                          <a:solidFill>
+                            <a:schemeClr val="tx1"/>
+                          </a:solidFill>
+                          <a:prstDash val="solid"/>
+                          <a:round/>
+                          <a:headEnd type="none" w="med" len="med"/>
+                          <a:tailEnd type="none" w="med" len="med"/>
+                        </a:lnL>
+                        <a:lnR w="12700" cap="flat" cmpd="sng" algn="ctr">
+                          <a:solidFill>
+                            <a:schemeClr val="tx1"/>
+                          </a:solidFill>
+                          <a:prstDash val="solid"/>
+                          <a:round/>
+                          <a:headEnd type="none" w="med" len="med"/>
+                          <a:tailEnd type="none" w="med" len="med"/>
+                        </a:lnR>
+                        <a:lnT w="12700" cap="flat" cmpd="sng" algn="ctr">
+                          <a:solidFill>
+                            <a:schemeClr val="tx1"/>
+                          </a:solidFill>
+                          <a:prstDash val="solid"/>
+                          <a:round/>
+                          <a:headEnd type="none" w="med" len="med"/>
+                          <a:tailEnd type="none" w="med" len="med"/>
+                        </a:lnT>
+                        <a:lnB w="12700" cap="flat" cmpd="sng" algn="ctr">
+                          <a:solidFill>
+                            <a:schemeClr val="tx1"/>
+                          </a:solidFill>
+                          <a:prstDash val="solid"/>
+                          <a:round/>
+                          <a:headEnd type="none" w="med" len="med"/>
+                          <a:tailEnd type="none" w="med" len="med"/>
+                        </a:lnB>
+                        <a:blipFill>
+                          <a:blip r:embed="rId2"/>
+                          <a:stretch>
+                            <a:fillRect l="-232" t="-598925" r="-300232" b="-2151"/>
+                          </a:stretch>
+                        </a:blipFill>
+                      </a:tcPr>
+                    </a:tc>
+                    <a:tc>
+                      <a:txBody>
+                        <a:bodyPr/>
+                        <a:lstStyle/>
+                        <a:p>
+                          <a:endParaRPr lang="pl-PL"/>
+                        </a:p>
+                      </a:txBody>
+                      <a:tcPr anchor="ctr">
+                        <a:lnL w="12700" cap="flat" cmpd="sng" algn="ctr">
+                          <a:solidFill>
+                            <a:schemeClr val="tx1"/>
+                          </a:solidFill>
+                          <a:prstDash val="solid"/>
+                          <a:round/>
+                          <a:headEnd type="none" w="med" len="med"/>
+                          <a:tailEnd type="none" w="med" len="med"/>
+                        </a:lnL>
+                        <a:lnR w="12700" cap="flat" cmpd="sng" algn="ctr">
+                          <a:solidFill>
+                            <a:schemeClr val="tx1"/>
+                          </a:solidFill>
+                          <a:prstDash val="solid"/>
+                          <a:round/>
+                          <a:headEnd type="none" w="med" len="med"/>
+                          <a:tailEnd type="none" w="med" len="med"/>
+                        </a:lnR>
+                        <a:lnT w="12700" cap="flat" cmpd="sng" algn="ctr">
+                          <a:solidFill>
+                            <a:schemeClr val="tx1"/>
+                          </a:solidFill>
+                          <a:prstDash val="solid"/>
+                          <a:round/>
+                          <a:headEnd type="none" w="med" len="med"/>
+                          <a:tailEnd type="none" w="med" len="med"/>
+                        </a:lnT>
+                        <a:lnB w="12700" cap="flat" cmpd="sng" algn="ctr">
+                          <a:solidFill>
+                            <a:schemeClr val="tx1"/>
+                          </a:solidFill>
+                          <a:prstDash val="solid"/>
+                          <a:round/>
+                          <a:headEnd type="none" w="med" len="med"/>
+                          <a:tailEnd type="none" w="med" len="med"/>
+                        </a:lnB>
+                        <a:blipFill>
+                          <a:blip r:embed="rId2"/>
+                          <a:stretch>
+                            <a:fillRect l="-100232" t="-598925" r="-200232" b="-2151"/>
+                          </a:stretch>
+                        </a:blipFill>
+                      </a:tcPr>
+                    </a:tc>
+                    <a:tc>
+                      <a:txBody>
+                        <a:bodyPr/>
+                        <a:lstStyle/>
+                        <a:p>
+                          <a:endParaRPr lang="pl-PL"/>
+                        </a:p>
+                      </a:txBody>
+                      <a:tcPr anchor="ctr">
+                        <a:lnL w="12700" cap="flat" cmpd="sng" algn="ctr">
+                          <a:solidFill>
+                            <a:schemeClr val="tx1"/>
+                          </a:solidFill>
+                          <a:prstDash val="solid"/>
+                          <a:round/>
+                          <a:headEnd type="none" w="med" len="med"/>
+                          <a:tailEnd type="none" w="med" len="med"/>
+                        </a:lnL>
+                        <a:lnR w="12700" cap="flat" cmpd="sng" algn="ctr">
+                          <a:solidFill>
+                            <a:schemeClr val="tx1"/>
+                          </a:solidFill>
+                          <a:prstDash val="solid"/>
+                          <a:round/>
+                          <a:headEnd type="none" w="med" len="med"/>
+                          <a:tailEnd type="none" w="med" len="med"/>
+                        </a:lnR>
+                        <a:lnT w="12700" cap="flat" cmpd="sng" algn="ctr">
+                          <a:solidFill>
+                            <a:schemeClr val="tx1"/>
+                          </a:solidFill>
+                          <a:prstDash val="solid"/>
+                          <a:round/>
+                          <a:headEnd type="none" w="med" len="med"/>
+                          <a:tailEnd type="none" w="med" len="med"/>
+                        </a:lnT>
+                        <a:lnB w="12700" cap="flat" cmpd="sng" algn="ctr">
+                          <a:solidFill>
+                            <a:schemeClr val="tx1"/>
+                          </a:solidFill>
+                          <a:prstDash val="solid"/>
+                          <a:round/>
+                          <a:headEnd type="none" w="med" len="med"/>
+                          <a:tailEnd type="none" w="med" len="med"/>
+                        </a:lnB>
+                        <a:blipFill>
+                          <a:blip r:embed="rId2"/>
+                          <a:stretch>
+                            <a:fillRect l="-208454" t="-598925" r="-108454" b="-2151"/>
+                          </a:stretch>
+                        </a:blipFill>
+                      </a:tcPr>
+                    </a:tc>
+                    <a:tc>
+                      <a:txBody>
+                        <a:bodyPr/>
+                        <a:lstStyle/>
+                        <a:p>
+                          <a:endParaRPr lang="pl-PL"/>
+                        </a:p>
+                      </a:txBody>
+                      <a:tcPr anchor="ctr">
+                        <a:lnL w="12700" cap="flat" cmpd="sng" algn="ctr">
+                          <a:solidFill>
+                            <a:schemeClr val="tx1"/>
+                          </a:solidFill>
+                          <a:prstDash val="solid"/>
+                          <a:round/>
+                          <a:headEnd type="none" w="med" len="med"/>
+                          <a:tailEnd type="none" w="med" len="med"/>
+                        </a:lnL>
+                        <a:lnR w="12700" cap="flat" cmpd="sng" algn="ctr">
+                          <a:solidFill>
+                            <a:schemeClr val="tx1"/>
+                          </a:solidFill>
+                          <a:prstDash val="solid"/>
+                          <a:round/>
+                          <a:headEnd type="none" w="med" len="med"/>
+                          <a:tailEnd type="none" w="med" len="med"/>
+                        </a:lnR>
+                        <a:lnT w="12700" cap="flat" cmpd="sng" algn="ctr">
+                          <a:solidFill>
+                            <a:schemeClr val="tx1"/>
+                          </a:solidFill>
+                          <a:prstDash val="solid"/>
+                          <a:round/>
+                          <a:headEnd type="none" w="med" len="med"/>
+                          <a:tailEnd type="none" w="med" len="med"/>
+                        </a:lnT>
+                        <a:lnB w="12700" cap="flat" cmpd="sng" algn="ctr">
+                          <a:solidFill>
+                            <a:schemeClr val="tx1"/>
+                          </a:solidFill>
+                          <a:prstDash val="solid"/>
+                          <a:round/>
+                          <a:headEnd type="none" w="med" len="med"/>
+                          <a:tailEnd type="none" w="med" len="med"/>
+                        </a:lnB>
+                        <a:blipFill>
+                          <a:blip r:embed="rId2"/>
+                          <a:stretch>
+                            <a:fillRect l="-285682" t="-598925" r="-447" b="-2151"/>
+                          </a:stretch>
+                        </a:blipFill>
+                      </a:tcPr>
+                    </a:tc>
+                    <a:extLst>
+                      <a:ext uri="{0D108BD9-81ED-4DB2-BD59-A6C34878D82A}">
+                        <a16:rowId xmlns:a16="http://schemas.microsoft.com/office/drawing/2014/main" val="3862363185"/>
+                      </a:ext>
+                    </a:extLst>
+                  </a:tr>
+                </a:tbl>
+              </a:graphicData>
+            </a:graphic>
+          </p:graphicFrame>
+        </mc:Fallback>
+      </mc:AlternateContent>
+    </p:spTree>
+    <p:extLst>
+      <p:ext uri="{BB962C8B-B14F-4D97-AF65-F5344CB8AC3E}">
+        <p14:creationId xmlns:p14="http://schemas.microsoft.com/office/powerpoint/2010/main" val="4180615794"/>
+      </p:ext>
+    </p:extLst>
+  </p:cSld>
+  <p:clrMapOvr>
+    <a:masterClrMapping/>
+  </p:clrMapOvr>
+</p:sld>
+</file>
+
+<file path=ppt/slides/slide6.xml><?xml version="1.0" encoding="utf-8"?>
+<p:sld xmlns:a="http://schemas.openxmlformats.org/drawingml/2006/main" xmlns:r="http://schemas.openxmlformats.org/officeDocument/2006/relationships" xmlns:p="http://schemas.openxmlformats.org/presentationml/2006/main">
+  <p:cSld>
+    <p:spTree>
+      <p:nvGrpSpPr>
+        <p:cNvPr id="1" name="">
+          <a:extLst>
+            <a:ext uri="{FF2B5EF4-FFF2-40B4-BE49-F238E27FC236}">
+              <a16:creationId xmlns:a16="http://schemas.microsoft.com/office/drawing/2014/main" id="{148A6DE3-8818-BDED-82B5-A2EFA630F7A0}"/>
+            </a:ext>
+          </a:extLst>
+        </p:cNvPr>
+        <p:cNvGrpSpPr/>
+        <p:nvPr/>
+      </p:nvGrpSpPr>
+      <p:grpSpPr>
+        <a:xfrm>
+          <a:off x="0" y="0"/>
+          <a:ext cx="0" cy="0"/>
+          <a:chOff x="0" y="0"/>
+          <a:chExt cx="0" cy="0"/>
+        </a:xfrm>
+      </p:grpSpPr>
+      <p:sp>
+        <p:nvSpPr>
+          <p:cNvPr id="2" name="Title 1">
+            <a:extLst>
+              <a:ext uri="{FF2B5EF4-FFF2-40B4-BE49-F238E27FC236}">
+                <a16:creationId xmlns:a16="http://schemas.microsoft.com/office/drawing/2014/main" id="{F406800A-7977-D888-4020-06D9BA75DC12}"/>
+              </a:ext>
+            </a:extLst>
+          </p:cNvPr>
+          <p:cNvSpPr>
+            <a:spLocks noGrp="1"/>
+          </p:cNvSpPr>
+          <p:nvPr>
+            <p:ph type="title"/>
+          </p:nvPr>
+        </p:nvSpPr>
+        <p:spPr>
+          <a:xfrm>
+            <a:off x="838199" y="365126"/>
+            <a:ext cx="11066929" cy="710640"/>
+          </a:xfrm>
+        </p:spPr>
+        <p:txBody>
+          <a:bodyPr>
+            <a:noAutofit/>
+          </a:bodyPr>
+          <a:lstStyle/>
+          <a:p>
+            <a:r>
+              <a:rPr lang="pl-PL" sz="4000" dirty="0"/>
+              <a:t>Test dokładności numerycznej zastosowanej metody</a:t>
+            </a:r>
+          </a:p>
+        </p:txBody>
+      </p:sp>
+      <p:sp>
+        <p:nvSpPr>
+          <p:cNvPr id="3" name="Content Placeholder 2">
+            <a:extLst>
+              <a:ext uri="{FF2B5EF4-FFF2-40B4-BE49-F238E27FC236}">
+                <a16:creationId xmlns:a16="http://schemas.microsoft.com/office/drawing/2014/main" id="{CFCFBFC4-0063-F972-A274-D32C9548FBC3}"/>
+              </a:ext>
+            </a:extLst>
+          </p:cNvPr>
+          <p:cNvSpPr>
+            <a:spLocks noGrp="1"/>
+          </p:cNvSpPr>
+          <p:nvPr>
+            <p:ph idx="1"/>
+          </p:nvPr>
+        </p:nvSpPr>
+        <p:spPr>
+          <a:xfrm>
+            <a:off x="847165" y="1344707"/>
+            <a:ext cx="10515600" cy="710640"/>
+          </a:xfrm>
+        </p:spPr>
+        <p:txBody>
+          <a:bodyPr>
+            <a:normAutofit/>
+          </a:bodyPr>
+          <a:lstStyle/>
+          <a:p>
+            <a:pPr marL="0" indent="0">
+              <a:buNone/>
+            </a:pPr>
+            <a:r>
+              <a:rPr lang="pl-PL" sz="2000" dirty="0"/>
+              <a:t>Test polegał na porównaniu wyników uzyskanych przez metodę zaimplementowaną w zadaniu, z wynikami uzyskanymi przez analityczne obliczenie całki.</a:t>
+            </a:r>
+          </a:p>
+          <a:p>
+            <a:pPr marL="0" indent="0">
+              <a:buNone/>
+            </a:pPr>
+            <a:endParaRPr lang="pl-PL" sz="2000" dirty="0"/>
+          </a:p>
+        </p:txBody>
+      </p:sp>
+      <p:sp>
+        <p:nvSpPr>
+          <p:cNvPr id="5" name="TextBox 4">
+            <a:extLst>
+              <a:ext uri="{FF2B5EF4-FFF2-40B4-BE49-F238E27FC236}">
+                <a16:creationId xmlns:a16="http://schemas.microsoft.com/office/drawing/2014/main" id="{EC0E1D89-A8E1-681A-A83E-295EA6582CD6}"/>
+              </a:ext>
+            </a:extLst>
+          </p:cNvPr>
+          <p:cNvSpPr txBox="1"/>
+          <p:nvPr/>
+        </p:nvSpPr>
+        <p:spPr>
+          <a:xfrm>
+            <a:off x="484094" y="2485653"/>
+            <a:ext cx="11223811" cy="3785652"/>
+          </a:xfrm>
+          <a:prstGeom prst="rect">
+            <a:avLst/>
+          </a:prstGeom>
+          <a:noFill/>
+        </p:spPr>
+        <p:txBody>
+          <a:bodyPr wrap="square" numCol="2" rtlCol="0">
+            <a:spAutoFit/>
+          </a:bodyPr>
+          <a:lstStyle/>
+          <a:p>
+            <a:r>
+              <a:rPr lang="pl-PL" sz="1200" dirty="0">
+                <a:latin typeface="Cascadia Code NF" panose="020B0609020000020004" pitchFamily="49" charset="0"/>
+                <a:ea typeface="Cascadia Code NF" panose="020B0609020000020004" pitchFamily="49" charset="0"/>
+                <a:cs typeface="Cascadia Code NF" panose="020B0609020000020004" pitchFamily="49" charset="0"/>
+              </a:rPr>
+              <a:t>Test dla funkcji: @(x,y)1</a:t>
+            </a:r>
+          </a:p>
+          <a:p>
+            <a:r>
+              <a:rPr lang="pl-PL" sz="1200" dirty="0">
+                <a:latin typeface="Cascadia Code NF" panose="020B0609020000020004" pitchFamily="49" charset="0"/>
+                <a:ea typeface="Cascadia Code NF" panose="020B0609020000020004" pitchFamily="49" charset="0"/>
+                <a:cs typeface="Cascadia Code NF" panose="020B0609020000020004" pitchFamily="49" charset="0"/>
+              </a:rPr>
+              <a:t>    Oczekiwany rezultat: 2.0</a:t>
+            </a:r>
+          </a:p>
+          <a:p>
+            <a:r>
+              <a:rPr lang="pl-PL" sz="1200" dirty="0">
+                <a:latin typeface="Cascadia Code NF" panose="020B0609020000020004" pitchFamily="49" charset="0"/>
+                <a:ea typeface="Cascadia Code NF" panose="020B0609020000020004" pitchFamily="49" charset="0"/>
+                <a:cs typeface="Cascadia Code NF" panose="020B0609020000020004" pitchFamily="49" charset="0"/>
+              </a:rPr>
+              <a:t>    n1 =  10, n2 =  10:    S = </a:t>
+            </a:r>
+            <a:r>
+              <a:rPr lang="pl-PL" sz="1200" dirty="0">
+                <a:solidFill>
+                  <a:schemeClr val="accent6"/>
+                </a:solidFill>
+                <a:latin typeface="Cascadia Code NF" panose="020B0609020000020004" pitchFamily="49" charset="0"/>
+                <a:ea typeface="Cascadia Code NF" panose="020B0609020000020004" pitchFamily="49" charset="0"/>
+                <a:cs typeface="Cascadia Code NF" panose="020B0609020000020004" pitchFamily="49" charset="0"/>
+              </a:rPr>
+              <a:t>2.00000000000000</a:t>
+            </a:r>
+            <a:r>
+              <a:rPr lang="pl-PL" sz="1200" dirty="0">
+                <a:latin typeface="Cascadia Code NF" panose="020B0609020000020004" pitchFamily="49" charset="0"/>
+                <a:ea typeface="Cascadia Code NF" panose="020B0609020000020004" pitchFamily="49" charset="0"/>
+                <a:cs typeface="Cascadia Code NF" panose="020B0609020000020004" pitchFamily="49" charset="0"/>
+              </a:rPr>
+              <a:t>133</a:t>
+            </a:r>
+          </a:p>
+          <a:p>
+            <a:r>
+              <a:rPr lang="pl-PL" sz="1200" dirty="0">
+                <a:latin typeface="Cascadia Code NF" panose="020B0609020000020004" pitchFamily="49" charset="0"/>
+                <a:ea typeface="Cascadia Code NF" panose="020B0609020000020004" pitchFamily="49" charset="0"/>
+                <a:cs typeface="Cascadia Code NF" panose="020B0609020000020004" pitchFamily="49" charset="0"/>
+              </a:rPr>
+              <a:t>    n1 =  20, n2 =  20:    S = </a:t>
+            </a:r>
+            <a:r>
+              <a:rPr lang="pl-PL" sz="1200" dirty="0">
+                <a:solidFill>
+                  <a:schemeClr val="accent6"/>
+                </a:solidFill>
+                <a:latin typeface="Cascadia Code NF" panose="020B0609020000020004" pitchFamily="49" charset="0"/>
+                <a:ea typeface="Cascadia Code NF" panose="020B0609020000020004" pitchFamily="49" charset="0"/>
+                <a:cs typeface="Cascadia Code NF" panose="020B0609020000020004" pitchFamily="49" charset="0"/>
+              </a:rPr>
+              <a:t>1.9999999999999</a:t>
+            </a:r>
+            <a:r>
+              <a:rPr lang="pl-PL" sz="1200" dirty="0">
+                <a:latin typeface="Cascadia Code NF" panose="020B0609020000020004" pitchFamily="49" charset="0"/>
+                <a:ea typeface="Cascadia Code NF" panose="020B0609020000020004" pitchFamily="49" charset="0"/>
+                <a:cs typeface="Cascadia Code NF" panose="020B0609020000020004" pitchFamily="49" charset="0"/>
+              </a:rPr>
+              <a:t>8090</a:t>
+            </a:r>
+          </a:p>
+          <a:p>
+            <a:endParaRPr lang="pl-PL" sz="1200" dirty="0">
+              <a:latin typeface="Cascadia Code NF" panose="020B0609020000020004" pitchFamily="49" charset="0"/>
+              <a:ea typeface="Cascadia Code NF" panose="020B0609020000020004" pitchFamily="49" charset="0"/>
+              <a:cs typeface="Cascadia Code NF" panose="020B0609020000020004" pitchFamily="49" charset="0"/>
+            </a:endParaRPr>
+          </a:p>
+          <a:p>
+            <a:r>
+              <a:rPr lang="pl-PL" sz="1200" dirty="0">
+                <a:latin typeface="Cascadia Code NF" panose="020B0609020000020004" pitchFamily="49" charset="0"/>
+                <a:ea typeface="Cascadia Code NF" panose="020B0609020000020004" pitchFamily="49" charset="0"/>
+                <a:cs typeface="Cascadia Code NF" panose="020B0609020000020004" pitchFamily="49" charset="0"/>
+              </a:rPr>
+              <a:t>Test dla funkcji: @(x,y)x.^2+y.^2</a:t>
+            </a:r>
+          </a:p>
+          <a:p>
+            <a:r>
+              <a:rPr lang="pl-PL" sz="1200" dirty="0">
+                <a:latin typeface="Cascadia Code NF" panose="020B0609020000020004" pitchFamily="49" charset="0"/>
+                <a:ea typeface="Cascadia Code NF" panose="020B0609020000020004" pitchFamily="49" charset="0"/>
+                <a:cs typeface="Cascadia Code NF" panose="020B0609020000020004" pitchFamily="49" charset="0"/>
+              </a:rPr>
+              <a:t>    Oczekiwany rezultat: 2/3 = 0.6(6)</a:t>
+            </a:r>
+          </a:p>
+          <a:p>
+            <a:r>
+              <a:rPr lang="pl-PL" sz="1200" dirty="0">
+                <a:latin typeface="Cascadia Code NF" panose="020B0609020000020004" pitchFamily="49" charset="0"/>
+                <a:ea typeface="Cascadia Code NF" panose="020B0609020000020004" pitchFamily="49" charset="0"/>
+                <a:cs typeface="Cascadia Code NF" panose="020B0609020000020004" pitchFamily="49" charset="0"/>
+              </a:rPr>
+              <a:t>    n1 =  10, n2 =  10:    S = </a:t>
+            </a:r>
+            <a:r>
+              <a:rPr lang="pl-PL" sz="1200" dirty="0">
+                <a:solidFill>
+                  <a:schemeClr val="accent6"/>
+                </a:solidFill>
+                <a:latin typeface="Cascadia Code NF" panose="020B0609020000020004" pitchFamily="49" charset="0"/>
+                <a:ea typeface="Cascadia Code NF" panose="020B0609020000020004" pitchFamily="49" charset="0"/>
+                <a:cs typeface="Cascadia Code NF" panose="020B0609020000020004" pitchFamily="49" charset="0"/>
+              </a:rPr>
+              <a:t>0.666666666666666</a:t>
+            </a:r>
+            <a:r>
+              <a:rPr lang="pl-PL" sz="1200" dirty="0">
+                <a:latin typeface="Cascadia Code NF" panose="020B0609020000020004" pitchFamily="49" charset="0"/>
+                <a:ea typeface="Cascadia Code NF" panose="020B0609020000020004" pitchFamily="49" charset="0"/>
+                <a:cs typeface="Cascadia Code NF" panose="020B0609020000020004" pitchFamily="49" charset="0"/>
+              </a:rPr>
+              <a:t>74</a:t>
+            </a:r>
+          </a:p>
+          <a:p>
+            <a:r>
+              <a:rPr lang="pl-PL" sz="1200" dirty="0">
+                <a:latin typeface="Cascadia Code NF" panose="020B0609020000020004" pitchFamily="49" charset="0"/>
+                <a:ea typeface="Cascadia Code NF" panose="020B0609020000020004" pitchFamily="49" charset="0"/>
+                <a:cs typeface="Cascadia Code NF" panose="020B0609020000020004" pitchFamily="49" charset="0"/>
+              </a:rPr>
+              <a:t>    n1 =  20, n2 =  20:    S = </a:t>
+            </a:r>
+            <a:r>
+              <a:rPr lang="pl-PL" sz="1200" dirty="0">
+                <a:solidFill>
+                  <a:schemeClr val="accent6"/>
+                </a:solidFill>
+                <a:latin typeface="Cascadia Code NF" panose="020B0609020000020004" pitchFamily="49" charset="0"/>
+                <a:ea typeface="Cascadia Code NF" panose="020B0609020000020004" pitchFamily="49" charset="0"/>
+                <a:cs typeface="Cascadia Code NF" panose="020B0609020000020004" pitchFamily="49" charset="0"/>
+              </a:rPr>
+              <a:t>0.666666666666666</a:t>
+            </a:r>
+            <a:r>
+              <a:rPr lang="pl-PL" sz="1200" dirty="0">
+                <a:latin typeface="Cascadia Code NF" panose="020B0609020000020004" pitchFamily="49" charset="0"/>
+                <a:ea typeface="Cascadia Code NF" panose="020B0609020000020004" pitchFamily="49" charset="0"/>
+                <a:cs typeface="Cascadia Code NF" panose="020B0609020000020004" pitchFamily="49" charset="0"/>
+              </a:rPr>
+              <a:t>74</a:t>
+            </a:r>
+          </a:p>
+          <a:p>
+            <a:endParaRPr lang="pl-PL" sz="1200" dirty="0">
+              <a:latin typeface="Cascadia Code NF" panose="020B0609020000020004" pitchFamily="49" charset="0"/>
+              <a:ea typeface="Cascadia Code NF" panose="020B0609020000020004" pitchFamily="49" charset="0"/>
+              <a:cs typeface="Cascadia Code NF" panose="020B0609020000020004" pitchFamily="49" charset="0"/>
+            </a:endParaRPr>
+          </a:p>
+          <a:p>
+            <a:r>
+              <a:rPr lang="pl-PL" sz="1200" dirty="0">
+                <a:latin typeface="Cascadia Code NF" panose="020B0609020000020004" pitchFamily="49" charset="0"/>
+                <a:ea typeface="Cascadia Code NF" panose="020B0609020000020004" pitchFamily="49" charset="0"/>
+                <a:cs typeface="Cascadia Code NF" panose="020B0609020000020004" pitchFamily="49" charset="0"/>
+              </a:rPr>
+              <a:t>Test dla funkcji: @(x,y)sin(x.^2.*abs(y))</a:t>
+            </a:r>
+          </a:p>
+          <a:p>
+            <a:r>
+              <a:rPr lang="pl-PL" sz="1200" dirty="0">
+                <a:latin typeface="Cascadia Code NF" panose="020B0609020000020004" pitchFamily="49" charset="0"/>
+                <a:ea typeface="Cascadia Code NF" panose="020B0609020000020004" pitchFamily="49" charset="0"/>
+                <a:cs typeface="Cascadia Code NF" panose="020B0609020000020004" pitchFamily="49" charset="0"/>
+              </a:rPr>
+              <a:t>    Oczekiwany rezultat: 1/15 = 0.06(6)</a:t>
+            </a:r>
+          </a:p>
+          <a:p>
+            <a:r>
+              <a:rPr lang="pl-PL" sz="1200" dirty="0">
+                <a:latin typeface="Cascadia Code NF" panose="020B0609020000020004" pitchFamily="49" charset="0"/>
+                <a:ea typeface="Cascadia Code NF" panose="020B0609020000020004" pitchFamily="49" charset="0"/>
+                <a:cs typeface="Cascadia Code NF" panose="020B0609020000020004" pitchFamily="49" charset="0"/>
+              </a:rPr>
+              <a:t>    n1 =  10, n2 =  10:    S = </a:t>
+            </a:r>
+            <a:r>
+              <a:rPr lang="pl-PL" sz="1200" dirty="0">
+                <a:solidFill>
+                  <a:schemeClr val="accent6"/>
+                </a:solidFill>
+                <a:latin typeface="Cascadia Code NF" panose="020B0609020000020004" pitchFamily="49" charset="0"/>
+                <a:ea typeface="Cascadia Code NF" panose="020B0609020000020004" pitchFamily="49" charset="0"/>
+                <a:cs typeface="Cascadia Code NF" panose="020B0609020000020004" pitchFamily="49" charset="0"/>
+              </a:rPr>
+              <a:t>0.066</a:t>
+            </a:r>
+            <a:r>
+              <a:rPr lang="pl-PL" sz="1200" dirty="0">
+                <a:latin typeface="Cascadia Code NF" panose="020B0609020000020004" pitchFamily="49" charset="0"/>
+                <a:ea typeface="Cascadia Code NF" panose="020B0609020000020004" pitchFamily="49" charset="0"/>
+                <a:cs typeface="Cascadia Code NF" panose="020B0609020000020004" pitchFamily="49" charset="0"/>
+              </a:rPr>
+              <a:t>44487419023887</a:t>
+            </a:r>
+          </a:p>
+          <a:p>
+            <a:r>
+              <a:rPr lang="pl-PL" sz="1200" dirty="0">
+                <a:latin typeface="Cascadia Code NF" panose="020B0609020000020004" pitchFamily="49" charset="0"/>
+                <a:ea typeface="Cascadia Code NF" panose="020B0609020000020004" pitchFamily="49" charset="0"/>
+                <a:cs typeface="Cascadia Code NF" panose="020B0609020000020004" pitchFamily="49" charset="0"/>
+              </a:rPr>
+              <a:t>    n1 =  20, n2 =  20:    S = </a:t>
+            </a:r>
+            <a:r>
+              <a:rPr lang="pl-PL" sz="1200" dirty="0">
+                <a:solidFill>
+                  <a:schemeClr val="accent6"/>
+                </a:solidFill>
+                <a:latin typeface="Cascadia Code NF" panose="020B0609020000020004" pitchFamily="49" charset="0"/>
+                <a:ea typeface="Cascadia Code NF" panose="020B0609020000020004" pitchFamily="49" charset="0"/>
+                <a:cs typeface="Cascadia Code NF" panose="020B0609020000020004" pitchFamily="49" charset="0"/>
+              </a:rPr>
+              <a:t>0.066</a:t>
+            </a:r>
+            <a:r>
+              <a:rPr lang="pl-PL" sz="1200" dirty="0">
+                <a:latin typeface="Cascadia Code NF" panose="020B0609020000020004" pitchFamily="49" charset="0"/>
+                <a:ea typeface="Cascadia Code NF" panose="020B0609020000020004" pitchFamily="49" charset="0"/>
+                <a:cs typeface="Cascadia Code NF" panose="020B0609020000020004" pitchFamily="49" charset="0"/>
+              </a:rPr>
+              <a:t>55702917966301</a:t>
+            </a:r>
+          </a:p>
+          <a:p>
+            <a:endParaRPr lang="pl-PL" sz="1200" dirty="0">
+              <a:latin typeface="Cascadia Code NF" panose="020B0609020000020004" pitchFamily="49" charset="0"/>
+              <a:ea typeface="Cascadia Code NF" panose="020B0609020000020004" pitchFamily="49" charset="0"/>
+              <a:cs typeface="Cascadia Code NF" panose="020B0609020000020004" pitchFamily="49" charset="0"/>
+            </a:endParaRPr>
+          </a:p>
+          <a:p>
+            <a:endParaRPr lang="pl-PL" sz="1200" dirty="0">
+              <a:latin typeface="Cascadia Code NF" panose="020B0609020000020004" pitchFamily="49" charset="0"/>
+              <a:ea typeface="Cascadia Code NF" panose="020B0609020000020004" pitchFamily="49" charset="0"/>
+              <a:cs typeface="Cascadia Code NF" panose="020B0609020000020004" pitchFamily="49" charset="0"/>
+            </a:endParaRPr>
+          </a:p>
+          <a:p>
+            <a:endParaRPr lang="pl-PL" sz="1200" dirty="0">
+              <a:latin typeface="Cascadia Code NF" panose="020B0609020000020004" pitchFamily="49" charset="0"/>
+              <a:ea typeface="Cascadia Code NF" panose="020B0609020000020004" pitchFamily="49" charset="0"/>
+              <a:cs typeface="Cascadia Code NF" panose="020B0609020000020004" pitchFamily="49" charset="0"/>
+            </a:endParaRPr>
+          </a:p>
+          <a:p>
+            <a:endParaRPr lang="pl-PL" sz="1200" dirty="0">
+              <a:latin typeface="Cascadia Code NF" panose="020B0609020000020004" pitchFamily="49" charset="0"/>
+              <a:ea typeface="Cascadia Code NF" panose="020B0609020000020004" pitchFamily="49" charset="0"/>
+              <a:cs typeface="Cascadia Code NF" panose="020B0609020000020004" pitchFamily="49" charset="0"/>
+            </a:endParaRPr>
+          </a:p>
+          <a:p>
+            <a:endParaRPr lang="pl-PL" sz="1200" dirty="0">
+              <a:latin typeface="Cascadia Code NF" panose="020B0609020000020004" pitchFamily="49" charset="0"/>
+              <a:ea typeface="Cascadia Code NF" panose="020B0609020000020004" pitchFamily="49" charset="0"/>
+              <a:cs typeface="Cascadia Code NF" panose="020B0609020000020004" pitchFamily="49" charset="0"/>
+            </a:endParaRPr>
+          </a:p>
+          <a:p>
+            <a:endParaRPr lang="pl-PL" sz="1200" dirty="0">
+              <a:latin typeface="Cascadia Code NF" panose="020B0609020000020004" pitchFamily="49" charset="0"/>
+              <a:ea typeface="Cascadia Code NF" panose="020B0609020000020004" pitchFamily="49" charset="0"/>
+              <a:cs typeface="Cascadia Code NF" panose="020B0609020000020004" pitchFamily="49" charset="0"/>
+            </a:endParaRPr>
+          </a:p>
+          <a:p>
+            <a:r>
+              <a:rPr lang="pl-PL" sz="1200" dirty="0">
+                <a:latin typeface="Cascadia Code NF" panose="020B0609020000020004" pitchFamily="49" charset="0"/>
+                <a:ea typeface="Cascadia Code NF" panose="020B0609020000020004" pitchFamily="49" charset="0"/>
+                <a:cs typeface="Cascadia Code NF" panose="020B0609020000020004" pitchFamily="49" charset="0"/>
+              </a:rPr>
+              <a:t>Test dla funkcji: @(x,y)abs(x)+abs(y)</a:t>
+            </a:r>
+          </a:p>
+          <a:p>
+            <a:r>
+              <a:rPr lang="pl-PL" sz="1200" dirty="0">
+                <a:latin typeface="Cascadia Code NF" panose="020B0609020000020004" pitchFamily="49" charset="0"/>
+                <a:ea typeface="Cascadia Code NF" panose="020B0609020000020004" pitchFamily="49" charset="0"/>
+                <a:cs typeface="Cascadia Code NF" panose="020B0609020000020004" pitchFamily="49" charset="0"/>
+              </a:rPr>
+              <a:t>    Oczekiwany rezultat: 4/3 = 1.3(3)</a:t>
+            </a:r>
+          </a:p>
+          <a:p>
+            <a:r>
+              <a:rPr lang="pl-PL" sz="1200" dirty="0">
+                <a:latin typeface="Cascadia Code NF" panose="020B0609020000020004" pitchFamily="49" charset="0"/>
+                <a:ea typeface="Cascadia Code NF" panose="020B0609020000020004" pitchFamily="49" charset="0"/>
+                <a:cs typeface="Cascadia Code NF" panose="020B0609020000020004" pitchFamily="49" charset="0"/>
+              </a:rPr>
+              <a:t>    n1 =  10, n2 =  10:    S = </a:t>
+            </a:r>
+            <a:r>
+              <a:rPr lang="pl-PL" sz="1200" dirty="0">
+                <a:solidFill>
+                  <a:schemeClr val="accent6"/>
+                </a:solidFill>
+                <a:latin typeface="Cascadia Code NF" panose="020B0609020000020004" pitchFamily="49" charset="0"/>
+                <a:ea typeface="Cascadia Code NF" panose="020B0609020000020004" pitchFamily="49" charset="0"/>
+                <a:cs typeface="Cascadia Code NF" panose="020B0609020000020004" pitchFamily="49" charset="0"/>
+              </a:rPr>
+              <a:t>1.33</a:t>
+            </a:r>
+            <a:r>
+              <a:rPr lang="pl-PL" sz="1200" dirty="0">
+                <a:latin typeface="Cascadia Code NF" panose="020B0609020000020004" pitchFamily="49" charset="0"/>
+                <a:ea typeface="Cascadia Code NF" panose="020B0609020000020004" pitchFamily="49" charset="0"/>
+                <a:cs typeface="Cascadia Code NF" panose="020B0609020000020004" pitchFamily="49" charset="0"/>
+              </a:rPr>
+              <a:t>243179839523451</a:t>
+            </a:r>
+          </a:p>
+          <a:p>
+            <a:r>
+              <a:rPr lang="pl-PL" sz="1200" dirty="0">
+                <a:latin typeface="Cascadia Code NF" panose="020B0609020000020004" pitchFamily="49" charset="0"/>
+                <a:ea typeface="Cascadia Code NF" panose="020B0609020000020004" pitchFamily="49" charset="0"/>
+                <a:cs typeface="Cascadia Code NF" panose="020B0609020000020004" pitchFamily="49" charset="0"/>
+              </a:rPr>
+              <a:t>    n1 =  20, n2 =  20:    S = </a:t>
+            </a:r>
+            <a:r>
+              <a:rPr lang="pl-PL" sz="1200" dirty="0">
+                <a:solidFill>
+                  <a:schemeClr val="accent6"/>
+                </a:solidFill>
+                <a:latin typeface="Cascadia Code NF" panose="020B0609020000020004" pitchFamily="49" charset="0"/>
+                <a:ea typeface="Cascadia Code NF" panose="020B0609020000020004" pitchFamily="49" charset="0"/>
+                <a:cs typeface="Cascadia Code NF" panose="020B0609020000020004" pitchFamily="49" charset="0"/>
+              </a:rPr>
+              <a:t>1.333</a:t>
+            </a:r>
+            <a:r>
+              <a:rPr lang="pl-PL" sz="1200" dirty="0">
+                <a:latin typeface="Cascadia Code NF" panose="020B0609020000020004" pitchFamily="49" charset="0"/>
+                <a:ea typeface="Cascadia Code NF" panose="020B0609020000020004" pitchFamily="49" charset="0"/>
+                <a:cs typeface="Cascadia Code NF" panose="020B0609020000020004" pitchFamily="49" charset="0"/>
+              </a:rPr>
+              <a:t>10794959880896</a:t>
+            </a:r>
+          </a:p>
+          <a:p>
+            <a:endParaRPr lang="pl-PL" sz="1200" dirty="0">
+              <a:latin typeface="Cascadia Code NF" panose="020B0609020000020004" pitchFamily="49" charset="0"/>
+              <a:ea typeface="Cascadia Code NF" panose="020B0609020000020004" pitchFamily="49" charset="0"/>
+              <a:cs typeface="Cascadia Code NF" panose="020B0609020000020004" pitchFamily="49" charset="0"/>
+            </a:endParaRPr>
+          </a:p>
+          <a:p>
+            <a:r>
+              <a:rPr lang="pl-PL" sz="1200" dirty="0">
+                <a:latin typeface="Cascadia Code NF" panose="020B0609020000020004" pitchFamily="49" charset="0"/>
+                <a:ea typeface="Cascadia Code NF" panose="020B0609020000020004" pitchFamily="49" charset="0"/>
+                <a:cs typeface="Cascadia Code NF" panose="020B0609020000020004" pitchFamily="49" charset="0"/>
+              </a:rPr>
+              <a:t>Test dla funkcji: @(x,y)-exp(x+y)</a:t>
+            </a:r>
+          </a:p>
+          <a:p>
+            <a:r>
+              <a:rPr lang="pl-PL" sz="1200" dirty="0">
+                <a:latin typeface="Cascadia Code NF" panose="020B0609020000020004" pitchFamily="49" charset="0"/>
+                <a:ea typeface="Cascadia Code NF" panose="020B0609020000020004" pitchFamily="49" charset="0"/>
+                <a:cs typeface="Cascadia Code NF" panose="020B0609020000020004" pitchFamily="49" charset="0"/>
+              </a:rPr>
+              <a:t>    Oczekiwany rezultat: </a:t>
+            </a:r>
+            <a:r>
+              <a:rPr lang="pl-PL" sz="1200" dirty="0" err="1">
+                <a:latin typeface="Cascadia Code NF" panose="020B0609020000020004" pitchFamily="49" charset="0"/>
+                <a:ea typeface="Cascadia Code NF" panose="020B0609020000020004" pitchFamily="49" charset="0"/>
+                <a:cs typeface="Cascadia Code NF" panose="020B0609020000020004" pitchFamily="49" charset="0"/>
+              </a:rPr>
+              <a:t>exp</a:t>
+            </a:r>
+            <a:r>
+              <a:rPr lang="pl-PL" sz="1200" dirty="0">
+                <a:latin typeface="Cascadia Code NF" panose="020B0609020000020004" pitchFamily="49" charset="0"/>
+                <a:ea typeface="Cascadia Code NF" panose="020B0609020000020004" pitchFamily="49" charset="0"/>
+                <a:cs typeface="Cascadia Code NF" panose="020B0609020000020004" pitchFamily="49" charset="0"/>
+              </a:rPr>
+              <a:t>(1) - </a:t>
+            </a:r>
+            <a:r>
+              <a:rPr lang="pl-PL" sz="1200" dirty="0" err="1">
+                <a:latin typeface="Cascadia Code NF" panose="020B0609020000020004" pitchFamily="49" charset="0"/>
+                <a:ea typeface="Cascadia Code NF" panose="020B0609020000020004" pitchFamily="49" charset="0"/>
+                <a:cs typeface="Cascadia Code NF" panose="020B0609020000020004" pitchFamily="49" charset="0"/>
+              </a:rPr>
+              <a:t>exp</a:t>
+            </a:r>
+            <a:r>
+              <a:rPr lang="pl-PL" sz="1200" dirty="0">
+                <a:latin typeface="Cascadia Code NF" panose="020B0609020000020004" pitchFamily="49" charset="0"/>
+                <a:ea typeface="Cascadia Code NF" panose="020B0609020000020004" pitchFamily="49" charset="0"/>
+                <a:cs typeface="Cascadia Code NF" panose="020B0609020000020004" pitchFamily="49" charset="0"/>
+              </a:rPr>
+              <a:t>(-1) = 2.350402387287...</a:t>
+            </a:r>
+          </a:p>
+          <a:p>
+            <a:r>
+              <a:rPr lang="pl-PL" sz="1200" dirty="0">
+                <a:latin typeface="Cascadia Code NF" panose="020B0609020000020004" pitchFamily="49" charset="0"/>
+                <a:ea typeface="Cascadia Code NF" panose="020B0609020000020004" pitchFamily="49" charset="0"/>
+                <a:cs typeface="Cascadia Code NF" panose="020B0609020000020004" pitchFamily="49" charset="0"/>
+              </a:rPr>
+              <a:t>    n1 =  10, n2 =  10:    S = </a:t>
+            </a:r>
+            <a:r>
+              <a:rPr lang="pl-PL" sz="1200" dirty="0">
+                <a:solidFill>
+                  <a:schemeClr val="accent6"/>
+                </a:solidFill>
+                <a:latin typeface="Cascadia Code NF" panose="020B0609020000020004" pitchFamily="49" charset="0"/>
+                <a:ea typeface="Cascadia Code NF" panose="020B0609020000020004" pitchFamily="49" charset="0"/>
+                <a:cs typeface="Cascadia Code NF" panose="020B0609020000020004" pitchFamily="49" charset="0"/>
+              </a:rPr>
+              <a:t>-2.3504023872</a:t>
+            </a:r>
+            <a:r>
+              <a:rPr lang="pl-PL" sz="1200" dirty="0">
+                <a:latin typeface="Cascadia Code NF" panose="020B0609020000020004" pitchFamily="49" charset="0"/>
+                <a:ea typeface="Cascadia Code NF" panose="020B0609020000020004" pitchFamily="49" charset="0"/>
+                <a:cs typeface="Cascadia Code NF" panose="020B0609020000020004" pitchFamily="49" charset="0"/>
+              </a:rPr>
+              <a:t>1308725</a:t>
+            </a:r>
+          </a:p>
+          <a:p>
+            <a:r>
+              <a:rPr lang="pl-PL" sz="1200" dirty="0">
+                <a:latin typeface="Cascadia Code NF" panose="020B0609020000020004" pitchFamily="49" charset="0"/>
+                <a:ea typeface="Cascadia Code NF" panose="020B0609020000020004" pitchFamily="49" charset="0"/>
+                <a:cs typeface="Cascadia Code NF" panose="020B0609020000020004" pitchFamily="49" charset="0"/>
+              </a:rPr>
+              <a:t>    n1 =  20, n2 =  20:    S = </a:t>
+            </a:r>
+            <a:r>
+              <a:rPr lang="pl-PL" sz="1200" dirty="0">
+                <a:solidFill>
+                  <a:schemeClr val="accent6"/>
+                </a:solidFill>
+                <a:latin typeface="Cascadia Code NF" panose="020B0609020000020004" pitchFamily="49" charset="0"/>
+                <a:ea typeface="Cascadia Code NF" panose="020B0609020000020004" pitchFamily="49" charset="0"/>
+                <a:cs typeface="Cascadia Code NF" panose="020B0609020000020004" pitchFamily="49" charset="0"/>
+              </a:rPr>
+              <a:t>-2.35040238728</a:t>
+            </a:r>
+            <a:r>
+              <a:rPr lang="pl-PL" sz="1200" dirty="0">
+                <a:latin typeface="Cascadia Code NF" panose="020B0609020000020004" pitchFamily="49" charset="0"/>
+                <a:ea typeface="Cascadia Code NF" panose="020B0609020000020004" pitchFamily="49" charset="0"/>
+                <a:cs typeface="Cascadia Code NF" panose="020B0609020000020004" pitchFamily="49" charset="0"/>
+              </a:rPr>
+              <a:t>642636</a:t>
+            </a:r>
+          </a:p>
+          <a:p>
+            <a:endParaRPr lang="pl-PL" sz="1200" dirty="0">
+              <a:latin typeface="Cascadia Code NF" panose="020B0609020000020004" pitchFamily="49" charset="0"/>
+              <a:ea typeface="Cascadia Code NF" panose="020B0609020000020004" pitchFamily="49" charset="0"/>
+              <a:cs typeface="Cascadia Code NF" panose="020B0609020000020004" pitchFamily="49" charset="0"/>
+            </a:endParaRPr>
+          </a:p>
+          <a:p>
+            <a:r>
+              <a:rPr lang="pl-PL" sz="1200" dirty="0">
+                <a:latin typeface="Cascadia Code NF" panose="020B0609020000020004" pitchFamily="49" charset="0"/>
+                <a:ea typeface="Cascadia Code NF" panose="020B0609020000020004" pitchFamily="49" charset="0"/>
+                <a:cs typeface="Cascadia Code NF" panose="020B0609020000020004" pitchFamily="49" charset="0"/>
+              </a:rPr>
+              <a:t>Test dla funkcji: @(x,y)sin(x)*cos(y)</a:t>
+            </a:r>
+          </a:p>
+          <a:p>
+            <a:r>
+              <a:rPr lang="pl-PL" sz="1200" dirty="0">
+                <a:latin typeface="Cascadia Code NF" panose="020B0609020000020004" pitchFamily="49" charset="0"/>
+                <a:ea typeface="Cascadia Code NF" panose="020B0609020000020004" pitchFamily="49" charset="0"/>
+                <a:cs typeface="Cascadia Code NF" panose="020B0609020000020004" pitchFamily="49" charset="0"/>
+              </a:rPr>
+              <a:t>    Oczekiwany rezultat: 0.0</a:t>
+            </a:r>
+          </a:p>
+          <a:p>
+            <a:r>
+              <a:rPr lang="pl-PL" sz="1200" dirty="0">
+                <a:latin typeface="Cascadia Code NF" panose="020B0609020000020004" pitchFamily="49" charset="0"/>
+                <a:ea typeface="Cascadia Code NF" panose="020B0609020000020004" pitchFamily="49" charset="0"/>
+                <a:cs typeface="Cascadia Code NF" panose="020B0609020000020004" pitchFamily="49" charset="0"/>
+              </a:rPr>
+              <a:t>    n1 =  10, n2 =  10:    S = </a:t>
+            </a:r>
+            <a:r>
+              <a:rPr lang="pl-PL" sz="1200" dirty="0">
+                <a:solidFill>
+                  <a:schemeClr val="accent6"/>
+                </a:solidFill>
+                <a:latin typeface="Cascadia Code NF" panose="020B0609020000020004" pitchFamily="49" charset="0"/>
+                <a:ea typeface="Cascadia Code NF" panose="020B0609020000020004" pitchFamily="49" charset="0"/>
+                <a:cs typeface="Cascadia Code NF" panose="020B0609020000020004" pitchFamily="49" charset="0"/>
+              </a:rPr>
+              <a:t>0.0000000000000000</a:t>
+            </a:r>
+            <a:r>
+              <a:rPr lang="pl-PL" sz="1200" dirty="0">
+                <a:latin typeface="Cascadia Code NF" panose="020B0609020000020004" pitchFamily="49" charset="0"/>
+                <a:ea typeface="Cascadia Code NF" panose="020B0609020000020004" pitchFamily="49" charset="0"/>
+                <a:cs typeface="Cascadia Code NF" panose="020B0609020000020004" pitchFamily="49" charset="0"/>
+              </a:rPr>
+              <a:t>8</a:t>
+            </a:r>
+          </a:p>
+          <a:p>
+            <a:r>
+              <a:rPr lang="pl-PL" sz="1200" dirty="0">
+                <a:latin typeface="Cascadia Code NF" panose="020B0609020000020004" pitchFamily="49" charset="0"/>
+                <a:ea typeface="Cascadia Code NF" panose="020B0609020000020004" pitchFamily="49" charset="0"/>
+                <a:cs typeface="Cascadia Code NF" panose="020B0609020000020004" pitchFamily="49" charset="0"/>
+              </a:rPr>
+              <a:t>    n1 =  20, n2 =  20:    S = </a:t>
+            </a:r>
+            <a:r>
+              <a:rPr lang="pl-PL" sz="1200" dirty="0">
+                <a:solidFill>
+                  <a:schemeClr val="accent6"/>
+                </a:solidFill>
+                <a:latin typeface="Cascadia Code NF" panose="020B0609020000020004" pitchFamily="49" charset="0"/>
+                <a:ea typeface="Cascadia Code NF" panose="020B0609020000020004" pitchFamily="49" charset="0"/>
+                <a:cs typeface="Cascadia Code NF" panose="020B0609020000020004" pitchFamily="49" charset="0"/>
+              </a:rPr>
+              <a:t>-0.000000000000000</a:t>
+            </a:r>
+            <a:r>
+              <a:rPr lang="pl-PL" sz="1200" dirty="0">
+                <a:latin typeface="Cascadia Code NF" panose="020B0609020000020004" pitchFamily="49" charset="0"/>
+                <a:ea typeface="Cascadia Code NF" panose="020B0609020000020004" pitchFamily="49" charset="0"/>
+                <a:cs typeface="Cascadia Code NF" panose="020B0609020000020004" pitchFamily="49" charset="0"/>
+              </a:rPr>
+              <a:t>20</a:t>
+            </a:r>
+          </a:p>
+          <a:p>
+            <a:endParaRPr lang="pl-PL" sz="1200" dirty="0">
+              <a:latin typeface="Cascadia Code NF" panose="020B0609020000020004" pitchFamily="49" charset="0"/>
+              <a:ea typeface="Cascadia Code NF" panose="020B0609020000020004" pitchFamily="49" charset="0"/>
+              <a:cs typeface="Cascadia Code NF" panose="020B0609020000020004" pitchFamily="49" charset="0"/>
+            </a:endParaRPr>
+          </a:p>
+        </p:txBody>
+      </p:sp>
+    </p:spTree>
+    <p:extLst>
+      <p:ext uri="{BB962C8B-B14F-4D97-AF65-F5344CB8AC3E}">
+        <p14:creationId xmlns:p14="http://schemas.microsoft.com/office/powerpoint/2010/main" val="153938623"/>
+      </p:ext>
+    </p:extLst>
+  </p:cSld>
+  <p:clrMapOvr>
+    <a:masterClrMapping/>
+  </p:clrMapOvr>
+</p:sld>
+</file>
+
 <file path=ppt/theme/theme1.xml><?xml version="1.0" encoding="utf-8"?>
+<a:theme xmlns:a="http://schemas.openxmlformats.org/drawingml/2006/main" name="Office Theme">
+  <a:themeElements>
+    <a:clrScheme name="Office">
+      <a:dk1>
+        <a:sysClr val="windowText" lastClr="000000"/>
+      </a:dk1>
+      <a:lt1>
+        <a:sysClr val="window" lastClr="FFFFFF"/>
+      </a:lt1>
+      <a:dk2>
+        <a:srgbClr val="0E2841"/>
+      </a:dk2>
+      <a:lt2>
+        <a:srgbClr val="E8E8E8"/>
+      </a:lt2>
+      <a:accent1>
+        <a:srgbClr val="156082"/>
+      </a:accent1>
+      <a:accent2>
+        <a:srgbClr val="E97132"/>
+      </a:accent2>
+      <a:accent3>
+        <a:srgbClr val="196B24"/>
+      </a:accent3>
+      <a:accent4>
+        <a:srgbClr val="0F9ED5"/>
+      </a:accent4>
+      <a:accent5>
+        <a:srgbClr val="A02B93"/>
+      </a:accent5>
+      <a:accent6>
+        <a:srgbClr val="4EA72E"/>
+      </a:accent6>
+      <a:hlink>
+        <a:srgbClr val="467886"/>
+      </a:hlink>
+      <a:folHlink>
+        <a:srgbClr val="96607D"/>
+      </a:folHlink>
+    </a:clrScheme>
+    <a:fontScheme name="Office">
+      <a:majorFont>
+        <a:latin typeface="Aptos Display" panose="02110004020202020204"/>
+        <a:ea typeface=""/>
+        <a:cs typeface=""/>
+        <a:font script="Jpan" typeface="游ゴシック Light"/>
+        <a:font script="Hang" typeface="맑은 고딕"/>
+        <a:font script="Hans" typeface="等线 Light"/>
+        <a:font script="Hant" typeface="新細明體"/>
+        <a:font script="Arab" typeface="Times New Roman"/>
+        <a:font script="Hebr" typeface="Times New Roman"/>
+        <a:font script="Thai" typeface="Angsana New"/>
+        <a:font script="Ethi" typeface="Nyala"/>
+        <a:font script="Beng" typeface="Vrinda"/>
+        <a:font script="Gujr" typeface="Shruti"/>
+        <a:font script="Khmr" typeface="MoolBoran"/>
+        <a:font script="Knda" typeface="Tunga"/>
+        <a:font script="Guru" typeface="Raavi"/>
+        <a:font script="Cans" typeface="Euphemia"/>
+        <a:font script="Cher" typeface="Plantagenet Cherokee"/>
+        <a:font script="Yiii" typeface="Microsoft Yi Baiti"/>
+        <a:font script="Tibt" typeface="Microsoft Himalaya"/>
+        <a:font script="Thaa" typeface="MV Boli"/>
+        <a:font script="Deva" typeface="Mangal"/>
+        <a:font script="Telu" typeface="Gautami"/>
+        <a:font script="Taml" typeface="Latha"/>
+        <a:font script="Syrc" typeface="Estrangelo Edessa"/>
+        <a:font script="Orya" typeface="Kalinga"/>
+        <a:font script="Mlym" typeface="Kartika"/>
+        <a:font script="Laoo" typeface="DokChampa"/>
+        <a:font script="Sinh" typeface="Iskoola Pota"/>
+        <a:font script="Mong" typeface="Mongolian Baiti"/>
+        <a:font script="Viet" typeface="Times New Roman"/>
+        <a:font script="Uigh" typeface="Microsoft Uighur"/>
+        <a:font script="Geor" typeface="Sylfaen"/>
+        <a:font script="Armn" typeface="Arial"/>
+        <a:font script="Bugi" typeface="Leelawadee UI"/>
+        <a:font script="Bopo" typeface="Microsoft JhengHei"/>
+        <a:font script="Java" typeface="Javanese Text"/>
+        <a:font script="Lisu" typeface="Segoe UI"/>
+        <a:font script="Mymr" typeface="Myanmar Text"/>
+        <a:font script="Nkoo" typeface="Ebrima"/>
+        <a:font script="Olck" typeface="Nirmala UI"/>
+        <a:font script="Osma" typeface="Ebrima"/>
+        <a:font script="Phag" typeface="Phagspa"/>
+        <a:font script="Syrn" typeface="Estrangelo Edessa"/>
+        <a:font script="Syrj" typeface="Estrangelo Edessa"/>
+        <a:font script="Syre" typeface="Estrangelo Edessa"/>
+        <a:font script="Sora" typeface="Nirmala UI"/>
+        <a:font script="Tale" typeface="Microsoft Tai Le"/>
+        <a:font script="Talu" typeface="Microsoft New Tai Lue"/>
+        <a:font script="Tfng" typeface="Ebrima"/>
+      </a:majorFont>
+      <a:minorFont>
+        <a:latin typeface="Aptos" panose="02110004020202020204"/>
+        <a:ea typeface=""/>
+        <a:cs typeface=""/>
+        <a:font script="Jpan" typeface="游ゴシック"/>
+        <a:font script="Hang" typeface="맑은 고딕"/>
+        <a:font script="Hans" typeface="等线"/>
+        <a:font script="Hant" typeface="新細明體"/>
+        <a:font script="Arab" typeface="Arial"/>
+        <a:font script="Hebr" typeface="Arial"/>
+        <a:font script="Thai" typeface="Cordia New"/>
+        <a:font script="Ethi" typeface="Nyala"/>
+        <a:font script="Beng" typeface="Vrinda"/>
+        <a:font script="Gujr" typeface="Shruti"/>
+        <a:font script="Khmr" typeface="DaunPenh"/>
+        <a:font script="Knda" typeface="Tunga"/>
+        <a:font script="Guru" typeface="Raavi"/>
+        <a:font script="Cans" typeface="Euphemia"/>
+        <a:font script="Cher" typeface="Plantagenet Cherokee"/>
+        <a:font script="Yiii" typeface="Microsoft Yi Baiti"/>
+        <a:font script="Tibt" typeface="Microsoft Himalaya"/>
+        <a:font script="Thaa" typeface="MV Boli"/>
+        <a:font script="Deva" typeface="Mangal"/>
+        <a:font script="Telu" typeface="Gautami"/>
+        <a:font script="Taml" typeface="Latha"/>
+        <a:font script="Syrc" typeface="Estrangelo Edessa"/>
+        <a:font script="Orya" typeface="Kalinga"/>
+        <a:font script="Mlym" typeface="Kartika"/>
+        <a:font script="Laoo" typeface="DokChampa"/>
+        <a:font script="Sinh" typeface="Iskoola Pota"/>
+        <a:font script="Mong" typeface="Mongolian Baiti"/>
+        <a:font script="Viet" typeface="Arial"/>
+        <a:font script="Uigh" typeface="Microsoft Uighur"/>
+        <a:font script="Geor" typeface="Sylfaen"/>
+        <a:font script="Armn" typeface="Arial"/>
+        <a:font script="Bugi" typeface="Leelawadee UI"/>
+        <a:font script="Bopo" typeface="Microsoft JhengHei"/>
+        <a:font script="Java" typeface="Javanese Text"/>
+        <a:font script="Lisu" typeface="Segoe UI"/>
+        <a:font script="Mymr" typeface="Myanmar Text"/>
+        <a:font script="Nkoo" typeface="Ebrima"/>
+        <a:font script="Olck" typeface="Nirmala UI"/>
+        <a:font script="Osma" typeface="Ebrima"/>
+        <a:font script="Phag" typeface="Phagspa"/>
+        <a:font script="Syrn" typeface="Estrangelo Edessa"/>
+        <a:font script="Syrj" typeface="Estrangelo Edessa"/>
+        <a:font script="Syre" typeface="Estrangelo Edessa"/>
+        <a:font script="Sora" typeface="Nirmala UI"/>
+        <a:font script="Tale" typeface="Microsoft Tai Le"/>
+        <a:font script="Talu" typeface="Microsoft New Tai Lue"/>
+        <a:font script="Tfng" typeface="Ebrima"/>
+      </a:minorFont>
+    </a:fontScheme>
+    <a:fmtScheme name="Office">
+      <a:fillStyleLst>
+        <a:solidFill>
+          <a:schemeClr val="phClr"/>
+        </a:solidFill>
+        <a:gradFill rotWithShape="1">
+          <a:gsLst>
+            <a:gs pos="0">
+              <a:schemeClr val="phClr">
+                <a:lumMod val="110000"/>
+                <a:satMod val="105000"/>
+                <a:tint val="67000"/>
+              </a:schemeClr>
+            </a:gs>
+            <a:gs pos="50000">
+              <a:schemeClr val="phClr">
+                <a:lumMod val="105000"/>
+                <a:satMod val="103000"/>
+                <a:tint val="73000"/>
+              </a:schemeClr>
+            </a:gs>
+            <a:gs pos="100000">
+              <a:schemeClr val="phClr">
+                <a:lumMod val="105000"/>
+                <a:satMod val="109000"/>
+                <a:tint val="81000"/>
+              </a:schemeClr>
+            </a:gs>
+          </a:gsLst>
+          <a:lin ang="5400000" scaled="0"/>
+        </a:gradFill>
+        <a:gradFill rotWithShape="1">
+          <a:gsLst>
+            <a:gs pos="0">
+              <a:schemeClr val="phClr">
+                <a:satMod val="103000"/>
+                <a:lumMod val="102000"/>
+                <a:tint val="94000"/>
+              </a:schemeClr>
+            </a:gs>
+            <a:gs pos="50000">
+              <a:schemeClr val="phClr">
+                <a:satMod val="110000"/>
+                <a:lumMod val="100000"/>
+                <a:shade val="100000"/>
+              </a:schemeClr>
+            </a:gs>
+            <a:gs pos="100000">
+              <a:schemeClr val="phClr">
+                <a:lumMod val="99000"/>
+                <a:satMod val="120000"/>
+                <a:shade val="78000"/>
+              </a:schemeClr>
+            </a:gs>
+          </a:gsLst>
+          <a:lin ang="5400000" scaled="0"/>
+        </a:gradFill>
+      </a:fillStyleLst>
+      <a:lnStyleLst>
+        <a:ln w="12700" cap="flat" cmpd="sng" algn="ctr">
+          <a:solidFill>
+            <a:schemeClr val="phClr"/>
+          </a:solidFill>
+          <a:prstDash val="solid"/>
+          <a:miter lim="800000"/>
+        </a:ln>
+        <a:ln w="19050" cap="flat" cmpd="sng" algn="ctr">
+          <a:solidFill>
+            <a:schemeClr val="phClr"/>
+          </a:solidFill>
+          <a:prstDash val="solid"/>
+          <a:miter lim="800000"/>
+        </a:ln>
+        <a:ln w="25400" cap="flat" cmpd="sng" algn="ctr">
+          <a:solidFill>
+            <a:schemeClr val="phClr"/>
+          </a:solidFill>
+          <a:prstDash val="solid"/>
+          <a:miter lim="800000"/>
+        </a:ln>
+      </a:lnStyleLst>
+      <a:effectStyleLst>
+        <a:effectStyle>
+          <a:effectLst/>
+        </a:effectStyle>
+        <a:effectStyle>
+          <a:effectLst/>
+        </a:effectStyle>
+        <a:effectStyle>
+          <a:effectLst>
+            <a:outerShdw blurRad="57150" dist="19050" dir="5400000" algn="ctr" rotWithShape="0">
+              <a:srgbClr val="000000">
+                <a:alpha val="63000"/>
+              </a:srgbClr>
+            </a:outerShdw>
+          </a:effectLst>
+        </a:effectStyle>
+      </a:effectStyleLst>
+      <a:bgFillStyleLst>
+        <a:solidFill>
+          <a:schemeClr val="phClr"/>
+        </a:solidFill>
+        <a:solidFill>
+          <a:schemeClr val="phClr">
+            <a:tint val="95000"/>
+            <a:satMod val="170000"/>
+          </a:schemeClr>
+        </a:solidFill>
+        <a:gradFill rotWithShape="1">
+          <a:gsLst>
+            <a:gs pos="0">
+              <a:schemeClr val="phClr">
+                <a:tint val="93000"/>
+                <a:satMod val="150000"/>
+                <a:shade val="98000"/>
+                <a:lumMod val="102000"/>
+              </a:schemeClr>
+            </a:gs>
+            <a:gs pos="50000">
+              <a:schemeClr val="phClr">
+                <a:tint val="98000"/>
+                <a:satMod val="130000"/>
+                <a:shade val="90000"/>
+                <a:lumMod val="103000"/>
+              </a:schemeClr>
+            </a:gs>
+            <a:gs pos="100000">
+              <a:schemeClr val="phClr">
+                <a:shade val="63000"/>
+                <a:satMod val="120000"/>
+              </a:schemeClr>
+            </a:gs>
+          </a:gsLst>
+          <a:lin ang="5400000" scaled="0"/>
+        </a:gradFill>
+      </a:bgFillStyleLst>
+    </a:fmtScheme>
+  </a:themeElements>
+  <a:objectDefaults>
+    <a:lnDef>
+      <a:spPr/>
+      <a:bodyPr/>
+      <a:lstStyle/>
+      <a:style>
+        <a:lnRef idx="2">
+          <a:schemeClr val="accent1"/>
+        </a:lnRef>
+        <a:fillRef idx="0">
+          <a:schemeClr val="accent1"/>
+        </a:fillRef>
+        <a:effectRef idx="1">
+          <a:schemeClr val="accent1"/>
+        </a:effectRef>
+        <a:fontRef idx="minor">
+          <a:schemeClr val="tx1"/>
+        </a:fontRef>
+      </a:style>
+    </a:lnDef>
+  </a:objectDefaults>
+  <a:extraClrSchemeLst/>
+  <a:extLst>
+    <a:ext uri="{05A4C25C-085E-4340-85A3-A5531E510DB2}">
+      <thm15:themeFamily xmlns:thm15="http://schemas.microsoft.com/office/thememl/2012/main" name="Office Theme" id="{2E142A2C-CD16-42D6-873A-C26D2A0506FA}" vid="{1BDDFF52-6CD6-40A5-AB3C-68EB2F1E4D0A}"/>
+    </a:ext>
+  </a:extLst>
+</a:theme>
+</file>
+
+<file path=ppt/theme/theme2.xml><?xml version="1.0" encoding="utf-8"?>
 <a:theme xmlns:a="http://schemas.openxmlformats.org/drawingml/2006/main" name="Office Theme">
   <a:themeElements>
     <a:clrScheme name="Office">
